--- a/Documentation/ISEF/Poster.pptx
+++ b/Documentation/ISEF/Poster.pptx
@@ -885,7 +885,7 @@
       </dgm:t>
     </dgm:pt>
     <dgm:pt modelId="{19128D80-C668-4E2D-ADE5-4D8C214258F7}">
-      <dgm:prSet phldrT="[Text]" phldr="0" custT="0"/>
+      <dgm:prSet phldrT="[Text]" phldr="0" custT="1"/>
       <dgm:spPr/>
       <dgm:t>
         <a:bodyPr vert="horz" wrap="square"/>
@@ -902,22 +902,22 @@
             </a:spcAft>
           </a:pPr>
           <a:r>
-            <a:rPr lang="en-US"/>
+            <a:rPr lang="en-US" sz="1800"/>
             <a:t>Client A types a </a:t>
           </a:r>
           <a:r>
-            <a:rPr lang="en-US" altLang="en-US"/>
+            <a:rPr lang="en-US" altLang="en-US" sz="1800"/>
             <a:t>message</a:t>
           </a:r>
           <a:r>
-            <a:rPr lang="en-US" altLang="en-US"/>
+            <a:rPr lang="en-US" altLang="en-US" sz="1800"/>
             <a:t/>
           </a:r>
-          <a:endParaRPr lang="en-US" altLang="en-US"/>
+          <a:endParaRPr lang="en-US" altLang="en-US" sz="1800"/>
         </a:p>
       </dgm:t>
     </dgm:pt>
-    <dgm:pt modelId="{DE0F27FA-73BB-4EA4-9778-8D9EBA925AF5}" cxnId="{E6C296DE-2EBA-47D4-A979-B5E0245AA8D8}" type="parTrans">
+    <dgm:pt modelId="{DE0F27FA-73BB-4EA4-9778-8D9EBA925AF5}" cxnId="{9495C5ED-BE5A-4DA0-A2FA-86EF1453FB47}" type="parTrans">
       <dgm:prSet/>
       <dgm:spPr/>
       <dgm:t>
@@ -927,7 +927,7 @@
         </a:p>
       </dgm:t>
     </dgm:pt>
-    <dgm:pt modelId="{86A670AC-FF76-4079-9596-4A9A0BA8F624}" cxnId="{E6C296DE-2EBA-47D4-A979-B5E0245AA8D8}" type="sibTrans">
+    <dgm:pt modelId="{86A670AC-FF76-4079-9596-4A9A0BA8F624}" cxnId="{9495C5ED-BE5A-4DA0-A2FA-86EF1453FB47}" type="sibTrans">
       <dgm:prSet/>
       <dgm:spPr/>
       <dgm:t>
@@ -938,7 +938,7 @@
       </dgm:t>
     </dgm:pt>
     <dgm:pt modelId="{FB525A3D-67C1-409F-B27A-CD75D02395B7}">
-      <dgm:prSet phldrT="[Text]" phldr="0" custT="0"/>
+      <dgm:prSet phldrT="[Text]" phldr="0" custT="1"/>
       <dgm:spPr>
         <a:solidFill>
           <a:schemeClr val="tx1">
@@ -962,14 +962,69 @@
             </a:spcAft>
           </a:pPr>
           <a:r>
-            <a:rPr lang="en-US"/>
-            <a:t>Client A uploads the message to the FTP Server</a:t>
+            <a:rPr lang="en-US" sz="1400">
+              <a:latin typeface="Microsoft YaHei" panose="020B0503020204020204" charset="-122"/>
+              <a:ea typeface="Microsoft YaHei" panose="020B0503020204020204" charset="-122"/>
+            </a:rPr>
+            <a:t>Client A uploads the</a:t>
           </a:r>
-          <a:endParaRPr lang="en-US"/>
+          <a:r>
+            <a:rPr lang="en-US" sz="1400">
+              <a:latin typeface="Microsoft YaHei" panose="020B0503020204020204" charset="-122"/>
+              <a:ea typeface="Microsoft YaHei" panose="020B0503020204020204" charset="-122"/>
+            </a:rPr>
+            <a:t> </a:t>
+          </a:r>
+          <a:r>
+            <a:rPr lang="en-US" sz="1400">
+              <a:latin typeface="Microsoft YaHei" panose="020B0503020204020204" charset="-122"/>
+              <a:ea typeface="Microsoft YaHei" panose="020B0503020204020204" charset="-122"/>
+            </a:rPr>
+            <a:t>message</a:t>
+          </a:r>
+          <a:r>
+            <a:rPr lang="en-US" sz="1400">
+              <a:latin typeface="Microsoft YaHei" panose="020B0503020204020204" charset="-122"/>
+              <a:ea typeface="Microsoft YaHei" panose="020B0503020204020204" charset="-122"/>
+            </a:rPr>
+            <a:t> </a:t>
+          </a:r>
+          <a:r>
+            <a:rPr lang="en-US" sz="1400">
+              <a:latin typeface="Microsoft YaHei" panose="020B0503020204020204" charset="-122"/>
+              <a:ea typeface="Microsoft YaHei" panose="020B0503020204020204" charset="-122"/>
+            </a:rPr>
+            <a:t>to</a:t>
+          </a:r>
+          <a:r>
+            <a:rPr lang="en-US" sz="1400">
+              <a:latin typeface="Microsoft YaHei" panose="020B0503020204020204" charset="-122"/>
+              <a:ea typeface="Microsoft YaHei" panose="020B0503020204020204" charset="-122"/>
+            </a:rPr>
+            <a:t> </a:t>
+          </a:r>
+          <a:r>
+            <a:rPr lang="en-US" sz="1400">
+              <a:latin typeface="Microsoft YaHei" panose="020B0503020204020204" charset="-122"/>
+              <a:ea typeface="Microsoft YaHei" panose="020B0503020204020204" charset="-122"/>
+            </a:rPr>
+            <a:t>the FTP Server</a:t>
+          </a:r>
+          <a:r>
+            <a:rPr lang="en-US" sz="1400">
+              <a:latin typeface="Microsoft YaHei" panose="020B0503020204020204" charset="-122"/>
+              <a:ea typeface="Microsoft YaHei" panose="020B0503020204020204" charset="-122"/>
+            </a:rPr>
+            <a:t/>
+          </a:r>
+          <a:endParaRPr lang="en-US" sz="1400">
+            <a:latin typeface="Microsoft YaHei" panose="020B0503020204020204" charset="-122"/>
+            <a:ea typeface="Microsoft YaHei" panose="020B0503020204020204" charset="-122"/>
+          </a:endParaRPr>
         </a:p>
       </dgm:t>
     </dgm:pt>
-    <dgm:pt modelId="{660A7B3A-2EEC-4431-855B-9AC956FBBA1C}" cxnId="{68BA55A5-4078-4AA7-BD70-BD0CFAA01CCA}" type="parTrans">
+    <dgm:pt modelId="{660A7B3A-2EEC-4431-855B-9AC956FBBA1C}" cxnId="{CBA6F4B1-DE83-448F-8F3C-21B43421C694}" type="parTrans">
       <dgm:prSet/>
       <dgm:spPr/>
       <dgm:t>
@@ -979,7 +1034,7 @@
         </a:p>
       </dgm:t>
     </dgm:pt>
-    <dgm:pt modelId="{1AB63EA3-9EE1-467A-9AED-AA4865BC6583}" cxnId="{68BA55A5-4078-4AA7-BD70-BD0CFAA01CCA}" type="sibTrans">
+    <dgm:pt modelId="{1AB63EA3-9EE1-467A-9AED-AA4865BC6583}" cxnId="{CBA6F4B1-DE83-448F-8F3C-21B43421C694}" type="sibTrans">
       <dgm:prSet/>
       <dgm:spPr/>
       <dgm:t>
@@ -990,7 +1045,7 @@
       </dgm:t>
     </dgm:pt>
     <dgm:pt modelId="{EE1B1B8E-DEE5-4FD1-B749-CB4814574F41}">
-      <dgm:prSet phldrT="[Text]" phldr="0" custT="0"/>
+      <dgm:prSet phldrT="[Text]" phldr="0" custT="1"/>
       <dgm:spPr>
         <a:solidFill>
           <a:schemeClr val="tx1">
@@ -1014,14 +1069,26 @@
             </a:spcAft>
           </a:pPr>
           <a:r>
-            <a:rPr lang="en-US" altLang="en-US"/>
-            <a:t>Client B Downloads message from the FTP Server</a:t>
+            <a:rPr lang="en-US" altLang="en-US" sz="1200"/>
+            <a:t>Client B </a:t>
           </a:r>
-          <a:endParaRPr lang="en-US" altLang="en-US"/>
+          <a:r>
+            <a:rPr lang="en-US" altLang="en-US" sz="1400"/>
+            <a:t>Downloads </a:t>
+          </a:r>
+          <a:r>
+            <a:rPr lang="en-US" altLang="en-US" sz="1200"/>
+            <a:t>message from the FTP Server</a:t>
+          </a:r>
+          <a:r>
+            <a:rPr lang="en-US" altLang="en-US" sz="1200"/>
+            <a:t/>
+          </a:r>
+          <a:endParaRPr lang="en-US" altLang="en-US" sz="1200"/>
         </a:p>
       </dgm:t>
     </dgm:pt>
-    <dgm:pt modelId="{1BAC8C82-524D-4513-A1AC-09A55CE1C974}" cxnId="{C1BF89E7-8766-49F1-997D-4E04A8D4E5BD}" type="parTrans">
+    <dgm:pt modelId="{1BAC8C82-524D-4513-A1AC-09A55CE1C974}" cxnId="{7C7DE9BA-86C2-4444-883A-B1DDC20B1B22}" type="parTrans">
       <dgm:prSet/>
       <dgm:spPr/>
       <dgm:t>
@@ -1031,7 +1098,7 @@
         </a:p>
       </dgm:t>
     </dgm:pt>
-    <dgm:pt modelId="{10B193D5-E874-4D7F-9CA6-82825E87DC0E}" cxnId="{C1BF89E7-8766-49F1-997D-4E04A8D4E5BD}" type="sibTrans">
+    <dgm:pt modelId="{10B193D5-E874-4D7F-9CA6-82825E87DC0E}" cxnId="{7C7DE9BA-86C2-4444-883A-B1DDC20B1B22}" type="sibTrans">
       <dgm:prSet/>
       <dgm:spPr/>
       <dgm:t>
@@ -1076,7 +1143,7 @@
         </a:p>
       </dgm:t>
     </dgm:pt>
-    <dgm:pt modelId="{3C9FBC6B-50ED-4757-8C5B-89419165D5AF}" cxnId="{3CF2B28B-F79B-4ECA-AF76-8DF281509F74}" type="parTrans">
+    <dgm:pt modelId="{3C9FBC6B-50ED-4757-8C5B-89419165D5AF}" cxnId="{BFD2A90C-47D7-4AC4-BFF6-CBE1BE16E860}" type="parTrans">
       <dgm:prSet/>
       <dgm:spPr/>
       <dgm:t>
@@ -1086,7 +1153,7 @@
         </a:p>
       </dgm:t>
     </dgm:pt>
-    <dgm:pt modelId="{ADF435FD-1EEC-4111-B0E5-FE82C78372EF}" cxnId="{3CF2B28B-F79B-4ECA-AF76-8DF281509F74}" type="sibTrans">
+    <dgm:pt modelId="{ADF435FD-1EEC-4111-B0E5-FE82C78372EF}" cxnId="{BFD2A90C-47D7-4AC4-BFF6-CBE1BE16E860}" type="sibTrans">
       <dgm:prSet/>
       <dgm:spPr/>
       <dgm:t>
@@ -1097,7 +1164,7 @@
       </dgm:t>
     </dgm:pt>
     <dgm:pt modelId="{19218FDC-B00F-4BB9-A0D7-A816B0A24887}">
-      <dgm:prSet phldrT="[Text]" phldr="0" custT="0"/>
+      <dgm:prSet phldrT="[Text]" phldr="0" custT="1"/>
       <dgm:spPr>
         <a:solidFill>
           <a:schemeClr val="tx1">
@@ -1121,26 +1188,30 @@
             </a:spcAft>
           </a:pPr>
           <a:r>
-            <a:rPr>
+            <a:rPr sz="1300">
               <a:sym typeface="+mn-ea"/>
             </a:rPr>
             <a:t>C</a:t>
           </a:r>
           <a:r>
-            <a:rPr lang="en-US">
+            <a:rPr lang="en-US" sz="1300">
               <a:sym typeface="+mn-ea"/>
             </a:rPr>
             <a:t>lient B uploads the reply message to the FTP Server</a:t>
           </a:r>
           <a:r>
-            <a:rPr lang="en-US"/>
+            <a:rPr lang="en-US" sz="1300">
+              <a:sym typeface="+mn-ea"/>
+            </a:rPr>
             <a:t/>
           </a:r>
-          <a:endParaRPr lang="en-US"/>
+          <a:endParaRPr lang="en-US" sz="1300">
+            <a:sym typeface="+mn-ea"/>
+          </a:endParaRPr>
         </a:p>
       </dgm:t>
     </dgm:pt>
-    <dgm:pt modelId="{372FFAD0-285E-433E-8567-06E0DDFA82F0}" cxnId="{E66B2044-289A-41AA-95DF-2C0A2911582C}" type="parTrans">
+    <dgm:pt modelId="{372FFAD0-285E-433E-8567-06E0DDFA82F0}" cxnId="{CC41D739-F6B8-4325-9F47-6CEA55784824}" type="parTrans">
       <dgm:prSet/>
       <dgm:spPr/>
       <dgm:t>
@@ -1150,7 +1221,7 @@
         </a:p>
       </dgm:t>
     </dgm:pt>
-    <dgm:pt modelId="{C51FBF8F-5459-4C3F-AA37-75120837A52D}" cxnId="{E66B2044-289A-41AA-95DF-2C0A2911582C}" type="sibTrans">
+    <dgm:pt modelId="{C51FBF8F-5459-4C3F-AA37-75120837A52D}" cxnId="{CC41D739-F6B8-4325-9F47-6CEA55784824}" type="sibTrans">
       <dgm:prSet/>
       <dgm:spPr/>
       <dgm:t>
@@ -1161,7 +1232,7 @@
       </dgm:t>
     </dgm:pt>
     <dgm:pt modelId="{5F2E48A2-46C8-4FEB-8079-81D83B475B05}">
-      <dgm:prSet phldr="0" custT="0"/>
+      <dgm:prSet phldr="0" custT="1"/>
       <dgm:spPr>
         <a:solidFill>
           <a:schemeClr val="tx1">
@@ -1185,30 +1256,34 @@
             </a:spcAft>
           </a:pPr>
           <a:r>
-            <a:rPr>
+            <a:rPr sz="1400">
               <a:sym typeface="+mn-ea"/>
             </a:rPr>
             <a:t>C</a:t>
           </a:r>
           <a:r>
-            <a:rPr lang="en-US" altLang="en-US">
+            <a:rPr lang="en-US" altLang="en-US" sz="1400">
               <a:sym typeface="+mn-ea"/>
             </a:rPr>
             <a:t>lient A Downloads message from the FTP Server</a:t>
           </a:r>
           <a:r>
-            <a:rPr lang="en-US" altLang="en-US"/>
+            <a:rPr lang="en-US" altLang="en-US" sz="1400">
+              <a:sym typeface="+mn-ea"/>
+            </a:rPr>
             <a:t/>
           </a:r>
-          <a:endParaRPr lang="en-US" altLang="en-US"/>
+          <a:endParaRPr lang="en-US" altLang="en-US" sz="1400">
+            <a:sym typeface="+mn-ea"/>
+          </a:endParaRPr>
         </a:p>
       </dgm:t>
     </dgm:pt>
-    <dgm:pt modelId="{4CF23FF8-7409-484E-A36F-4C6CC09BBC6D}" cxnId="{8732F6AD-3D57-403E-88D7-4EA6485292D1}" type="parTrans">
+    <dgm:pt modelId="{4CF23FF8-7409-484E-A36F-4C6CC09BBC6D}" cxnId="{EBF3381C-CDFB-415A-BE2F-7DC2450F04E6}" type="parTrans">
       <dgm:prSet/>
       <dgm:spPr/>
     </dgm:pt>
-    <dgm:pt modelId="{BC821C9B-9FB1-44E4-9B4A-AE391B655E37}" cxnId="{8732F6AD-3D57-403E-88D7-4EA6485292D1}" type="sibTrans">
+    <dgm:pt modelId="{BC821C9B-9FB1-44E4-9B4A-AE391B655E37}" cxnId="{EBF3381C-CDFB-415A-BE2F-7DC2450F04E6}" type="sibTrans">
       <dgm:prSet/>
       <dgm:spPr/>
     </dgm:pt>
@@ -1319,43 +1394,43 @@
     </dgm:pt>
   </dgm:ptLst>
   <dgm:cxnLst>
-    <dgm:cxn modelId="{E6C296DE-2EBA-47D4-A979-B5E0245AA8D8}" srcId="{61675814-F93D-49AF-BE9D-D9E10357E89C}" destId="{19128D80-C668-4E2D-ADE5-4D8C214258F7}" srcOrd="0" destOrd="0" parTransId="{DE0F27FA-73BB-4EA4-9778-8D9EBA925AF5}" sibTransId="{86A670AC-FF76-4079-9596-4A9A0BA8F624}"/>
-    <dgm:cxn modelId="{68BA55A5-4078-4AA7-BD70-BD0CFAA01CCA}" srcId="{61675814-F93D-49AF-BE9D-D9E10357E89C}" destId="{FB525A3D-67C1-409F-B27A-CD75D02395B7}" srcOrd="1" destOrd="0" parTransId="{660A7B3A-2EEC-4431-855B-9AC956FBBA1C}" sibTransId="{1AB63EA3-9EE1-467A-9AED-AA4865BC6583}"/>
-    <dgm:cxn modelId="{C1BF89E7-8766-49F1-997D-4E04A8D4E5BD}" srcId="{61675814-F93D-49AF-BE9D-D9E10357E89C}" destId="{EE1B1B8E-DEE5-4FD1-B749-CB4814574F41}" srcOrd="2" destOrd="0" parTransId="{1BAC8C82-524D-4513-A1AC-09A55CE1C974}" sibTransId="{10B193D5-E874-4D7F-9CA6-82825E87DC0E}"/>
-    <dgm:cxn modelId="{3CF2B28B-F79B-4ECA-AF76-8DF281509F74}" srcId="{61675814-F93D-49AF-BE9D-D9E10357E89C}" destId="{49AFFE84-C0D6-4DE5-8A1B-BD56866F9594}" srcOrd="3" destOrd="0" parTransId="{3C9FBC6B-50ED-4757-8C5B-89419165D5AF}" sibTransId="{ADF435FD-1EEC-4111-B0E5-FE82C78372EF}"/>
-    <dgm:cxn modelId="{E66B2044-289A-41AA-95DF-2C0A2911582C}" srcId="{61675814-F93D-49AF-BE9D-D9E10357E89C}" destId="{19218FDC-B00F-4BB9-A0D7-A816B0A24887}" srcOrd="4" destOrd="0" parTransId="{372FFAD0-285E-433E-8567-06E0DDFA82F0}" sibTransId="{C51FBF8F-5459-4C3F-AA37-75120837A52D}"/>
-    <dgm:cxn modelId="{8732F6AD-3D57-403E-88D7-4EA6485292D1}" srcId="{61675814-F93D-49AF-BE9D-D9E10357E89C}" destId="{5F2E48A2-46C8-4FEB-8079-81D83B475B05}" srcOrd="5" destOrd="0" parTransId="{4CF23FF8-7409-484E-A36F-4C6CC09BBC6D}" sibTransId="{BC821C9B-9FB1-44E4-9B4A-AE391B655E37}"/>
-    <dgm:cxn modelId="{E3E68DDA-27DF-4CE8-BBA9-4BED89D16A95}" type="presOf" srcId="{61675814-F93D-49AF-BE9D-D9E10357E89C}" destId="{8F483899-E69D-49E9-AFAD-248DEA394C36}" srcOrd="0" destOrd="0" presId="urn:microsoft.com/office/officeart/2005/8/layout/cycle5"/>
-    <dgm:cxn modelId="{91BAFF00-E05C-4B80-8892-C5D8EB4691DE}" type="presParOf" srcId="{8F483899-E69D-49E9-AFAD-248DEA394C36}" destId="{0C7D36D6-1AA8-4919-A9DE-300F574FC64F}" srcOrd="0" destOrd="0" presId="urn:microsoft.com/office/officeart/2005/8/layout/cycle5"/>
-    <dgm:cxn modelId="{881818B8-D4FE-4F2C-AE07-49E6C6119993}" type="presOf" srcId="{19128D80-C668-4E2D-ADE5-4D8C214258F7}" destId="{0C7D36D6-1AA8-4919-A9DE-300F574FC64F}" srcOrd="0" destOrd="0" presId="urn:microsoft.com/office/officeart/2005/8/layout/cycle5"/>
-    <dgm:cxn modelId="{1B099DF4-2E61-43B9-8F10-7E7505B404A0}" type="presParOf" srcId="{8F483899-E69D-49E9-AFAD-248DEA394C36}" destId="{58F22B57-56EB-4243-8851-A6A77508F8BD}" srcOrd="1" destOrd="0" presId="urn:microsoft.com/office/officeart/2005/8/layout/cycle5"/>
-    <dgm:cxn modelId="{D44670C9-1C5F-4840-BF23-1C9A8F614181}" type="presParOf" srcId="{8F483899-E69D-49E9-AFAD-248DEA394C36}" destId="{B26405B1-C8B6-441C-A596-CEB708F554F8}" srcOrd="2" destOrd="0" presId="urn:microsoft.com/office/officeart/2005/8/layout/cycle5"/>
-    <dgm:cxn modelId="{4FC1EC0D-34B3-4A82-AEF2-E2804CF51845}" type="presOf" srcId="{86A670AC-FF76-4079-9596-4A9A0BA8F624}" destId="{B26405B1-C8B6-441C-A596-CEB708F554F8}" srcOrd="0" destOrd="0" presId="urn:microsoft.com/office/officeart/2005/8/layout/cycle5"/>
-    <dgm:cxn modelId="{1B8737AF-0BD1-4E82-9F5F-1BCA02756A0D}" type="presParOf" srcId="{8F483899-E69D-49E9-AFAD-248DEA394C36}" destId="{0901F604-F9EC-4D76-A6ED-BA32352C5A98}" srcOrd="3" destOrd="0" presId="urn:microsoft.com/office/officeart/2005/8/layout/cycle5"/>
-    <dgm:cxn modelId="{54A171BE-227B-4FCB-854F-016D6AED140B}" type="presOf" srcId="{FB525A3D-67C1-409F-B27A-CD75D02395B7}" destId="{0901F604-F9EC-4D76-A6ED-BA32352C5A98}" srcOrd="0" destOrd="0" presId="urn:microsoft.com/office/officeart/2005/8/layout/cycle5"/>
-    <dgm:cxn modelId="{DF865E62-6FAD-4B4A-AAB1-02897902464A}" type="presParOf" srcId="{8F483899-E69D-49E9-AFAD-248DEA394C36}" destId="{4E4C2EC6-DF0C-4115-81BC-B86C27D576E6}" srcOrd="4" destOrd="0" presId="urn:microsoft.com/office/officeart/2005/8/layout/cycle5"/>
-    <dgm:cxn modelId="{5BB5C69C-0681-4130-BB1A-E0D8CE972484}" type="presParOf" srcId="{8F483899-E69D-49E9-AFAD-248DEA394C36}" destId="{5B35789F-BCCE-4841-A4C6-2EA3CF032314}" srcOrd="5" destOrd="0" presId="urn:microsoft.com/office/officeart/2005/8/layout/cycle5"/>
-    <dgm:cxn modelId="{3373D28E-D0B1-41DE-90A2-10B8968DB24A}" type="presOf" srcId="{1AB63EA3-9EE1-467A-9AED-AA4865BC6583}" destId="{5B35789F-BCCE-4841-A4C6-2EA3CF032314}" srcOrd="0" destOrd="0" presId="urn:microsoft.com/office/officeart/2005/8/layout/cycle5"/>
-    <dgm:cxn modelId="{EBC8C83A-8D94-457F-8115-9DBAB3AFFAC1}" type="presParOf" srcId="{8F483899-E69D-49E9-AFAD-248DEA394C36}" destId="{9FF9719A-5B20-43F5-A219-1ADBC30214AD}" srcOrd="6" destOrd="0" presId="urn:microsoft.com/office/officeart/2005/8/layout/cycle5"/>
-    <dgm:cxn modelId="{8C70C847-30C7-46CB-ABF7-FD7B6CE1C875}" type="presOf" srcId="{EE1B1B8E-DEE5-4FD1-B749-CB4814574F41}" destId="{9FF9719A-5B20-43F5-A219-1ADBC30214AD}" srcOrd="0" destOrd="0" presId="urn:microsoft.com/office/officeart/2005/8/layout/cycle5"/>
-    <dgm:cxn modelId="{394514EB-8960-4D76-BDA1-8DB9AE954021}" type="presParOf" srcId="{8F483899-E69D-49E9-AFAD-248DEA394C36}" destId="{933AA802-040A-4E70-BCF0-622F53BD9066}" srcOrd="7" destOrd="0" presId="urn:microsoft.com/office/officeart/2005/8/layout/cycle5"/>
-    <dgm:cxn modelId="{497E7071-8164-4091-A359-DDB8262D329C}" type="presParOf" srcId="{8F483899-E69D-49E9-AFAD-248DEA394C36}" destId="{E94B8C4B-C366-48BF-8697-8C04F1C25124}" srcOrd="8" destOrd="0" presId="urn:microsoft.com/office/officeart/2005/8/layout/cycle5"/>
-    <dgm:cxn modelId="{4798EF1B-0150-49E1-9E56-F36AB4CDB26C}" type="presOf" srcId="{10B193D5-E874-4D7F-9CA6-82825E87DC0E}" destId="{E94B8C4B-C366-48BF-8697-8C04F1C25124}" srcOrd="0" destOrd="0" presId="urn:microsoft.com/office/officeart/2005/8/layout/cycle5"/>
-    <dgm:cxn modelId="{B0B89281-B0BE-4995-A384-279C40EF04B6}" type="presParOf" srcId="{8F483899-E69D-49E9-AFAD-248DEA394C36}" destId="{D3EADAB4-143F-49B5-8573-A79F4FA79E2C}" srcOrd="9" destOrd="0" presId="urn:microsoft.com/office/officeart/2005/8/layout/cycle5"/>
-    <dgm:cxn modelId="{B2BF47F7-5DBC-413D-8E89-C80A186831D2}" type="presOf" srcId="{49AFFE84-C0D6-4DE5-8A1B-BD56866F9594}" destId="{D3EADAB4-143F-49B5-8573-A79F4FA79E2C}" srcOrd="0" destOrd="0" presId="urn:microsoft.com/office/officeart/2005/8/layout/cycle5"/>
-    <dgm:cxn modelId="{1DEC1578-4FD4-49C9-BBF1-95538A0DC8D5}" type="presParOf" srcId="{8F483899-E69D-49E9-AFAD-248DEA394C36}" destId="{BCBF9FA4-7A1B-460F-AE30-22FC02697592}" srcOrd="10" destOrd="0" presId="urn:microsoft.com/office/officeart/2005/8/layout/cycle5"/>
-    <dgm:cxn modelId="{C2B17ED5-7FC9-49A8-B97B-E5C91B538ED4}" type="presParOf" srcId="{8F483899-E69D-49E9-AFAD-248DEA394C36}" destId="{D2FB9AAA-02FE-4314-A268-2F3D8E512C5C}" srcOrd="11" destOrd="0" presId="urn:microsoft.com/office/officeart/2005/8/layout/cycle5"/>
-    <dgm:cxn modelId="{C7EA2FEB-107A-4A1A-840F-8AE1C2EFE7F1}" type="presOf" srcId="{ADF435FD-1EEC-4111-B0E5-FE82C78372EF}" destId="{D2FB9AAA-02FE-4314-A268-2F3D8E512C5C}" srcOrd="0" destOrd="0" presId="urn:microsoft.com/office/officeart/2005/8/layout/cycle5"/>
-    <dgm:cxn modelId="{A3BB9A9D-8CA8-4098-B3FC-A69EB9449122}" type="presParOf" srcId="{8F483899-E69D-49E9-AFAD-248DEA394C36}" destId="{1BF2D754-8785-43BB-B33B-E8E13EA73F30}" srcOrd="12" destOrd="0" presId="urn:microsoft.com/office/officeart/2005/8/layout/cycle5"/>
-    <dgm:cxn modelId="{0C4713EE-CF84-4051-B6C0-58E70B58CA29}" type="presOf" srcId="{19218FDC-B00F-4BB9-A0D7-A816B0A24887}" destId="{1BF2D754-8785-43BB-B33B-E8E13EA73F30}" srcOrd="0" destOrd="0" presId="urn:microsoft.com/office/officeart/2005/8/layout/cycle5"/>
-    <dgm:cxn modelId="{AC08739E-66C8-41D4-BFAD-A4458E26BD7B}" type="presParOf" srcId="{8F483899-E69D-49E9-AFAD-248DEA394C36}" destId="{EB9B5FEF-A577-4F93-AF7E-A5B8942027E5}" srcOrd="13" destOrd="0" presId="urn:microsoft.com/office/officeart/2005/8/layout/cycle5"/>
-    <dgm:cxn modelId="{8F16E668-5A83-417E-8B87-C5B72E3D249D}" type="presParOf" srcId="{8F483899-E69D-49E9-AFAD-248DEA394C36}" destId="{45BBA764-932B-4A31-9891-7437D938FD2C}" srcOrd="14" destOrd="0" presId="urn:microsoft.com/office/officeart/2005/8/layout/cycle5"/>
-    <dgm:cxn modelId="{FD29DF33-7CDD-4200-93BE-C0FC188A05EC}" type="presOf" srcId="{C51FBF8F-5459-4C3F-AA37-75120837A52D}" destId="{45BBA764-932B-4A31-9891-7437D938FD2C}" srcOrd="0" destOrd="0" presId="urn:microsoft.com/office/officeart/2005/8/layout/cycle5"/>
-    <dgm:cxn modelId="{6F686FA8-B3F8-45E5-A3E2-0E851C823D7B}" type="presParOf" srcId="{8F483899-E69D-49E9-AFAD-248DEA394C36}" destId="{3AC315D0-3C83-4084-BE33-345E78734EB2}" srcOrd="15" destOrd="0" presId="urn:microsoft.com/office/officeart/2005/8/layout/cycle5"/>
-    <dgm:cxn modelId="{AAFC0E4E-FA00-4EC4-BA97-11EB97DAFD3A}" type="presOf" srcId="{5F2E48A2-46C8-4FEB-8079-81D83B475B05}" destId="{3AC315D0-3C83-4084-BE33-345E78734EB2}" srcOrd="0" destOrd="0" presId="urn:microsoft.com/office/officeart/2005/8/layout/cycle5"/>
-    <dgm:cxn modelId="{3E5311B1-2974-45D4-AB37-D8F3AA0CE11A}" type="presParOf" srcId="{8F483899-E69D-49E9-AFAD-248DEA394C36}" destId="{601C6C93-8772-46A3-B9AC-063B57C68E70}" srcOrd="16" destOrd="0" presId="urn:microsoft.com/office/officeart/2005/8/layout/cycle5"/>
-    <dgm:cxn modelId="{748CC9BA-FA34-4B4A-B850-B029E4AA2AAC}" type="presParOf" srcId="{8F483899-E69D-49E9-AFAD-248DEA394C36}" destId="{D00F99D7-7D4F-4DE1-938E-73959051A970}" srcOrd="17" destOrd="0" presId="urn:microsoft.com/office/officeart/2005/8/layout/cycle5"/>
-    <dgm:cxn modelId="{DF6F1803-260C-4076-9AB9-9208CCD6A424}" type="presOf" srcId="{BC821C9B-9FB1-44E4-9B4A-AE391B655E37}" destId="{D00F99D7-7D4F-4DE1-938E-73959051A970}" srcOrd="0" destOrd="0" presId="urn:microsoft.com/office/officeart/2005/8/layout/cycle5"/>
+    <dgm:cxn modelId="{9495C5ED-BE5A-4DA0-A2FA-86EF1453FB47}" srcId="{61675814-F93D-49AF-BE9D-D9E10357E89C}" destId="{19128D80-C668-4E2D-ADE5-4D8C214258F7}" srcOrd="0" destOrd="0" parTransId="{DE0F27FA-73BB-4EA4-9778-8D9EBA925AF5}" sibTransId="{86A670AC-FF76-4079-9596-4A9A0BA8F624}"/>
+    <dgm:cxn modelId="{CBA6F4B1-DE83-448F-8F3C-21B43421C694}" srcId="{61675814-F93D-49AF-BE9D-D9E10357E89C}" destId="{FB525A3D-67C1-409F-B27A-CD75D02395B7}" srcOrd="1" destOrd="0" parTransId="{660A7B3A-2EEC-4431-855B-9AC956FBBA1C}" sibTransId="{1AB63EA3-9EE1-467A-9AED-AA4865BC6583}"/>
+    <dgm:cxn modelId="{7C7DE9BA-86C2-4444-883A-B1DDC20B1B22}" srcId="{61675814-F93D-49AF-BE9D-D9E10357E89C}" destId="{EE1B1B8E-DEE5-4FD1-B749-CB4814574F41}" srcOrd="2" destOrd="0" parTransId="{1BAC8C82-524D-4513-A1AC-09A55CE1C974}" sibTransId="{10B193D5-E874-4D7F-9CA6-82825E87DC0E}"/>
+    <dgm:cxn modelId="{BFD2A90C-47D7-4AC4-BFF6-CBE1BE16E860}" srcId="{61675814-F93D-49AF-BE9D-D9E10357E89C}" destId="{49AFFE84-C0D6-4DE5-8A1B-BD56866F9594}" srcOrd="3" destOrd="0" parTransId="{3C9FBC6B-50ED-4757-8C5B-89419165D5AF}" sibTransId="{ADF435FD-1EEC-4111-B0E5-FE82C78372EF}"/>
+    <dgm:cxn modelId="{CC41D739-F6B8-4325-9F47-6CEA55784824}" srcId="{61675814-F93D-49AF-BE9D-D9E10357E89C}" destId="{19218FDC-B00F-4BB9-A0D7-A816B0A24887}" srcOrd="4" destOrd="0" parTransId="{372FFAD0-285E-433E-8567-06E0DDFA82F0}" sibTransId="{C51FBF8F-5459-4C3F-AA37-75120837A52D}"/>
+    <dgm:cxn modelId="{EBF3381C-CDFB-415A-BE2F-7DC2450F04E6}" srcId="{61675814-F93D-49AF-BE9D-D9E10357E89C}" destId="{5F2E48A2-46C8-4FEB-8079-81D83B475B05}" srcOrd="5" destOrd="0" parTransId="{4CF23FF8-7409-484E-A36F-4C6CC09BBC6D}" sibTransId="{BC821C9B-9FB1-44E4-9B4A-AE391B655E37}"/>
+    <dgm:cxn modelId="{64FA7EF2-5C84-4046-9924-66A607A1DCB7}" type="presOf" srcId="{61675814-F93D-49AF-BE9D-D9E10357E89C}" destId="{8F483899-E69D-49E9-AFAD-248DEA394C36}" srcOrd="0" destOrd="0" presId="urn:microsoft.com/office/officeart/2005/8/layout/cycle5"/>
+    <dgm:cxn modelId="{0F048D4F-46FC-4E6B-AB9E-3AFC3DB26D4E}" type="presParOf" srcId="{8F483899-E69D-49E9-AFAD-248DEA394C36}" destId="{0C7D36D6-1AA8-4919-A9DE-300F574FC64F}" srcOrd="0" destOrd="0" presId="urn:microsoft.com/office/officeart/2005/8/layout/cycle5"/>
+    <dgm:cxn modelId="{9EF9210C-0C2F-4C96-98C8-7CBBE0131BCE}" type="presOf" srcId="{19128D80-C668-4E2D-ADE5-4D8C214258F7}" destId="{0C7D36D6-1AA8-4919-A9DE-300F574FC64F}" srcOrd="0" destOrd="0" presId="urn:microsoft.com/office/officeart/2005/8/layout/cycle5"/>
+    <dgm:cxn modelId="{94D8180E-2D52-49A1-997D-9504D67D4116}" type="presParOf" srcId="{8F483899-E69D-49E9-AFAD-248DEA394C36}" destId="{58F22B57-56EB-4243-8851-A6A77508F8BD}" srcOrd="1" destOrd="0" presId="urn:microsoft.com/office/officeart/2005/8/layout/cycle5"/>
+    <dgm:cxn modelId="{37F41CF6-0D1D-4676-ADBE-48B90E8A5F4C}" type="presParOf" srcId="{8F483899-E69D-49E9-AFAD-248DEA394C36}" destId="{B26405B1-C8B6-441C-A596-CEB708F554F8}" srcOrd="2" destOrd="0" presId="urn:microsoft.com/office/officeart/2005/8/layout/cycle5"/>
+    <dgm:cxn modelId="{04B594EE-4239-4A5E-B73E-198A17355DF6}" type="presOf" srcId="{86A670AC-FF76-4079-9596-4A9A0BA8F624}" destId="{B26405B1-C8B6-441C-A596-CEB708F554F8}" srcOrd="0" destOrd="0" presId="urn:microsoft.com/office/officeart/2005/8/layout/cycle5"/>
+    <dgm:cxn modelId="{B7AC9AD8-8373-48EA-9872-0AC41D9BC2E3}" type="presParOf" srcId="{8F483899-E69D-49E9-AFAD-248DEA394C36}" destId="{0901F604-F9EC-4D76-A6ED-BA32352C5A98}" srcOrd="3" destOrd="0" presId="urn:microsoft.com/office/officeart/2005/8/layout/cycle5"/>
+    <dgm:cxn modelId="{7B94E932-0000-46A2-A47A-B244039B84D8}" type="presOf" srcId="{FB525A3D-67C1-409F-B27A-CD75D02395B7}" destId="{0901F604-F9EC-4D76-A6ED-BA32352C5A98}" srcOrd="0" destOrd="0" presId="urn:microsoft.com/office/officeart/2005/8/layout/cycle5"/>
+    <dgm:cxn modelId="{B652534A-D530-4824-A340-BA786C9C2577}" type="presParOf" srcId="{8F483899-E69D-49E9-AFAD-248DEA394C36}" destId="{4E4C2EC6-DF0C-4115-81BC-B86C27D576E6}" srcOrd="4" destOrd="0" presId="urn:microsoft.com/office/officeart/2005/8/layout/cycle5"/>
+    <dgm:cxn modelId="{7AEB704F-5950-4E60-A339-11A9CA719E04}" type="presParOf" srcId="{8F483899-E69D-49E9-AFAD-248DEA394C36}" destId="{5B35789F-BCCE-4841-A4C6-2EA3CF032314}" srcOrd="5" destOrd="0" presId="urn:microsoft.com/office/officeart/2005/8/layout/cycle5"/>
+    <dgm:cxn modelId="{0EF8FD1F-AE4D-41CF-8795-4BB5CC682E33}" type="presOf" srcId="{1AB63EA3-9EE1-467A-9AED-AA4865BC6583}" destId="{5B35789F-BCCE-4841-A4C6-2EA3CF032314}" srcOrd="0" destOrd="0" presId="urn:microsoft.com/office/officeart/2005/8/layout/cycle5"/>
+    <dgm:cxn modelId="{E1A95C60-6C5E-4432-8A11-4D5FAC5F46FB}" type="presParOf" srcId="{8F483899-E69D-49E9-AFAD-248DEA394C36}" destId="{9FF9719A-5B20-43F5-A219-1ADBC30214AD}" srcOrd="6" destOrd="0" presId="urn:microsoft.com/office/officeart/2005/8/layout/cycle5"/>
+    <dgm:cxn modelId="{1E850388-376A-47D4-AABB-9F89081A71AC}" type="presOf" srcId="{EE1B1B8E-DEE5-4FD1-B749-CB4814574F41}" destId="{9FF9719A-5B20-43F5-A219-1ADBC30214AD}" srcOrd="0" destOrd="0" presId="urn:microsoft.com/office/officeart/2005/8/layout/cycle5"/>
+    <dgm:cxn modelId="{4D998D6A-2254-4B0C-B7EB-76003D772110}" type="presParOf" srcId="{8F483899-E69D-49E9-AFAD-248DEA394C36}" destId="{933AA802-040A-4E70-BCF0-622F53BD9066}" srcOrd="7" destOrd="0" presId="urn:microsoft.com/office/officeart/2005/8/layout/cycle5"/>
+    <dgm:cxn modelId="{96DBB4A5-4516-41BB-A2A5-2CCF0167AB6C}" type="presParOf" srcId="{8F483899-E69D-49E9-AFAD-248DEA394C36}" destId="{E94B8C4B-C366-48BF-8697-8C04F1C25124}" srcOrd="8" destOrd="0" presId="urn:microsoft.com/office/officeart/2005/8/layout/cycle5"/>
+    <dgm:cxn modelId="{7110932D-C7C3-4BDA-A5A0-DC86F3109811}" type="presOf" srcId="{10B193D5-E874-4D7F-9CA6-82825E87DC0E}" destId="{E94B8C4B-C366-48BF-8697-8C04F1C25124}" srcOrd="0" destOrd="0" presId="urn:microsoft.com/office/officeart/2005/8/layout/cycle5"/>
+    <dgm:cxn modelId="{DCDECFA2-F208-44E5-9DE1-7A5131400820}" type="presParOf" srcId="{8F483899-E69D-49E9-AFAD-248DEA394C36}" destId="{D3EADAB4-143F-49B5-8573-A79F4FA79E2C}" srcOrd="9" destOrd="0" presId="urn:microsoft.com/office/officeart/2005/8/layout/cycle5"/>
+    <dgm:cxn modelId="{314EA2FC-B95C-40F9-9B7C-21085CD55455}" type="presOf" srcId="{49AFFE84-C0D6-4DE5-8A1B-BD56866F9594}" destId="{D3EADAB4-143F-49B5-8573-A79F4FA79E2C}" srcOrd="0" destOrd="0" presId="urn:microsoft.com/office/officeart/2005/8/layout/cycle5"/>
+    <dgm:cxn modelId="{D1EBF446-C1DB-442A-AC0A-752647919335}" type="presParOf" srcId="{8F483899-E69D-49E9-AFAD-248DEA394C36}" destId="{BCBF9FA4-7A1B-460F-AE30-22FC02697592}" srcOrd="10" destOrd="0" presId="urn:microsoft.com/office/officeart/2005/8/layout/cycle5"/>
+    <dgm:cxn modelId="{3E4ED1A3-821F-4009-9A5B-2CADD20513F3}" type="presParOf" srcId="{8F483899-E69D-49E9-AFAD-248DEA394C36}" destId="{D2FB9AAA-02FE-4314-A268-2F3D8E512C5C}" srcOrd="11" destOrd="0" presId="urn:microsoft.com/office/officeart/2005/8/layout/cycle5"/>
+    <dgm:cxn modelId="{9F41263D-EFD7-495A-873E-CCBEF54BE7D1}" type="presOf" srcId="{ADF435FD-1EEC-4111-B0E5-FE82C78372EF}" destId="{D2FB9AAA-02FE-4314-A268-2F3D8E512C5C}" srcOrd="0" destOrd="0" presId="urn:microsoft.com/office/officeart/2005/8/layout/cycle5"/>
+    <dgm:cxn modelId="{59571BF5-88A4-4AE4-8ACC-87DA13456145}" type="presParOf" srcId="{8F483899-E69D-49E9-AFAD-248DEA394C36}" destId="{1BF2D754-8785-43BB-B33B-E8E13EA73F30}" srcOrd="12" destOrd="0" presId="urn:microsoft.com/office/officeart/2005/8/layout/cycle5"/>
+    <dgm:cxn modelId="{56FF083D-883D-4644-8E52-8570F1E75E1B}" type="presOf" srcId="{19218FDC-B00F-4BB9-A0D7-A816B0A24887}" destId="{1BF2D754-8785-43BB-B33B-E8E13EA73F30}" srcOrd="0" destOrd="0" presId="urn:microsoft.com/office/officeart/2005/8/layout/cycle5"/>
+    <dgm:cxn modelId="{0510BC00-9C0D-4F5B-BB54-01D9080A4C8C}" type="presParOf" srcId="{8F483899-E69D-49E9-AFAD-248DEA394C36}" destId="{EB9B5FEF-A577-4F93-AF7E-A5B8942027E5}" srcOrd="13" destOrd="0" presId="urn:microsoft.com/office/officeart/2005/8/layout/cycle5"/>
+    <dgm:cxn modelId="{8439326F-BB38-40A6-BE56-6B838B8C75C5}" type="presParOf" srcId="{8F483899-E69D-49E9-AFAD-248DEA394C36}" destId="{45BBA764-932B-4A31-9891-7437D938FD2C}" srcOrd="14" destOrd="0" presId="urn:microsoft.com/office/officeart/2005/8/layout/cycle5"/>
+    <dgm:cxn modelId="{08CF0286-9FC3-4A9B-9164-3E45D6124925}" type="presOf" srcId="{C51FBF8F-5459-4C3F-AA37-75120837A52D}" destId="{45BBA764-932B-4A31-9891-7437D938FD2C}" srcOrd="0" destOrd="0" presId="urn:microsoft.com/office/officeart/2005/8/layout/cycle5"/>
+    <dgm:cxn modelId="{BC88D627-2EA6-40C3-95B2-A2AB7226B409}" type="presParOf" srcId="{8F483899-E69D-49E9-AFAD-248DEA394C36}" destId="{3AC315D0-3C83-4084-BE33-345E78734EB2}" srcOrd="15" destOrd="0" presId="urn:microsoft.com/office/officeart/2005/8/layout/cycle5"/>
+    <dgm:cxn modelId="{2A9F849E-3A6B-46B4-BF24-882BDDB02237}" type="presOf" srcId="{5F2E48A2-46C8-4FEB-8079-81D83B475B05}" destId="{3AC315D0-3C83-4084-BE33-345E78734EB2}" srcOrd="0" destOrd="0" presId="urn:microsoft.com/office/officeart/2005/8/layout/cycle5"/>
+    <dgm:cxn modelId="{7F1A0504-7405-4E68-BBCB-026D46EA6745}" type="presParOf" srcId="{8F483899-E69D-49E9-AFAD-248DEA394C36}" destId="{601C6C93-8772-46A3-B9AC-063B57C68E70}" srcOrd="16" destOrd="0" presId="urn:microsoft.com/office/officeart/2005/8/layout/cycle5"/>
+    <dgm:cxn modelId="{E3727F26-56C2-4AC8-8189-686F6F8C98F3}" type="presParOf" srcId="{8F483899-E69D-49E9-AFAD-248DEA394C36}" destId="{D00F99D7-7D4F-4DE1-938E-73959051A970}" srcOrd="17" destOrd="0" presId="urn:microsoft.com/office/officeart/2005/8/layout/cycle5"/>
+    <dgm:cxn modelId="{47CDDA4A-1728-4A0D-A995-461F1D316733}" type="presOf" srcId="{BC821C9B-9FB1-44E4-9B4A-AE391B655E37}" destId="{D00F99D7-7D4F-4DE1-938E-73959051A970}" srcOrd="0" destOrd="0" presId="urn:microsoft.com/office/officeart/2005/8/layout/cycle5"/>
   </dgm:cxnLst>
   <dgm:bg/>
   <dgm:whole/>
@@ -1377,9 +1452,9 @@
     <dsp:grpSpPr>
       <a:xfrm>
         <a:off x="0" y="0"/>
-        <a:ext cx="8128000" cy="5418455"/>
+        <a:ext cx="8346440" cy="5620385"/>
         <a:chOff x="0" y="0"/>
-        <a:chExt cx="8128000" cy="5418455"/>
+        <a:chExt cx="8346440" cy="5620385"/>
       </a:xfrm>
     </dsp:grpSpPr>
     <dsp:sp modelId="{0C7D36D6-1AA8-4919-A9DE-300F574FC64F}">
@@ -1389,8 +1464,8 @@
       </dsp:nvSpPr>
       <dsp:spPr bwMode="white">
         <a:xfrm>
-          <a:off x="3333662" y="0"/>
-          <a:ext cx="1460675" cy="949439"/>
+          <a:off x="3415665" y="0"/>
+          <a:ext cx="1515110" cy="984822"/>
         </a:xfrm>
         <a:prstGeom prst="roundRect">
           <a:avLst/>
@@ -1411,34 +1486,34 @@
         </a:fontRef>
       </dsp:style>
       <dsp:txBody>
-        <a:bodyPr vert="horz" wrap="square" lIns="45719" tIns="45719" rIns="45719" bIns="45719" anchor="ctr"/>
+        <a:bodyPr vert="horz" wrap="square" lIns="68580" tIns="68580" rIns="68580" bIns="68580" anchor="ctr"/>
         <a:lstStyle>
           <a:lvl1pPr algn="ctr">
+            <a:defRPr sz="1600"/>
+          </a:lvl1pPr>
+          <a:lvl2pPr marL="114300" indent="-114300" algn="ctr">
             <a:defRPr sz="1200"/>
-          </a:lvl1pPr>
-          <a:lvl2pPr marL="57150" indent="-57150" algn="ctr">
-            <a:defRPr sz="900"/>
           </a:lvl2pPr>
-          <a:lvl3pPr marL="114300" indent="-57150" algn="ctr">
-            <a:defRPr sz="900"/>
+          <a:lvl3pPr marL="228600" indent="-114300" algn="ctr">
+            <a:defRPr sz="1200"/>
           </a:lvl3pPr>
-          <a:lvl4pPr marL="171450" indent="-57150" algn="ctr">
-            <a:defRPr sz="900"/>
+          <a:lvl4pPr marL="342900" indent="-114300" algn="ctr">
+            <a:defRPr sz="1200"/>
           </a:lvl4pPr>
-          <a:lvl5pPr marL="228600" indent="-57150" algn="ctr">
-            <a:defRPr sz="900"/>
+          <a:lvl5pPr marL="457200" indent="-114300" algn="ctr">
+            <a:defRPr sz="1200"/>
           </a:lvl5pPr>
-          <a:lvl6pPr marL="285750" indent="-57150" algn="ctr">
-            <a:defRPr sz="900"/>
+          <a:lvl6pPr marL="571500" indent="-114300" algn="ctr">
+            <a:defRPr sz="1200"/>
           </a:lvl6pPr>
-          <a:lvl7pPr marL="342900" indent="-57150" algn="ctr">
-            <a:defRPr sz="900"/>
+          <a:lvl7pPr marL="685800" indent="-114300" algn="ctr">
+            <a:defRPr sz="1200"/>
           </a:lvl7pPr>
-          <a:lvl8pPr marL="400050" indent="-57150" algn="ctr">
-            <a:defRPr sz="900"/>
+          <a:lvl8pPr marL="800100" indent="-114300" algn="ctr">
+            <a:defRPr sz="1200"/>
           </a:lvl8pPr>
-          <a:lvl9pPr marL="457200" indent="-57150" algn="ctr">
-            <a:defRPr sz="900"/>
+          <a:lvl9pPr marL="914400" indent="-114300" algn="ctr">
+            <a:defRPr sz="1200"/>
           </a:lvl9pPr>
         </a:lstStyle>
         <a:p>
@@ -1454,19 +1529,19 @@
             </a:spcAft>
           </a:pPr>
           <a:r>
-            <a:rPr lang="en-US"/>
+            <a:rPr lang="en-US" sz="1800"/>
             <a:t>Client A types a </a:t>
           </a:r>
           <a:r>
-            <a:rPr lang="en-US" altLang="en-US"/>
+            <a:rPr lang="en-US" altLang="en-US" sz="1800"/>
             <a:t>message</a:t>
           </a:r>
-          <a:endParaRPr lang="en-US" altLang="en-US"/>
+          <a:endParaRPr lang="en-US" altLang="en-US" sz="1800"/>
         </a:p>
       </dsp:txBody>
       <dsp:txXfrm>
-        <a:off x="3333662" y="0"/>
-        <a:ext cx="1460675" cy="949439"/>
+        <a:off x="3415665" y="0"/>
+        <a:ext cx="1515110" cy="984822"/>
       </dsp:txXfrm>
     </dsp:sp>
     <dsp:sp modelId="{B26405B1-C8B6-441C-A596-CEB708F554F8}">
@@ -1476,8 +1551,8 @@
       </dsp:nvSpPr>
       <dsp:spPr bwMode="white">
         <a:xfrm>
-          <a:off x="1829492" y="474719"/>
-          <a:ext cx="4469016" cy="4469016"/>
+          <a:off x="1855438" y="492411"/>
+          <a:ext cx="4635563" cy="4635563"/>
         </a:xfrm>
         <a:prstGeom prst="arc">
           <a:avLst>
@@ -1502,8 +1577,8 @@
         <a:fontRef idx="minor"/>
       </dsp:style>
       <dsp:txXfrm>
-        <a:off x="1829492" y="474719"/>
-        <a:ext cx="4469016" cy="4469016"/>
+        <a:off x="1855438" y="492411"/>
+        <a:ext cx="4635563" cy="4635563"/>
       </dsp:txXfrm>
     </dsp:sp>
     <dsp:sp modelId="{0901F604-F9EC-4D76-A6ED-BA32352C5A98}">
@@ -1513,8 +1588,182 @@
       </dsp:nvSpPr>
       <dsp:spPr bwMode="white">
         <a:xfrm>
-          <a:off x="5268803" y="1117254"/>
-          <a:ext cx="1460675" cy="949439"/>
+          <a:off x="5422923" y="1158891"/>
+          <a:ext cx="1515110" cy="984822"/>
+        </a:xfrm>
+        <a:prstGeom prst="roundRect">
+          <a:avLst/>
+        </a:prstGeom>
+        <a:solidFill>
+          <a:schemeClr val="tx1">
+            <a:lumMod val="50000"/>
+            <a:lumOff val="50000"/>
+          </a:schemeClr>
+        </a:solidFill>
+      </dsp:spPr>
+      <dsp:style>
+        <a:lnRef idx="2">
+          <a:schemeClr val="lt1"/>
+        </a:lnRef>
+        <a:fillRef idx="1">
+          <a:schemeClr val="accent1"/>
+        </a:fillRef>
+        <a:effectRef idx="0">
+          <a:scrgbClr r="0" g="0" b="0"/>
+        </a:effectRef>
+        <a:fontRef idx="minor">
+          <a:schemeClr val="lt1"/>
+        </a:fontRef>
+      </dsp:style>
+      <dsp:txBody>
+        <a:bodyPr vert="horz" wrap="square" lIns="53340" tIns="53340" rIns="53340" bIns="53340" anchor="ctr"/>
+        <a:lstStyle>
+          <a:lvl1pPr algn="ctr">
+            <a:defRPr sz="1600"/>
+          </a:lvl1pPr>
+          <a:lvl2pPr marL="114300" indent="-114300" algn="ctr">
+            <a:defRPr sz="1200"/>
+          </a:lvl2pPr>
+          <a:lvl3pPr marL="228600" indent="-114300" algn="ctr">
+            <a:defRPr sz="1200"/>
+          </a:lvl3pPr>
+          <a:lvl4pPr marL="342900" indent="-114300" algn="ctr">
+            <a:defRPr sz="1200"/>
+          </a:lvl4pPr>
+          <a:lvl5pPr marL="457200" indent="-114300" algn="ctr">
+            <a:defRPr sz="1200"/>
+          </a:lvl5pPr>
+          <a:lvl6pPr marL="571500" indent="-114300" algn="ctr">
+            <a:defRPr sz="1200"/>
+          </a:lvl6pPr>
+          <a:lvl7pPr marL="685800" indent="-114300" algn="ctr">
+            <a:defRPr sz="1200"/>
+          </a:lvl7pPr>
+          <a:lvl8pPr marL="800100" indent="-114300" algn="ctr">
+            <a:defRPr sz="1200"/>
+          </a:lvl8pPr>
+          <a:lvl9pPr marL="914400" indent="-114300" algn="ctr">
+            <a:defRPr sz="1200"/>
+          </a:lvl9pPr>
+        </a:lstStyle>
+        <a:p>
+          <a:pPr lvl="0">
+            <a:lnSpc>
+              <a:spcPct val="100000"/>
+            </a:lnSpc>
+            <a:spcBef>
+              <a:spcPct val="0"/>
+            </a:spcBef>
+            <a:spcAft>
+              <a:spcPct val="35000"/>
+            </a:spcAft>
+          </a:pPr>
+          <a:r>
+            <a:rPr lang="en-US" sz="1400">
+              <a:latin typeface="Microsoft YaHei" panose="020B0503020204020204" charset="-122"/>
+              <a:ea typeface="Microsoft YaHei" panose="020B0503020204020204" charset="-122"/>
+            </a:rPr>
+            <a:t>Client A uploads the</a:t>
+          </a:r>
+          <a:r>
+            <a:rPr lang="en-US" sz="1400">
+              <a:latin typeface="Microsoft YaHei" panose="020B0503020204020204" charset="-122"/>
+              <a:ea typeface="Microsoft YaHei" panose="020B0503020204020204" charset="-122"/>
+            </a:rPr>
+            <a:t> </a:t>
+          </a:r>
+          <a:r>
+            <a:rPr lang="en-US" sz="1400">
+              <a:latin typeface="Microsoft YaHei" panose="020B0503020204020204" charset="-122"/>
+              <a:ea typeface="Microsoft YaHei" panose="020B0503020204020204" charset="-122"/>
+            </a:rPr>
+            <a:t>message</a:t>
+          </a:r>
+          <a:r>
+            <a:rPr lang="en-US" sz="1400">
+              <a:latin typeface="Microsoft YaHei" panose="020B0503020204020204" charset="-122"/>
+              <a:ea typeface="Microsoft YaHei" panose="020B0503020204020204" charset="-122"/>
+            </a:rPr>
+            <a:t> </a:t>
+          </a:r>
+          <a:r>
+            <a:rPr lang="en-US" sz="1400">
+              <a:latin typeface="Microsoft YaHei" panose="020B0503020204020204" charset="-122"/>
+              <a:ea typeface="Microsoft YaHei" panose="020B0503020204020204" charset="-122"/>
+            </a:rPr>
+            <a:t>to</a:t>
+          </a:r>
+          <a:r>
+            <a:rPr lang="en-US" sz="1400">
+              <a:latin typeface="Microsoft YaHei" panose="020B0503020204020204" charset="-122"/>
+              <a:ea typeface="Microsoft YaHei" panose="020B0503020204020204" charset="-122"/>
+            </a:rPr>
+            <a:t> </a:t>
+          </a:r>
+          <a:r>
+            <a:rPr lang="en-US" sz="1400">
+              <a:latin typeface="Microsoft YaHei" panose="020B0503020204020204" charset="-122"/>
+              <a:ea typeface="Microsoft YaHei" panose="020B0503020204020204" charset="-122"/>
+            </a:rPr>
+            <a:t>the FTP Server</a:t>
+          </a:r>
+          <a:endParaRPr lang="en-US" sz="1400">
+            <a:latin typeface="Microsoft YaHei" panose="020B0503020204020204" charset="-122"/>
+            <a:ea typeface="Microsoft YaHei" panose="020B0503020204020204" charset="-122"/>
+          </a:endParaRPr>
+        </a:p>
+      </dsp:txBody>
+      <dsp:txXfrm>
+        <a:off x="5422923" y="1158891"/>
+        <a:ext cx="1515110" cy="984822"/>
+      </dsp:txXfrm>
+    </dsp:sp>
+    <dsp:sp modelId="{5B35789F-BCCE-4841-A4C6-2EA3CF032314}">
+      <dsp:nvSpPr>
+        <dsp:cNvPr id="6" name="Arc 5"/>
+        <dsp:cNvSpPr/>
+      </dsp:nvSpPr>
+      <dsp:spPr bwMode="white">
+        <a:xfrm>
+          <a:off x="1855438" y="492411"/>
+          <a:ext cx="4635563" cy="4635563"/>
+        </a:xfrm>
+        <a:prstGeom prst="arc">
+          <a:avLst>
+            <a:gd name="adj1" fmla="val 20998390"/>
+            <a:gd name="adj2" fmla="val 601609"/>
+          </a:avLst>
+        </a:prstGeom>
+        <a:ln>
+          <a:tailEnd type="arrow" w="lg" len="med"/>
+        </a:ln>
+      </dsp:spPr>
+      <dsp:style>
+        <a:lnRef idx="1">
+          <a:schemeClr val="accent1"/>
+        </a:lnRef>
+        <a:fillRef idx="0">
+          <a:schemeClr val="accent1"/>
+        </a:fillRef>
+        <a:effectRef idx="0">
+          <a:scrgbClr r="0" g="0" b="0"/>
+        </a:effectRef>
+        <a:fontRef idx="minor"/>
+      </dsp:style>
+      <dsp:txXfrm>
+        <a:off x="1855438" y="492411"/>
+        <a:ext cx="4635563" cy="4635563"/>
+      </dsp:txXfrm>
+    </dsp:sp>
+    <dsp:sp modelId="{9FF9719A-5B20-43F5-A219-1ADBC30214AD}">
+      <dsp:nvSpPr>
+        <dsp:cNvPr id="7" name="Rounded Rectangle 6"/>
+        <dsp:cNvSpPr/>
+      </dsp:nvSpPr>
+      <dsp:spPr bwMode="white">
+        <a:xfrm>
+          <a:off x="5422923" y="3476673"/>
+          <a:ext cx="1515110" cy="984822"/>
         </a:xfrm>
         <a:prstGeom prst="roundRect">
           <a:avLst/>
@@ -1544,31 +1793,31 @@
         <a:bodyPr vert="horz" wrap="square" lIns="45719" tIns="45719" rIns="45719" bIns="45719" anchor="ctr"/>
         <a:lstStyle>
           <a:lvl1pPr algn="ctr">
+            <a:defRPr sz="1600"/>
+          </a:lvl1pPr>
+          <a:lvl2pPr marL="114300" indent="-114300" algn="ctr">
             <a:defRPr sz="1200"/>
-          </a:lvl1pPr>
-          <a:lvl2pPr marL="57150" indent="-57150" algn="ctr">
-            <a:defRPr sz="900"/>
           </a:lvl2pPr>
-          <a:lvl3pPr marL="114300" indent="-57150" algn="ctr">
-            <a:defRPr sz="900"/>
+          <a:lvl3pPr marL="228600" indent="-114300" algn="ctr">
+            <a:defRPr sz="1200"/>
           </a:lvl3pPr>
-          <a:lvl4pPr marL="171450" indent="-57150" algn="ctr">
-            <a:defRPr sz="900"/>
+          <a:lvl4pPr marL="342900" indent="-114300" algn="ctr">
+            <a:defRPr sz="1200"/>
           </a:lvl4pPr>
-          <a:lvl5pPr marL="228600" indent="-57150" algn="ctr">
-            <a:defRPr sz="900"/>
+          <a:lvl5pPr marL="457200" indent="-114300" algn="ctr">
+            <a:defRPr sz="1200"/>
           </a:lvl5pPr>
-          <a:lvl6pPr marL="285750" indent="-57150" algn="ctr">
-            <a:defRPr sz="900"/>
+          <a:lvl6pPr marL="571500" indent="-114300" algn="ctr">
+            <a:defRPr sz="1200"/>
           </a:lvl6pPr>
-          <a:lvl7pPr marL="342900" indent="-57150" algn="ctr">
-            <a:defRPr sz="900"/>
+          <a:lvl7pPr marL="685800" indent="-114300" algn="ctr">
+            <a:defRPr sz="1200"/>
           </a:lvl7pPr>
-          <a:lvl8pPr marL="400050" indent="-57150" algn="ctr">
-            <a:defRPr sz="900"/>
+          <a:lvl8pPr marL="800100" indent="-114300" algn="ctr">
+            <a:defRPr sz="1200"/>
           </a:lvl8pPr>
-          <a:lvl9pPr marL="457200" indent="-57150" algn="ctr">
-            <a:defRPr sz="900"/>
+          <a:lvl9pPr marL="914400" indent="-114300" algn="ctr">
+            <a:defRPr sz="1200"/>
           </a:lvl9pPr>
         </a:lstStyle>
         <a:p>
@@ -1584,31 +1833,39 @@
             </a:spcAft>
           </a:pPr>
           <a:r>
-            <a:rPr lang="en-US"/>
-            <a:t>Client A uploads the message to the FTP Server</a:t>
+            <a:rPr lang="en-US" altLang="en-US" sz="1200"/>
+            <a:t>Client B </a:t>
           </a:r>
-          <a:endParaRPr lang="en-US"/>
+          <a:r>
+            <a:rPr lang="en-US" altLang="en-US" sz="1400"/>
+            <a:t>Downloads </a:t>
+          </a:r>
+          <a:r>
+            <a:rPr lang="en-US" altLang="en-US" sz="1200"/>
+            <a:t>message from the FTP Server</a:t>
+          </a:r>
+          <a:endParaRPr lang="en-US" altLang="en-US" sz="1200"/>
         </a:p>
       </dsp:txBody>
       <dsp:txXfrm>
-        <a:off x="5268803" y="1117254"/>
-        <a:ext cx="1460675" cy="949439"/>
+        <a:off x="5422923" y="3476673"/>
+        <a:ext cx="1515110" cy="984822"/>
       </dsp:txXfrm>
     </dsp:sp>
-    <dsp:sp modelId="{5B35789F-BCCE-4841-A4C6-2EA3CF032314}">
+    <dsp:sp modelId="{E94B8C4B-C366-48BF-8697-8C04F1C25124}">
       <dsp:nvSpPr>
-        <dsp:cNvPr id="6" name="Arc 5"/>
+        <dsp:cNvPr id="8" name="Arc 7"/>
         <dsp:cNvSpPr/>
       </dsp:nvSpPr>
       <dsp:spPr bwMode="white">
         <a:xfrm>
-          <a:off x="1829492" y="474719"/>
-          <a:ext cx="4469016" cy="4469016"/>
+          <a:off x="1855438" y="492411"/>
+          <a:ext cx="4635563" cy="4635563"/>
         </a:xfrm>
         <a:prstGeom prst="arc">
           <a:avLst>
-            <a:gd name="adj1" fmla="val 20998390"/>
-            <a:gd name="adj2" fmla="val 601609"/>
+            <a:gd name="adj1" fmla="val 3031929"/>
+            <a:gd name="adj2" fmla="val 3949500"/>
           </a:avLst>
         </a:prstGeom>
         <a:ln>
@@ -1628,19 +1885,145 @@
         <a:fontRef idx="minor"/>
       </dsp:style>
       <dsp:txXfrm>
-        <a:off x="1829492" y="474719"/>
-        <a:ext cx="4469016" cy="4469016"/>
+        <a:off x="1855438" y="492411"/>
+        <a:ext cx="4635563" cy="4635563"/>
       </dsp:txXfrm>
     </dsp:sp>
-    <dsp:sp modelId="{9FF9719A-5B20-43F5-A219-1ADBC30214AD}">
+    <dsp:sp modelId="{D3EADAB4-143F-49B5-8573-A79F4FA79E2C}">
       <dsp:nvSpPr>
-        <dsp:cNvPr id="7" name="Rounded Rectangle 6"/>
+        <dsp:cNvPr id="9" name="Rounded Rectangle 8"/>
         <dsp:cNvSpPr/>
       </dsp:nvSpPr>
       <dsp:spPr bwMode="white">
         <a:xfrm>
-          <a:off x="5268803" y="3351762"/>
-          <a:ext cx="1460675" cy="949439"/>
+          <a:off x="3415665" y="4635563"/>
+          <a:ext cx="1515110" cy="984822"/>
+        </a:xfrm>
+        <a:prstGeom prst="roundRect">
+          <a:avLst/>
+        </a:prstGeom>
+      </dsp:spPr>
+      <dsp:style>
+        <a:lnRef idx="2">
+          <a:schemeClr val="lt1"/>
+        </a:lnRef>
+        <a:fillRef idx="1">
+          <a:schemeClr val="accent1"/>
+        </a:fillRef>
+        <a:effectRef idx="0">
+          <a:scrgbClr r="0" g="0" b="0"/>
+        </a:effectRef>
+        <a:fontRef idx="minor">
+          <a:schemeClr val="lt1"/>
+        </a:fontRef>
+      </dsp:style>
+      <dsp:txBody>
+        <a:bodyPr vert="horz" wrap="square" lIns="60960" tIns="60960" rIns="60960" bIns="60960" anchor="ctr"/>
+        <a:lstStyle>
+          <a:lvl1pPr algn="ctr">
+            <a:defRPr sz="1600"/>
+          </a:lvl1pPr>
+          <a:lvl2pPr marL="114300" indent="-114300" algn="ctr">
+            <a:defRPr sz="1200"/>
+          </a:lvl2pPr>
+          <a:lvl3pPr marL="228600" indent="-114300" algn="ctr">
+            <a:defRPr sz="1200"/>
+          </a:lvl3pPr>
+          <a:lvl4pPr marL="342900" indent="-114300" algn="ctr">
+            <a:defRPr sz="1200"/>
+          </a:lvl4pPr>
+          <a:lvl5pPr marL="457200" indent="-114300" algn="ctr">
+            <a:defRPr sz="1200"/>
+          </a:lvl5pPr>
+          <a:lvl6pPr marL="571500" indent="-114300" algn="ctr">
+            <a:defRPr sz="1200"/>
+          </a:lvl6pPr>
+          <a:lvl7pPr marL="685800" indent="-114300" algn="ctr">
+            <a:defRPr sz="1200"/>
+          </a:lvl7pPr>
+          <a:lvl8pPr marL="800100" indent="-114300" algn="ctr">
+            <a:defRPr sz="1200"/>
+          </a:lvl8pPr>
+          <a:lvl9pPr marL="914400" indent="-114300" algn="ctr">
+            <a:defRPr sz="1200"/>
+          </a:lvl9pPr>
+        </a:lstStyle>
+        <a:p>
+          <a:pPr lvl="0">
+            <a:lnSpc>
+              <a:spcPct val="100000"/>
+            </a:lnSpc>
+            <a:spcBef>
+              <a:spcPct val="0"/>
+            </a:spcBef>
+            <a:spcAft>
+              <a:spcPct val="35000"/>
+            </a:spcAft>
+          </a:pPr>
+          <a:r>
+            <a:rPr lang="en-US">
+              <a:sym typeface="+mn-ea"/>
+            </a:rPr>
+            <a:t>Client B types a </a:t>
+          </a:r>
+          <a:r>
+            <a:rPr lang="en-US" altLang="en-US"/>
+            <a:t>message</a:t>
+          </a:r>
+          <a:endParaRPr lang="en-US" altLang="en-US"/>
+        </a:p>
+      </dsp:txBody>
+      <dsp:txXfrm>
+        <a:off x="3415665" y="4635563"/>
+        <a:ext cx="1515110" cy="984822"/>
+      </dsp:txXfrm>
+    </dsp:sp>
+    <dsp:sp modelId="{D2FB9AAA-02FE-4314-A268-2F3D8E512C5C}">
+      <dsp:nvSpPr>
+        <dsp:cNvPr id="10" name="Arc 9"/>
+        <dsp:cNvSpPr/>
+      </dsp:nvSpPr>
+      <dsp:spPr bwMode="white">
+        <a:xfrm>
+          <a:off x="1855438" y="492411"/>
+          <a:ext cx="4635563" cy="4635563"/>
+        </a:xfrm>
+        <a:prstGeom prst="arc">
+          <a:avLst>
+            <a:gd name="adj1" fmla="val 6850499"/>
+            <a:gd name="adj2" fmla="val 7768070"/>
+          </a:avLst>
+        </a:prstGeom>
+        <a:ln>
+          <a:tailEnd type="arrow" w="lg" len="med"/>
+        </a:ln>
+      </dsp:spPr>
+      <dsp:style>
+        <a:lnRef idx="1">
+          <a:schemeClr val="accent1"/>
+        </a:lnRef>
+        <a:fillRef idx="0">
+          <a:schemeClr val="accent1"/>
+        </a:fillRef>
+        <a:effectRef idx="0">
+          <a:scrgbClr r="0" g="0" b="0"/>
+        </a:effectRef>
+        <a:fontRef idx="minor"/>
+      </dsp:style>
+      <dsp:txXfrm>
+        <a:off x="1855438" y="492411"/>
+        <a:ext cx="4635563" cy="4635563"/>
+      </dsp:txXfrm>
+    </dsp:sp>
+    <dsp:sp modelId="{1BF2D754-8785-43BB-B33B-E8E13EA73F30}">
+      <dsp:nvSpPr>
+        <dsp:cNvPr id="11" name="Rounded Rectangle 10"/>
+        <dsp:cNvSpPr/>
+      </dsp:nvSpPr>
+      <dsp:spPr bwMode="white">
+        <a:xfrm>
+          <a:off x="1408407" y="3476673"/>
+          <a:ext cx="1515110" cy="984822"/>
         </a:xfrm>
         <a:prstGeom prst="roundRect">
           <a:avLst/>
@@ -1667,34 +2050,34 @@
         </a:fontRef>
       </dsp:style>
       <dsp:txBody>
-        <a:bodyPr vert="horz" wrap="square" lIns="45719" tIns="45719" rIns="45719" bIns="45719" anchor="ctr"/>
+        <a:bodyPr vert="horz" wrap="square" lIns="49530" tIns="49530" rIns="49530" bIns="49530" anchor="ctr"/>
         <a:lstStyle>
           <a:lvl1pPr algn="ctr">
+            <a:defRPr sz="1600"/>
+          </a:lvl1pPr>
+          <a:lvl2pPr marL="114300" indent="-114300" algn="ctr">
             <a:defRPr sz="1200"/>
-          </a:lvl1pPr>
-          <a:lvl2pPr marL="57150" indent="-57150" algn="ctr">
-            <a:defRPr sz="900"/>
           </a:lvl2pPr>
-          <a:lvl3pPr marL="114300" indent="-57150" algn="ctr">
-            <a:defRPr sz="900"/>
+          <a:lvl3pPr marL="228600" indent="-114300" algn="ctr">
+            <a:defRPr sz="1200"/>
           </a:lvl3pPr>
-          <a:lvl4pPr marL="171450" indent="-57150" algn="ctr">
-            <a:defRPr sz="900"/>
+          <a:lvl4pPr marL="342900" indent="-114300" algn="ctr">
+            <a:defRPr sz="1200"/>
           </a:lvl4pPr>
-          <a:lvl5pPr marL="228600" indent="-57150" algn="ctr">
-            <a:defRPr sz="900"/>
+          <a:lvl5pPr marL="457200" indent="-114300" algn="ctr">
+            <a:defRPr sz="1200"/>
           </a:lvl5pPr>
-          <a:lvl6pPr marL="285750" indent="-57150" algn="ctr">
-            <a:defRPr sz="900"/>
+          <a:lvl6pPr marL="571500" indent="-114300" algn="ctr">
+            <a:defRPr sz="1200"/>
           </a:lvl6pPr>
-          <a:lvl7pPr marL="342900" indent="-57150" algn="ctr">
-            <a:defRPr sz="900"/>
+          <a:lvl7pPr marL="685800" indent="-114300" algn="ctr">
+            <a:defRPr sz="1200"/>
           </a:lvl7pPr>
-          <a:lvl8pPr marL="400050" indent="-57150" algn="ctr">
-            <a:defRPr sz="900"/>
+          <a:lvl8pPr marL="800100" indent="-114300" algn="ctr">
+            <a:defRPr sz="1200"/>
           </a:lvl8pPr>
-          <a:lvl9pPr marL="457200" indent="-57150" algn="ctr">
-            <a:defRPr sz="900"/>
+          <a:lvl9pPr marL="914400" indent="-114300" algn="ctr">
+            <a:defRPr sz="1200"/>
           </a:lvl9pPr>
         </a:lstStyle>
         <a:p>
@@ -1710,31 +2093,41 @@
             </a:spcAft>
           </a:pPr>
           <a:r>
-            <a:rPr lang="en-US" altLang="en-US"/>
-            <a:t>Client B Downloads message from the FTP Server</a:t>
+            <a:rPr sz="1300">
+              <a:sym typeface="+mn-ea"/>
+            </a:rPr>
+            <a:t>C</a:t>
           </a:r>
-          <a:endParaRPr lang="en-US" altLang="en-US"/>
+          <a:r>
+            <a:rPr lang="en-US" sz="1300">
+              <a:sym typeface="+mn-ea"/>
+            </a:rPr>
+            <a:t>lient B uploads the reply message to the FTP Server</a:t>
+          </a:r>
+          <a:endParaRPr lang="en-US" sz="1300">
+            <a:sym typeface="+mn-ea"/>
+          </a:endParaRPr>
         </a:p>
       </dsp:txBody>
       <dsp:txXfrm>
-        <a:off x="5268803" y="3351762"/>
-        <a:ext cx="1460675" cy="949439"/>
+        <a:off x="1408407" y="3476673"/>
+        <a:ext cx="1515110" cy="984822"/>
       </dsp:txXfrm>
     </dsp:sp>
-    <dsp:sp modelId="{E94B8C4B-C366-48BF-8697-8C04F1C25124}">
+    <dsp:sp modelId="{45BBA764-932B-4A31-9891-7437D938FD2C}">
       <dsp:nvSpPr>
-        <dsp:cNvPr id="8" name="Arc 7"/>
+        <dsp:cNvPr id="12" name="Arc 11"/>
         <dsp:cNvSpPr/>
       </dsp:nvSpPr>
       <dsp:spPr bwMode="white">
         <a:xfrm>
-          <a:off x="1829492" y="474719"/>
-          <a:ext cx="4469016" cy="4469016"/>
+          <a:off x="1855438" y="492411"/>
+          <a:ext cx="4635563" cy="4635563"/>
         </a:xfrm>
         <a:prstGeom prst="arc">
           <a:avLst>
-            <a:gd name="adj1" fmla="val 3031929"/>
-            <a:gd name="adj2" fmla="val 3949500"/>
+            <a:gd name="adj1" fmla="val 10198390"/>
+            <a:gd name="adj2" fmla="val 11401609"/>
           </a:avLst>
         </a:prstGeom>
         <a:ln>
@@ -1754,145 +2147,19 @@
         <a:fontRef idx="minor"/>
       </dsp:style>
       <dsp:txXfrm>
-        <a:off x="1829492" y="474719"/>
-        <a:ext cx="4469016" cy="4469016"/>
+        <a:off x="1855438" y="492411"/>
+        <a:ext cx="4635563" cy="4635563"/>
       </dsp:txXfrm>
     </dsp:sp>
-    <dsp:sp modelId="{D3EADAB4-143F-49B5-8573-A79F4FA79E2C}">
+    <dsp:sp modelId="{3AC315D0-3C83-4084-BE33-345E78734EB2}">
       <dsp:nvSpPr>
-        <dsp:cNvPr id="9" name="Rounded Rectangle 8"/>
+        <dsp:cNvPr id="13" name="Rounded Rectangle 12"/>
         <dsp:cNvSpPr/>
       </dsp:nvSpPr>
       <dsp:spPr bwMode="white">
         <a:xfrm>
-          <a:off x="3333662" y="4469016"/>
-          <a:ext cx="1460675" cy="949439"/>
-        </a:xfrm>
-        <a:prstGeom prst="roundRect">
-          <a:avLst/>
-        </a:prstGeom>
-      </dsp:spPr>
-      <dsp:style>
-        <a:lnRef idx="2">
-          <a:schemeClr val="lt1"/>
-        </a:lnRef>
-        <a:fillRef idx="1">
-          <a:schemeClr val="accent1"/>
-        </a:fillRef>
-        <a:effectRef idx="0">
-          <a:scrgbClr r="0" g="0" b="0"/>
-        </a:effectRef>
-        <a:fontRef idx="minor">
-          <a:schemeClr val="lt1"/>
-        </a:fontRef>
-      </dsp:style>
-      <dsp:txBody>
-        <a:bodyPr vert="horz" wrap="square" lIns="45719" tIns="45719" rIns="45719" bIns="45719" anchor="ctr"/>
-        <a:lstStyle>
-          <a:lvl1pPr algn="ctr">
-            <a:defRPr sz="1200"/>
-          </a:lvl1pPr>
-          <a:lvl2pPr marL="57150" indent="-57150" algn="ctr">
-            <a:defRPr sz="900"/>
-          </a:lvl2pPr>
-          <a:lvl3pPr marL="114300" indent="-57150" algn="ctr">
-            <a:defRPr sz="900"/>
-          </a:lvl3pPr>
-          <a:lvl4pPr marL="171450" indent="-57150" algn="ctr">
-            <a:defRPr sz="900"/>
-          </a:lvl4pPr>
-          <a:lvl5pPr marL="228600" indent="-57150" algn="ctr">
-            <a:defRPr sz="900"/>
-          </a:lvl5pPr>
-          <a:lvl6pPr marL="285750" indent="-57150" algn="ctr">
-            <a:defRPr sz="900"/>
-          </a:lvl6pPr>
-          <a:lvl7pPr marL="342900" indent="-57150" algn="ctr">
-            <a:defRPr sz="900"/>
-          </a:lvl7pPr>
-          <a:lvl8pPr marL="400050" indent="-57150" algn="ctr">
-            <a:defRPr sz="900"/>
-          </a:lvl8pPr>
-          <a:lvl9pPr marL="457200" indent="-57150" algn="ctr">
-            <a:defRPr sz="900"/>
-          </a:lvl9pPr>
-        </a:lstStyle>
-        <a:p>
-          <a:pPr lvl="0">
-            <a:lnSpc>
-              <a:spcPct val="100000"/>
-            </a:lnSpc>
-            <a:spcBef>
-              <a:spcPct val="0"/>
-            </a:spcBef>
-            <a:spcAft>
-              <a:spcPct val="35000"/>
-            </a:spcAft>
-          </a:pPr>
-          <a:r>
-            <a:rPr lang="en-US">
-              <a:sym typeface="+mn-ea"/>
-            </a:rPr>
-            <a:t>Client B types a </a:t>
-          </a:r>
-          <a:r>
-            <a:rPr lang="en-US" altLang="en-US"/>
-            <a:t>message</a:t>
-          </a:r>
-          <a:endParaRPr lang="en-US" altLang="en-US"/>
-        </a:p>
-      </dsp:txBody>
-      <dsp:txXfrm>
-        <a:off x="3333662" y="4469016"/>
-        <a:ext cx="1460675" cy="949439"/>
-      </dsp:txXfrm>
-    </dsp:sp>
-    <dsp:sp modelId="{D2FB9AAA-02FE-4314-A268-2F3D8E512C5C}">
-      <dsp:nvSpPr>
-        <dsp:cNvPr id="10" name="Arc 9"/>
-        <dsp:cNvSpPr/>
-      </dsp:nvSpPr>
-      <dsp:spPr bwMode="white">
-        <a:xfrm>
-          <a:off x="1829492" y="474719"/>
-          <a:ext cx="4469016" cy="4469016"/>
-        </a:xfrm>
-        <a:prstGeom prst="arc">
-          <a:avLst>
-            <a:gd name="adj1" fmla="val 6850499"/>
-            <a:gd name="adj2" fmla="val 7768070"/>
-          </a:avLst>
-        </a:prstGeom>
-        <a:ln>
-          <a:tailEnd type="arrow" w="lg" len="med"/>
-        </a:ln>
-      </dsp:spPr>
-      <dsp:style>
-        <a:lnRef idx="1">
-          <a:schemeClr val="accent1"/>
-        </a:lnRef>
-        <a:fillRef idx="0">
-          <a:schemeClr val="accent1"/>
-        </a:fillRef>
-        <a:effectRef idx="0">
-          <a:scrgbClr r="0" g="0" b="0"/>
-        </a:effectRef>
-        <a:fontRef idx="minor"/>
-      </dsp:style>
-      <dsp:txXfrm>
-        <a:off x="1829492" y="474719"/>
-        <a:ext cx="4469016" cy="4469016"/>
-      </dsp:txXfrm>
-    </dsp:sp>
-    <dsp:sp modelId="{1BF2D754-8785-43BB-B33B-E8E13EA73F30}">
-      <dsp:nvSpPr>
-        <dsp:cNvPr id="11" name="Rounded Rectangle 10"/>
-        <dsp:cNvSpPr/>
-      </dsp:nvSpPr>
-      <dsp:spPr bwMode="white">
-        <a:xfrm>
-          <a:off x="1398522" y="3351762"/>
-          <a:ext cx="1460675" cy="949439"/>
+          <a:off x="1408407" y="1158891"/>
+          <a:ext cx="1515110" cy="984822"/>
         </a:xfrm>
         <a:prstGeom prst="roundRect">
           <a:avLst/>
@@ -1919,34 +2186,34 @@
         </a:fontRef>
       </dsp:style>
       <dsp:txBody>
-        <a:bodyPr vert="horz" wrap="square" lIns="45719" tIns="45719" rIns="45719" bIns="45719" anchor="ctr"/>
+        <a:bodyPr vert="horz" wrap="square" lIns="53340" tIns="53340" rIns="53340" bIns="53340" anchor="ctr"/>
         <a:lstStyle>
           <a:lvl1pPr algn="ctr">
+            <a:defRPr sz="1600"/>
+          </a:lvl1pPr>
+          <a:lvl2pPr marL="114300" indent="-114300" algn="ctr">
             <a:defRPr sz="1200"/>
-          </a:lvl1pPr>
-          <a:lvl2pPr marL="57150" indent="-57150" algn="ctr">
-            <a:defRPr sz="900"/>
           </a:lvl2pPr>
-          <a:lvl3pPr marL="114300" indent="-57150" algn="ctr">
-            <a:defRPr sz="900"/>
+          <a:lvl3pPr marL="228600" indent="-114300" algn="ctr">
+            <a:defRPr sz="1200"/>
           </a:lvl3pPr>
-          <a:lvl4pPr marL="171450" indent="-57150" algn="ctr">
-            <a:defRPr sz="900"/>
+          <a:lvl4pPr marL="342900" indent="-114300" algn="ctr">
+            <a:defRPr sz="1200"/>
           </a:lvl4pPr>
-          <a:lvl5pPr marL="228600" indent="-57150" algn="ctr">
-            <a:defRPr sz="900"/>
+          <a:lvl5pPr marL="457200" indent="-114300" algn="ctr">
+            <a:defRPr sz="1200"/>
           </a:lvl5pPr>
-          <a:lvl6pPr marL="285750" indent="-57150" algn="ctr">
-            <a:defRPr sz="900"/>
+          <a:lvl6pPr marL="571500" indent="-114300" algn="ctr">
+            <a:defRPr sz="1200"/>
           </a:lvl6pPr>
-          <a:lvl7pPr marL="342900" indent="-57150" algn="ctr">
-            <a:defRPr sz="900"/>
+          <a:lvl7pPr marL="685800" indent="-114300" algn="ctr">
+            <a:defRPr sz="1200"/>
           </a:lvl7pPr>
-          <a:lvl8pPr marL="400050" indent="-57150" algn="ctr">
-            <a:defRPr sz="900"/>
+          <a:lvl8pPr marL="800100" indent="-114300" algn="ctr">
+            <a:defRPr sz="1200"/>
           </a:lvl8pPr>
-          <a:lvl9pPr marL="457200" indent="-57150" algn="ctr">
-            <a:defRPr sz="900"/>
+          <a:lvl9pPr marL="914400" indent="-114300" algn="ctr">
+            <a:defRPr sz="1200"/>
           </a:lvl9pPr>
         </a:lstStyle>
         <a:p>
@@ -1962,157 +2229,25 @@
             </a:spcAft>
           </a:pPr>
           <a:r>
-            <a:rPr>
+            <a:rPr sz="1400">
               <a:sym typeface="+mn-ea"/>
             </a:rPr>
             <a:t>C</a:t>
           </a:r>
           <a:r>
-            <a:rPr lang="en-US">
+            <a:rPr lang="en-US" altLang="en-US" sz="1400">
               <a:sym typeface="+mn-ea"/>
             </a:rPr>
-            <a:t>lient B uploads the reply message to the FTP Server</a:t>
+            <a:t>lient A Downloads message from the FTP Server</a:t>
           </a:r>
-          <a:endParaRPr lang="en-US"/>
+          <a:endParaRPr lang="en-US" altLang="en-US" sz="1400">
+            <a:sym typeface="+mn-ea"/>
+          </a:endParaRPr>
         </a:p>
       </dsp:txBody>
       <dsp:txXfrm>
-        <a:off x="1398522" y="3351762"/>
-        <a:ext cx="1460675" cy="949439"/>
-      </dsp:txXfrm>
-    </dsp:sp>
-    <dsp:sp modelId="{45BBA764-932B-4A31-9891-7437D938FD2C}">
-      <dsp:nvSpPr>
-        <dsp:cNvPr id="12" name="Arc 11"/>
-        <dsp:cNvSpPr/>
-      </dsp:nvSpPr>
-      <dsp:spPr bwMode="white">
-        <a:xfrm>
-          <a:off x="1829492" y="474719"/>
-          <a:ext cx="4469016" cy="4469016"/>
-        </a:xfrm>
-        <a:prstGeom prst="arc">
-          <a:avLst>
-            <a:gd name="adj1" fmla="val 10198390"/>
-            <a:gd name="adj2" fmla="val 11401609"/>
-          </a:avLst>
-        </a:prstGeom>
-        <a:ln>
-          <a:tailEnd type="arrow" w="lg" len="med"/>
-        </a:ln>
-      </dsp:spPr>
-      <dsp:style>
-        <a:lnRef idx="1">
-          <a:schemeClr val="accent1"/>
-        </a:lnRef>
-        <a:fillRef idx="0">
-          <a:schemeClr val="accent1"/>
-        </a:fillRef>
-        <a:effectRef idx="0">
-          <a:scrgbClr r="0" g="0" b="0"/>
-        </a:effectRef>
-        <a:fontRef idx="minor"/>
-      </dsp:style>
-      <dsp:txXfrm>
-        <a:off x="1829492" y="474719"/>
-        <a:ext cx="4469016" cy="4469016"/>
-      </dsp:txXfrm>
-    </dsp:sp>
-    <dsp:sp modelId="{3AC315D0-3C83-4084-BE33-345E78734EB2}">
-      <dsp:nvSpPr>
-        <dsp:cNvPr id="13" name="Rounded Rectangle 12"/>
-        <dsp:cNvSpPr/>
-      </dsp:nvSpPr>
-      <dsp:spPr bwMode="white">
-        <a:xfrm>
-          <a:off x="1398522" y="1117254"/>
-          <a:ext cx="1460675" cy="949439"/>
-        </a:xfrm>
-        <a:prstGeom prst="roundRect">
-          <a:avLst/>
-        </a:prstGeom>
-        <a:solidFill>
-          <a:schemeClr val="tx1">
-            <a:lumMod val="50000"/>
-            <a:lumOff val="50000"/>
-          </a:schemeClr>
-        </a:solidFill>
-      </dsp:spPr>
-      <dsp:style>
-        <a:lnRef idx="2">
-          <a:schemeClr val="lt1"/>
-        </a:lnRef>
-        <a:fillRef idx="1">
-          <a:schemeClr val="accent1"/>
-        </a:fillRef>
-        <a:effectRef idx="0">
-          <a:scrgbClr r="0" g="0" b="0"/>
-        </a:effectRef>
-        <a:fontRef idx="minor">
-          <a:schemeClr val="lt1"/>
-        </a:fontRef>
-      </dsp:style>
-      <dsp:txBody>
-        <a:bodyPr vert="horz" wrap="square" lIns="45719" tIns="45719" rIns="45719" bIns="45719" anchor="ctr"/>
-        <a:lstStyle>
-          <a:lvl1pPr algn="ctr">
-            <a:defRPr sz="1200"/>
-          </a:lvl1pPr>
-          <a:lvl2pPr marL="57150" indent="-57150" algn="ctr">
-            <a:defRPr sz="900"/>
-          </a:lvl2pPr>
-          <a:lvl3pPr marL="114300" indent="-57150" algn="ctr">
-            <a:defRPr sz="900"/>
-          </a:lvl3pPr>
-          <a:lvl4pPr marL="171450" indent="-57150" algn="ctr">
-            <a:defRPr sz="900"/>
-          </a:lvl4pPr>
-          <a:lvl5pPr marL="228600" indent="-57150" algn="ctr">
-            <a:defRPr sz="900"/>
-          </a:lvl5pPr>
-          <a:lvl6pPr marL="285750" indent="-57150" algn="ctr">
-            <a:defRPr sz="900"/>
-          </a:lvl6pPr>
-          <a:lvl7pPr marL="342900" indent="-57150" algn="ctr">
-            <a:defRPr sz="900"/>
-          </a:lvl7pPr>
-          <a:lvl8pPr marL="400050" indent="-57150" algn="ctr">
-            <a:defRPr sz="900"/>
-          </a:lvl8pPr>
-          <a:lvl9pPr marL="457200" indent="-57150" algn="ctr">
-            <a:defRPr sz="900"/>
-          </a:lvl9pPr>
-        </a:lstStyle>
-        <a:p>
-          <a:pPr lvl="0">
-            <a:lnSpc>
-              <a:spcPct val="100000"/>
-            </a:lnSpc>
-            <a:spcBef>
-              <a:spcPct val="0"/>
-            </a:spcBef>
-            <a:spcAft>
-              <a:spcPct val="35000"/>
-            </a:spcAft>
-          </a:pPr>
-          <a:r>
-            <a:rPr>
-              <a:sym typeface="+mn-ea"/>
-            </a:rPr>
-            <a:t>C</a:t>
-          </a:r>
-          <a:r>
-            <a:rPr lang="en-US" altLang="en-US">
-              <a:sym typeface="+mn-ea"/>
-            </a:rPr>
-            <a:t>lient A Downloads message from the FTP Server</a:t>
-          </a:r>
-          <a:endParaRPr lang="en-US" altLang="en-US"/>
-        </a:p>
-      </dsp:txBody>
-      <dsp:txXfrm>
-        <a:off x="1398522" y="1117254"/>
-        <a:ext cx="1460675" cy="949439"/>
+        <a:off x="1408407" y="1158891"/>
+        <a:ext cx="1515110" cy="984822"/>
       </dsp:txXfrm>
     </dsp:sp>
     <dsp:sp modelId="{D00F99D7-7D4F-4DE1-938E-73959051A970}">
@@ -2122,8 +2257,8 @@
       </dsp:nvSpPr>
       <dsp:spPr bwMode="white">
         <a:xfrm>
-          <a:off x="1829492" y="474719"/>
-          <a:ext cx="4469016" cy="4469016"/>
+          <a:off x="1855438" y="492411"/>
+          <a:ext cx="4635563" cy="4635563"/>
         </a:xfrm>
         <a:prstGeom prst="arc">
           <a:avLst>
@@ -2148,8 +2283,8 @@
         <a:fontRef idx="minor"/>
       </dsp:style>
       <dsp:txXfrm>
-        <a:off x="1829492" y="474719"/>
-        <a:ext cx="4469016" cy="4469016"/>
+        <a:off x="1855438" y="492411"/>
+        <a:ext cx="4635563" cy="4635563"/>
       </dsp:txXfrm>
     </dsp:sp>
   </dsp:spTree>
@@ -4644,7 +4779,7 @@
         <p:spPr>
           <a:xfrm>
             <a:off x="0" y="2183765"/>
-            <a:ext cx="12192000" cy="829945"/>
+            <a:ext cx="12192000" cy="1198880"/>
           </a:xfrm>
           <a:prstGeom prst="rect">
             <a:avLst/>
@@ -4659,9 +4794,11 @@
           <a:p>
             <a:pPr algn="ctr"/>
             <a:r>
-              <a:rPr lang="en-US" sz="4800" dirty="0" smtClean="0">
+              <a:rPr lang="en-US" sz="7200" u="sng" dirty="0" smtClean="0">
                 <a:solidFill>
-                  <a:srgbClr val="000000"/>
+                  <a:schemeClr val="accent2">
+                    <a:lumMod val="75000"/>
+                  </a:schemeClr>
                 </a:solidFill>
                 <a:latin typeface="Microsoft JhengHei UI" panose="020B0604030504040204" pitchFamily="34" charset="-120"/>
                 <a:ea typeface="Microsoft JhengHei UI" panose="020B0604030504040204" pitchFamily="34" charset="-120"/>
@@ -4669,10 +4806,15 @@
               </a:rPr>
               <a:t>FTPChat Project</a:t>
             </a:r>
-            <a:endParaRPr lang="zh-CN" altLang="en-US" sz="4800" b="1" dirty="0" smtClean="0">
-              <a:solidFill>
-                <a:schemeClr val="bg1"/>
-              </a:solidFill>
+            <a:endParaRPr lang="en-US" altLang="en-US" sz="7200" u="sng" dirty="0" smtClean="0">
+              <a:solidFill>
+                <a:schemeClr val="accent2">
+                  <a:lumMod val="75000"/>
+                </a:schemeClr>
+              </a:solidFill>
+              <a:latin typeface="Microsoft JhengHei UI" panose="020B0604030504040204" pitchFamily="34" charset="-120"/>
+              <a:ea typeface="Microsoft JhengHei UI" panose="020B0604030504040204" pitchFamily="34" charset="-120"/>
+              <a:sym typeface="+mn-ea"/>
             </a:endParaRPr>
           </a:p>
         </p:txBody>
@@ -4720,8 +4862,8 @@
         </p:nvSpPr>
         <p:spPr>
           <a:xfrm>
-            <a:off x="3190875" y="3410585"/>
-            <a:ext cx="5963285" cy="645160"/>
+            <a:off x="0" y="3410585"/>
+            <a:ext cx="12192000" cy="521970"/>
           </a:xfrm>
           <a:prstGeom prst="rect">
             <a:avLst/>
@@ -4735,7 +4877,12 @@
           <a:p>
             <a:pPr algn="ctr"/>
             <a:r>
-              <a:rPr lang="en-US" dirty="0">
+              <a:rPr lang="en-US" sz="2800" b="1" dirty="0">
+                <a:solidFill>
+                  <a:schemeClr val="accent6">
+                    <a:lumMod val="25000"/>
+                  </a:schemeClr>
+                </a:solidFill>
                 <a:latin typeface="Microsoft JhengHei UI" panose="020B0604030504040204" pitchFamily="34" charset="-120"/>
                 <a:ea typeface="Microsoft JhengHei UI" panose="020B0604030504040204" pitchFamily="34" charset="-120"/>
                 <a:sym typeface="+mn-ea"/>
@@ -4743,33 +4890,27 @@
               <a:t>File </a:t>
             </a:r>
             <a:r>
-              <a:rPr lang="en-US" dirty="0" smtClean="0">
+              <a:rPr lang="en-US" sz="2800" b="1" dirty="0" smtClean="0">
+                <a:solidFill>
+                  <a:schemeClr val="accent6">
+                    <a:lumMod val="25000"/>
+                  </a:schemeClr>
+                </a:solidFill>
                 <a:latin typeface="Microsoft JhengHei UI" panose="020B0604030504040204" pitchFamily="34" charset="-120"/>
                 <a:ea typeface="Microsoft JhengHei UI" panose="020B0604030504040204" pitchFamily="34" charset="-120"/>
                 <a:sym typeface="+mn-ea"/>
               </a:rPr>
               <a:t>Transfer Protocol Chat Project</a:t>
             </a:r>
-            <a:endParaRPr lang="en-US" dirty="0" smtClean="0">
+            <a:endParaRPr lang="en-US" altLang="en-US" sz="2800" b="1" dirty="0" smtClean="0">
+              <a:solidFill>
+                <a:schemeClr val="accent6">
+                  <a:lumMod val="25000"/>
+                </a:schemeClr>
+              </a:solidFill>
               <a:latin typeface="Microsoft JhengHei UI" panose="020B0604030504040204" pitchFamily="34" charset="-120"/>
               <a:ea typeface="Microsoft JhengHei UI" panose="020B0604030504040204" pitchFamily="34" charset="-120"/>
               <a:sym typeface="+mn-ea"/>
-            </a:endParaRPr>
-          </a:p>
-          <a:p>
-            <a:pPr algn="ctr"/>
-            <a:r>
-              <a:rPr lang="en-US" altLang="en-US" dirty="0">
-                <a:solidFill>
-                  <a:schemeClr val="tx1"/>
-                </a:solidFill>
-              </a:rPr>
-              <a:t>Made &amp; Presented by: Ahmed Omar Saad</a:t>
-            </a:r>
-            <a:endParaRPr lang="en-US" altLang="en-US" dirty="0">
-              <a:solidFill>
-                <a:schemeClr val="tx1"/>
-              </a:solidFill>
             </a:endParaRPr>
           </a:p>
         </p:txBody>
@@ -4815,7 +4956,7 @@
         </p:nvSpPr>
         <p:spPr>
           <a:xfrm>
-            <a:off x="-635" y="1275080"/>
+            <a:off x="-1270" y="774700"/>
             <a:ext cx="12190730" cy="774700"/>
           </a:xfrm>
           <a:prstGeom prst="rect">
@@ -4833,7 +4974,9 @@
             <a:r>
               <a:rPr lang="en-US" altLang="en-US" sz="4400" b="1" dirty="0" smtClean="0">
                 <a:solidFill>
-                  <a:srgbClr val="000000"/>
+                  <a:schemeClr val="accent1">
+                    <a:lumMod val="75000"/>
+                  </a:schemeClr>
                 </a:solidFill>
                 <a:latin typeface="Microsoft JhengHei" panose="020B0604030504040204" pitchFamily="34" charset="-120"/>
                 <a:ea typeface="Microsoft JhengHei" panose="020B0604030504040204" pitchFamily="34" charset="-120"/>
@@ -4843,7 +4986,9 @@
             </a:r>
             <a:endParaRPr lang="en-US" altLang="en-US" sz="4400" b="1" dirty="0" smtClean="0">
               <a:solidFill>
-                <a:schemeClr val="bg1"/>
+                <a:schemeClr val="accent1">
+                  <a:lumMod val="75000"/>
+                </a:schemeClr>
               </a:solidFill>
               <a:latin typeface="Microsoft JhengHei" panose="020B0604030504040204" pitchFamily="34" charset="-120"/>
               <a:ea typeface="Microsoft JhengHei" panose="020B0604030504040204" pitchFamily="34" charset="-120"/>
@@ -4895,7 +5040,7 @@
         </p:nvSpPr>
         <p:spPr>
           <a:xfrm>
-            <a:off x="5715" y="2657475"/>
+            <a:off x="5715" y="1549400"/>
             <a:ext cx="12190095" cy="3723005"/>
           </a:xfrm>
           <a:prstGeom prst="rect">
@@ -4911,17 +5056,44 @@
           <a:p>
             <a:pPr algn="l"/>
             <a:r>
-              <a:rPr lang="en-US" altLang="en-US" dirty="0">
+              <a:rPr lang="en-US" altLang="en-US" sz="2400" dirty="0">
                 <a:solidFill>
                   <a:srgbClr val="000000"/>
                 </a:solidFill>
                 <a:sym typeface="+mn-ea"/>
               </a:rPr>
-              <a:t>FTPChat is a custom messaging protocol built in Python that uses FTP instead of sockets. It features 24-layer mono-alphabetic encryption and enables secure message exchange via file upload/download. The protocol is hosted on routers and cloud platforms, making it ideal for secure communication and legacy deployment.</a:t>
+              <a:t>FTPChat is a Python-based messaging protocol that replaces WebSockets with FTP-based encrypted message relays. It uses FTP servers as secure hubs, enabling asynchronous communication even in firewall-enabled PCs or legacy networks.  </a:t>
             </a:r>
-            <a:endParaRPr lang="en-US" altLang="en-US" dirty="0">
-              <a:solidFill>
-                <a:schemeClr val="bg1"/>
+            <a:endParaRPr lang="en-US" altLang="en-US" sz="2400" dirty="0">
+              <a:solidFill>
+                <a:srgbClr val="000000"/>
+              </a:solidFill>
+              <a:sym typeface="+mn-ea"/>
+            </a:endParaRPr>
+          </a:p>
+          <a:p>
+            <a:pPr algn="l"/>
+            <a:endParaRPr lang="en-US" altLang="en-US" sz="2400" dirty="0">
+              <a:solidFill>
+                <a:srgbClr val="000000"/>
+              </a:solidFill>
+              <a:sym typeface="+mn-ea"/>
+            </a:endParaRPr>
+          </a:p>
+          <a:p>
+            <a:pPr algn="l"/>
+            <a:r>
+              <a:rPr lang="en-US" altLang="en-US" sz="2400" dirty="0">
+                <a:solidFill>
+                  <a:srgbClr val="000000"/>
+                </a:solidFill>
+                <a:sym typeface="+mn-ea"/>
+              </a:rPr>
+              <a:t>Messages are encrypted with a 24-layer cipher and exchanged via upload/download cycles. Ideal for environments where WebSockets are blocked or unreliable.</a:t>
+            </a:r>
+            <a:endParaRPr lang="en-US" altLang="en-US" sz="2400" dirty="0">
+              <a:solidFill>
+                <a:srgbClr val="000000"/>
               </a:solidFill>
               <a:sym typeface="+mn-ea"/>
             </a:endParaRPr>
@@ -4969,7 +5141,7 @@
         </p:nvSpPr>
         <p:spPr>
           <a:xfrm>
-            <a:off x="-635" y="1275080"/>
+            <a:off x="5715" y="774700"/>
             <a:ext cx="12190730" cy="774700"/>
           </a:xfrm>
           <a:prstGeom prst="rect">
@@ -4987,7 +5159,9 @@
             <a:r>
               <a:rPr lang="en-US" altLang="en-US" sz="4400" b="1" dirty="0" smtClean="0">
                 <a:solidFill>
-                  <a:srgbClr val="000000"/>
+                  <a:schemeClr val="accent1">
+                    <a:lumMod val="75000"/>
+                  </a:schemeClr>
                 </a:solidFill>
                 <a:latin typeface="Microsoft JhengHei" panose="020B0604030504040204" pitchFamily="34" charset="-120"/>
                 <a:ea typeface="Microsoft JhengHei" panose="020B0604030504040204" pitchFamily="34" charset="-120"/>
@@ -4997,7 +5171,9 @@
             </a:r>
             <a:endParaRPr lang="en-US" altLang="en-US" sz="4400" b="1" dirty="0" smtClean="0">
               <a:solidFill>
-                <a:schemeClr val="bg1"/>
+                <a:schemeClr val="accent1">
+                  <a:lumMod val="75000"/>
+                </a:schemeClr>
               </a:solidFill>
               <a:latin typeface="Microsoft JhengHei" panose="020B0604030504040204" pitchFamily="34" charset="-120"/>
               <a:ea typeface="Microsoft JhengHei" panose="020B0604030504040204" pitchFamily="34" charset="-120"/>
@@ -5049,7 +5225,7 @@
         </p:nvSpPr>
         <p:spPr>
           <a:xfrm>
-            <a:off x="5715" y="2657475"/>
+            <a:off x="0" y="1549400"/>
             <a:ext cx="12190095" cy="3723005"/>
           </a:xfrm>
           <a:prstGeom prst="rect">
@@ -5063,17 +5239,32 @@
           </a:bodyPr>
           <a:lstStyle/>
           <a:p>
-            <a:pPr algn="l"/>
+            <a:pPr marL="285750" indent="-285750" algn="l">
+              <a:buFont typeface="Arial" panose="020B0604020202020204" pitchFamily="34" charset="0"/>
+              <a:buChar char="•"/>
+            </a:pPr>
             <a:r>
-              <a:rPr lang="en-US" altLang="en-US" dirty="0">
+              <a:rPr lang="en-US" altLang="en-US" sz="2400" dirty="0">
                 <a:solidFill>
                   <a:srgbClr val="000000"/>
                 </a:solidFill>
                 <a:sym typeface="+mn-ea"/>
               </a:rPr>
-              <a:t>- Messages sent and received successfully</a:t>
+              <a:t>Messages sent and received successfully</a:t>
             </a:r>
-            <a:endParaRPr lang="en-US" altLang="en-US" dirty="0">
+            <a:endParaRPr lang="en-US" altLang="en-US" sz="2400" dirty="0">
+              <a:solidFill>
+                <a:srgbClr val="000000"/>
+              </a:solidFill>
+              <a:sym typeface="+mn-ea"/>
+            </a:endParaRPr>
+          </a:p>
+          <a:p>
+            <a:pPr marL="285750" indent="-285750" algn="l">
+              <a:buFont typeface="Arial" panose="020B0604020202020204" pitchFamily="34" charset="0"/>
+              <a:buChar char="•"/>
+            </a:pPr>
+            <a:endParaRPr lang="en-US" altLang="en-US" sz="2400" dirty="0">
               <a:solidFill>
                 <a:schemeClr val="bg1"/>
               </a:solidFill>
@@ -5081,17 +5272,32 @@
             </a:endParaRPr>
           </a:p>
           <a:p>
-            <a:pPr algn="l"/>
+            <a:pPr marL="285750" indent="-285750" algn="l">
+              <a:buFont typeface="Arial" panose="020B0604020202020204" pitchFamily="34" charset="0"/>
+              <a:buChar char="•"/>
+            </a:pPr>
             <a:r>
-              <a:rPr lang="en-US" altLang="en-US" dirty="0">
+              <a:rPr lang="en-US" altLang="en-US" sz="2400" dirty="0">
                 <a:solidFill>
                   <a:srgbClr val="000000"/>
                 </a:solidFill>
                 <a:sym typeface="+mn-ea"/>
               </a:rPr>
-              <a:t>- Encryption verified across all tests</a:t>
+              <a:t>Encryption verified across all tests</a:t>
             </a:r>
-            <a:endParaRPr lang="en-US" altLang="en-US" dirty="0">
+            <a:endParaRPr lang="en-US" altLang="en-US" sz="2400" dirty="0">
+              <a:solidFill>
+                <a:srgbClr val="000000"/>
+              </a:solidFill>
+              <a:sym typeface="+mn-ea"/>
+            </a:endParaRPr>
+          </a:p>
+          <a:p>
+            <a:pPr marL="285750" indent="-285750" algn="l">
+              <a:buFont typeface="Arial" panose="020B0604020202020204" pitchFamily="34" charset="0"/>
+              <a:buChar char="•"/>
+            </a:pPr>
+            <a:endParaRPr lang="en-US" altLang="en-US" sz="2400" dirty="0">
               <a:solidFill>
                 <a:schemeClr val="bg1"/>
               </a:solidFill>
@@ -5099,17 +5305,32 @@
             </a:endParaRPr>
           </a:p>
           <a:p>
-            <a:pPr algn="l"/>
+            <a:pPr marL="285750" indent="-285750" algn="l">
+              <a:buFont typeface="Arial" panose="020B0604020202020204" pitchFamily="34" charset="0"/>
+              <a:buChar char="•"/>
+            </a:pPr>
             <a:r>
-              <a:rPr lang="en-US" altLang="en-US" dirty="0">
+              <a:rPr lang="en-US" altLang="en-US" sz="2400" dirty="0">
                 <a:solidFill>
                   <a:srgbClr val="000000"/>
                 </a:solidFill>
                 <a:sym typeface="+mn-ea"/>
               </a:rPr>
-              <a:t>- Protocol hosted on ZTE router and SFTPCloud.io</a:t>
+              <a:t>Protocol hosted on ZTE router and SFTPCloud.io</a:t>
             </a:r>
-            <a:endParaRPr lang="en-US" altLang="en-US" dirty="0">
+            <a:endParaRPr lang="en-US" altLang="en-US" sz="2400" dirty="0">
+              <a:solidFill>
+                <a:srgbClr val="000000"/>
+              </a:solidFill>
+              <a:sym typeface="+mn-ea"/>
+            </a:endParaRPr>
+          </a:p>
+          <a:p>
+            <a:pPr marL="285750" indent="-285750" algn="l">
+              <a:buFont typeface="Arial" panose="020B0604020202020204" pitchFamily="34" charset="0"/>
+              <a:buChar char="•"/>
+            </a:pPr>
+            <a:endParaRPr lang="en-US" altLang="en-US" sz="2400" dirty="0">
               <a:solidFill>
                 <a:schemeClr val="bg1"/>
               </a:solidFill>
@@ -5117,17 +5338,32 @@
             </a:endParaRPr>
           </a:p>
           <a:p>
-            <a:pPr algn="l"/>
+            <a:pPr marL="285750" indent="-285750" algn="l">
+              <a:buFont typeface="Arial" panose="020B0604020202020204" pitchFamily="34" charset="0"/>
+              <a:buChar char="•"/>
+            </a:pPr>
             <a:r>
-              <a:rPr lang="en-US" altLang="en-US" dirty="0">
+              <a:rPr lang="en-US" altLang="en-US" sz="2400" dirty="0">
                 <a:solidFill>
                   <a:srgbClr val="000000"/>
                 </a:solidFill>
                 <a:sym typeface="+mn-ea"/>
               </a:rPr>
-              <a:t>- No tunneling tools or socket libraries used</a:t>
+              <a:t>No tunneling tools or WebSockets libraries used</a:t>
             </a:r>
-            <a:endParaRPr lang="en-US" altLang="en-US" dirty="0">
+            <a:endParaRPr lang="en-US" altLang="en-US" sz="2400" dirty="0">
+              <a:solidFill>
+                <a:srgbClr val="000000"/>
+              </a:solidFill>
+              <a:sym typeface="+mn-ea"/>
+            </a:endParaRPr>
+          </a:p>
+          <a:p>
+            <a:pPr marL="285750" indent="-285750" algn="l">
+              <a:buFont typeface="Arial" panose="020B0604020202020204" pitchFamily="34" charset="0"/>
+              <a:buChar char="•"/>
+            </a:pPr>
+            <a:endParaRPr lang="en-US" altLang="en-US" sz="2400" dirty="0">
               <a:solidFill>
                 <a:schemeClr val="bg1"/>
               </a:solidFill>
@@ -5135,17 +5371,20 @@
             </a:endParaRPr>
           </a:p>
           <a:p>
-            <a:pPr algn="l"/>
+            <a:pPr marL="285750" indent="-285750" algn="l">
+              <a:buFont typeface="Arial" panose="020B0604020202020204" pitchFamily="34" charset="0"/>
+              <a:buChar char="•"/>
+            </a:pPr>
             <a:r>
-              <a:rPr lang="en-US" altLang="en-US" dirty="0">
+              <a:rPr lang="en-US" altLang="en-US" sz="2400" dirty="0">
                 <a:solidFill>
                   <a:srgbClr val="000000"/>
                 </a:solidFill>
                 <a:sym typeface="+mn-ea"/>
               </a:rPr>
-              <a:t>- Stable performance across devices</a:t>
+              <a:t>Stable performance across devices</a:t>
             </a:r>
-            <a:endParaRPr lang="en-US" altLang="en-US" dirty="0">
+            <a:endParaRPr lang="en-US" altLang="en-US" sz="2400" dirty="0">
               <a:solidFill>
                 <a:schemeClr val="bg1"/>
               </a:solidFill>
@@ -5154,7 +5393,7 @@
           </a:p>
           <a:p>
             <a:pPr algn="l"/>
-            <a:endParaRPr lang="en-US" altLang="en-US" dirty="0">
+            <a:endParaRPr lang="en-US" altLang="en-US" sz="2400" dirty="0">
               <a:solidFill>
                 <a:schemeClr val="bg1"/>
               </a:solidFill>
@@ -5204,7 +5443,7 @@
         </p:nvSpPr>
         <p:spPr>
           <a:xfrm>
-            <a:off x="-635" y="1275080"/>
+            <a:off x="-92075" y="774700"/>
             <a:ext cx="12190730" cy="774700"/>
           </a:xfrm>
           <a:prstGeom prst="rect">
@@ -5222,7 +5461,9 @@
             <a:r>
               <a:rPr lang="en-US" altLang="en-US" sz="4400" b="1" dirty="0" smtClean="0">
                 <a:solidFill>
-                  <a:srgbClr val="000000"/>
+                  <a:schemeClr val="accent1">
+                    <a:lumMod val="75000"/>
+                  </a:schemeClr>
                 </a:solidFill>
                 <a:latin typeface="Microsoft JhengHei" panose="020B0604030504040204" pitchFamily="34" charset="-120"/>
                 <a:ea typeface="Microsoft JhengHei" panose="020B0604030504040204" pitchFamily="34" charset="-120"/>
@@ -5232,7 +5473,9 @@
             </a:r>
             <a:endParaRPr lang="en-US" altLang="en-US" sz="4400" b="1" dirty="0" smtClean="0">
               <a:solidFill>
-                <a:schemeClr val="bg1"/>
+                <a:schemeClr val="accent1">
+                  <a:lumMod val="75000"/>
+                </a:schemeClr>
               </a:solidFill>
               <a:latin typeface="Microsoft JhengHei" panose="020B0604030504040204" pitchFamily="34" charset="-120"/>
               <a:ea typeface="Microsoft JhengHei" panose="020B0604030504040204" pitchFamily="34" charset="-120"/>
@@ -5243,7 +5486,9 @@
             <a:pPr algn="ctr"/>
             <a:endParaRPr lang="en-US" altLang="en-US" sz="4400" b="1" dirty="0" smtClean="0">
               <a:solidFill>
-                <a:schemeClr val="bg1"/>
+                <a:schemeClr val="accent1">
+                  <a:lumMod val="75000"/>
+                </a:schemeClr>
               </a:solidFill>
               <a:latin typeface="Microsoft JhengHei" panose="020B0604030504040204" pitchFamily="34" charset="-120"/>
               <a:ea typeface="Microsoft JhengHei" panose="020B0604030504040204" pitchFamily="34" charset="-120"/>
@@ -5295,7 +5540,7 @@
         </p:nvSpPr>
         <p:spPr>
           <a:xfrm>
-            <a:off x="5715" y="2657475"/>
+            <a:off x="-635" y="1549400"/>
             <a:ext cx="12190095" cy="3723005"/>
           </a:xfrm>
           <a:prstGeom prst="rect">
@@ -5309,9 +5554,11 @@
           </a:bodyPr>
           <a:lstStyle/>
           <a:p>
-            <a:pPr algn="l"/>
+            <a:pPr indent="0" algn="l">
+              <a:buNone/>
+            </a:pPr>
             <a:r>
-              <a:rPr lang="en-US" altLang="en-US" dirty="0">
+              <a:rPr lang="en-US" altLang="en-US" sz="2400" dirty="0">
                 <a:solidFill>
                   <a:srgbClr val="000000"/>
                 </a:solidFill>
@@ -5319,7 +5566,16 @@
               </a:rPr>
               <a:t>FTP can be used as a secure relay for encrypted messaging.</a:t>
             </a:r>
-            <a:endParaRPr lang="en-US" altLang="en-US" dirty="0">
+            <a:endParaRPr lang="en-US" altLang="en-US" sz="2400" dirty="0">
+              <a:solidFill>
+                <a:srgbClr val="000000"/>
+              </a:solidFill>
+              <a:sym typeface="+mn-ea"/>
+            </a:endParaRPr>
+          </a:p>
+          <a:p>
+            <a:pPr algn="l"/>
+            <a:endParaRPr lang="en-US" altLang="en-US" sz="2400" dirty="0">
               <a:solidFill>
                 <a:schemeClr val="bg1"/>
               </a:solidFill>
@@ -5329,17 +5585,26 @@
           <a:p>
             <a:pPr algn="l"/>
             <a:r>
-              <a:rPr lang="en-US" altLang="en-US" dirty="0">
+              <a:rPr lang="en-US" altLang="en-US" sz="2400" dirty="0">
                 <a:solidFill>
                   <a:srgbClr val="000000"/>
                 </a:solidFill>
                 <a:sym typeface="+mn-ea"/>
               </a:rPr>
-              <a:t>FTPChat proves that legacy protocols can be repurposed for modern secure communication.</a:t>
+              <a:t>FTPChat proves that legacy protocols can be repurposed for modern secure communication. </a:t>
             </a:r>
-            <a:endParaRPr lang="en-US" altLang="en-US" dirty="0">
-              <a:solidFill>
-                <a:schemeClr val="bg1"/>
+            <a:endParaRPr lang="en-US" altLang="en-US" sz="2400" dirty="0">
+              <a:solidFill>
+                <a:srgbClr val="000000"/>
+              </a:solidFill>
+              <a:sym typeface="+mn-ea"/>
+            </a:endParaRPr>
+          </a:p>
+          <a:p>
+            <a:pPr algn="l"/>
+            <a:endParaRPr lang="en-US" altLang="en-US" sz="2400" dirty="0">
+              <a:solidFill>
+                <a:srgbClr val="000000"/>
               </a:solidFill>
               <a:sym typeface="+mn-ea"/>
             </a:endParaRPr>
@@ -5347,15 +5612,15 @@
           <a:p>
             <a:pPr algn="l"/>
             <a:r>
-              <a:rPr lang="en-US" altLang="en-US" dirty="0">
+              <a:rPr lang="en-US" altLang="en-US" sz="2400" dirty="0">
                 <a:solidFill>
                   <a:srgbClr val="000000"/>
                 </a:solidFill>
                 <a:sym typeface="+mn-ea"/>
               </a:rPr>
-              <a:t>The system is socket-free, stable, and deployable across various platforms.</a:t>
+              <a:t>The system is WebSockets-free, stable, and deployable across various platforms.</a:t>
             </a:r>
-            <a:endParaRPr lang="en-US" altLang="en-US" dirty="0">
+            <a:endParaRPr lang="en-US" altLang="en-US" sz="2400" dirty="0">
               <a:solidFill>
                 <a:schemeClr val="bg1"/>
               </a:solidFill>
@@ -5364,7 +5629,7 @@
           </a:p>
           <a:p>
             <a:pPr algn="l"/>
-            <a:endParaRPr lang="en-US" altLang="en-US" dirty="0">
+            <a:endParaRPr lang="en-US" altLang="en-US" sz="2400" dirty="0">
               <a:solidFill>
                 <a:schemeClr val="bg1"/>
               </a:solidFill>
@@ -5414,7 +5679,7 @@
         </p:nvSpPr>
         <p:spPr>
           <a:xfrm>
-            <a:off x="-3175" y="1373505"/>
+            <a:off x="0" y="768350"/>
             <a:ext cx="12195175" cy="768350"/>
           </a:xfrm>
           <a:prstGeom prst="rect">
@@ -5432,20 +5697,37 @@
             <a:r>
               <a:rPr lang="en-US" sz="4400" b="1" dirty="0">
                 <a:solidFill>
-                  <a:srgbClr val="000000"/>
+                  <a:schemeClr val="accent2">
+                    <a:lumMod val="75000"/>
+                  </a:schemeClr>
                 </a:solidFill>
-                <a:latin typeface="+mj-ea"/>
-                <a:ea typeface="+mj-ea"/>
+                <a:latin typeface="Microsoft JhengHei" panose="020B0604030504040204" pitchFamily="34" charset="-120"/>
+                <a:ea typeface="Microsoft JhengHei" panose="020B0604030504040204" pitchFamily="34" charset="-120"/>
                 <a:sym typeface="+mn-ea"/>
               </a:rPr>
-              <a:t>Purpose</a:t>
+              <a:t>Pur</a:t>
+            </a:r>
+            <a:r>
+              <a:rPr lang="en-US" sz="4400" b="1" dirty="0">
+                <a:solidFill>
+                  <a:schemeClr val="accent1">
+                    <a:lumMod val="75000"/>
+                  </a:schemeClr>
+                </a:solidFill>
+                <a:latin typeface="Microsoft JhengHei" panose="020B0604030504040204" pitchFamily="34" charset="-120"/>
+                <a:ea typeface="Microsoft JhengHei" panose="020B0604030504040204" pitchFamily="34" charset="-120"/>
+                <a:sym typeface="+mn-ea"/>
+              </a:rPr>
+              <a:t>pose</a:t>
             </a:r>
             <a:endParaRPr lang="en-US" sz="4400" b="1" dirty="0" smtClean="0">
               <a:solidFill>
-                <a:schemeClr val="bg1"/>
-              </a:solidFill>
-              <a:latin typeface="+mj-ea"/>
-              <a:ea typeface="+mj-ea"/>
+                <a:schemeClr val="accent1">
+                  <a:lumMod val="75000"/>
+                </a:schemeClr>
+              </a:solidFill>
+              <a:latin typeface="Microsoft JhengHei" panose="020B0604030504040204" pitchFamily="34" charset="-120"/>
+              <a:ea typeface="Microsoft JhengHei" panose="020B0604030504040204" pitchFamily="34" charset="-120"/>
               <a:sym typeface="+mn-ea"/>
             </a:endParaRPr>
           </a:p>
@@ -5494,8 +5776,8 @@
         </p:nvSpPr>
         <p:spPr>
           <a:xfrm>
-            <a:off x="-3175" y="2868295"/>
-            <a:ext cx="12195175" cy="1198880"/>
+            <a:off x="0" y="1709420"/>
+            <a:ext cx="12195175" cy="3408045"/>
           </a:xfrm>
           <a:prstGeom prst="rect">
             <a:avLst/>
@@ -5504,64 +5786,80 @@
         </p:spPr>
         <p:txBody>
           <a:bodyPr wrap="square" rtlCol="0">
-            <a:spAutoFit/>
+            <a:noAutofit/>
           </a:bodyPr>
           <a:lstStyle/>
           <a:p>
             <a:r>
-              <a:rPr lang="en-US" altLang="en-US" dirty="0">
+              <a:rPr lang="en-US" altLang="en-US" sz="2400" dirty="0">
                 <a:solidFill>
-                  <a:srgbClr val="000000"/>
+                  <a:schemeClr val="tx1"/>
                 </a:solidFill>
                 <a:sym typeface="+mn-ea"/>
               </a:rPr>
-              <a:t>To build a secure messaging system without using sockets.</a:t>
+              <a:t>To build a secure messaging system without using WebSockets.</a:t>
             </a:r>
-            <a:endParaRPr lang="en-US" altLang="en-US" dirty="0">
-              <a:solidFill>
-                <a:schemeClr val="bg1"/>
+            <a:endParaRPr lang="en-US" altLang="en-US" sz="2400" dirty="0">
+              <a:solidFill>
+                <a:schemeClr val="tx1"/>
+              </a:solidFill>
+              <a:sym typeface="+mn-ea"/>
+            </a:endParaRPr>
+          </a:p>
+          <a:p>
+            <a:endParaRPr lang="en-US" altLang="en-US" sz="2400" dirty="0">
+              <a:solidFill>
+                <a:schemeClr val="tx1"/>
               </a:solidFill>
               <a:sym typeface="+mn-ea"/>
             </a:endParaRPr>
           </a:p>
           <a:p>
             <a:r>
-              <a:rPr lang="en-US" altLang="en-US" dirty="0">
+              <a:rPr lang="en-US" altLang="en-US" sz="2400" dirty="0">
                 <a:solidFill>
-                  <a:srgbClr val="000000"/>
+                  <a:schemeClr val="tx1"/>
                 </a:solidFill>
                 <a:sym typeface="+mn-ea"/>
               </a:rPr>
               <a:t>FTPChat uses FTP as a relay layer and applies multi-layer encryption to protect messages.</a:t>
             </a:r>
-            <a:endParaRPr lang="en-US" altLang="en-US" dirty="0">
-              <a:solidFill>
-                <a:schemeClr val="bg1"/>
+            <a:endParaRPr lang="en-US" altLang="en-US" sz="2400" dirty="0">
+              <a:solidFill>
+                <a:schemeClr val="tx1"/>
+              </a:solidFill>
+              <a:sym typeface="+mn-ea"/>
+            </a:endParaRPr>
+          </a:p>
+          <a:p>
+            <a:endParaRPr lang="en-US" altLang="en-US" sz="2400" dirty="0">
+              <a:solidFill>
+                <a:schemeClr val="tx1"/>
               </a:solidFill>
               <a:sym typeface="+mn-ea"/>
             </a:endParaRPr>
           </a:p>
           <a:p>
             <a:r>
-              <a:rPr lang="en-US" altLang="en-US" dirty="0">
+              <a:rPr lang="en-US" altLang="en-US" sz="2400" dirty="0">
                 <a:solidFill>
-                  <a:srgbClr val="000000"/>
+                  <a:schemeClr val="tx1"/>
                 </a:solidFill>
                 <a:sym typeface="+mn-ea"/>
               </a:rPr>
-              <a:t>The goal is to prove that legacy protocols can be repurposed for modern secure communication.</a:t>
+              <a:t>This project`s goal is to prove that legacy protocols can be repurposed for modern secure communication and decrease the reliance on WebSockets and repurpose old devices for another uses such as hosting FTP servers which reduces E-waste.</a:t>
             </a:r>
-            <a:endParaRPr lang="en-US" altLang="en-US" dirty="0">
-              <a:solidFill>
-                <a:schemeClr val="bg1"/>
-              </a:solidFill>
-              <a:sym typeface="+mn-ea"/>
-            </a:endParaRPr>
-          </a:p>
-          <a:p>
-            <a:endParaRPr lang="en-US" altLang="en-US" dirty="0">
-              <a:solidFill>
-                <a:schemeClr val="bg1"/>
+            <a:endParaRPr lang="en-US" altLang="en-US" sz="2400" dirty="0">
+              <a:solidFill>
+                <a:schemeClr val="tx1"/>
+              </a:solidFill>
+              <a:sym typeface="+mn-ea"/>
+            </a:endParaRPr>
+          </a:p>
+          <a:p>
+            <a:endParaRPr lang="en-US" altLang="en-US" sz="2400" dirty="0">
+              <a:solidFill>
+                <a:schemeClr val="tx1"/>
               </a:solidFill>
               <a:sym typeface="+mn-ea"/>
             </a:endParaRPr>
@@ -5609,7 +5907,7 @@
         </p:nvSpPr>
         <p:spPr>
           <a:xfrm>
-            <a:off x="-635" y="1275080"/>
+            <a:off x="0" y="774700"/>
             <a:ext cx="12190730" cy="774700"/>
           </a:xfrm>
           <a:prstGeom prst="rect">
@@ -5627,7 +5925,9 @@
             <a:r>
               <a:rPr lang="en-US" sz="4400" b="1" dirty="0" smtClean="0">
                 <a:solidFill>
-                  <a:schemeClr val="tx1"/>
+                  <a:schemeClr val="accent1">
+                    <a:lumMod val="75000"/>
+                  </a:schemeClr>
                 </a:solidFill>
                 <a:latin typeface="Microsoft JhengHei" panose="020B0604030504040204" pitchFamily="34" charset="-120"/>
                 <a:ea typeface="Microsoft JhengHei" panose="020B0604030504040204" pitchFamily="34" charset="-120"/>
@@ -5638,7 +5938,9 @@
             <a:r>
               <a:rPr lang="en-US" altLang="en-US" sz="4400" b="1" dirty="0" smtClean="0">
                 <a:solidFill>
-                  <a:schemeClr val="tx1"/>
+                  <a:schemeClr val="accent1">
+                    <a:lumMod val="75000"/>
+                  </a:schemeClr>
                 </a:solidFill>
                 <a:latin typeface="Microsoft JhengHei" panose="020B0604030504040204" pitchFamily="34" charset="-120"/>
                 <a:ea typeface="Microsoft JhengHei" panose="020B0604030504040204" pitchFamily="34" charset="-120"/>
@@ -5648,7 +5950,9 @@
             </a:r>
             <a:endParaRPr lang="en-US" altLang="en-US" sz="4400" b="1" dirty="0" smtClean="0">
               <a:solidFill>
-                <a:schemeClr val="tx1"/>
+                <a:schemeClr val="accent1">
+                  <a:lumMod val="75000"/>
+                </a:schemeClr>
               </a:solidFill>
               <a:latin typeface="Microsoft JhengHei" panose="020B0604030504040204" pitchFamily="34" charset="-120"/>
               <a:ea typeface="Microsoft JhengHei" panose="020B0604030504040204" pitchFamily="34" charset="-120"/>
@@ -5700,7 +6004,7 @@
         </p:nvSpPr>
         <p:spPr>
           <a:xfrm>
-            <a:off x="5715" y="2657475"/>
+            <a:off x="5715" y="1695450"/>
             <a:ext cx="12190095" cy="3723005"/>
           </a:xfrm>
           <a:prstGeom prst="rect">
@@ -5714,17 +6018,32 @@
           </a:bodyPr>
           <a:lstStyle/>
           <a:p>
-            <a:pPr algn="l"/>
+            <a:pPr marL="342900" indent="-342900" algn="l">
+              <a:buFont typeface="Arial" panose="020B0604020202020204" pitchFamily="34" charset="0"/>
+              <a:buChar char="•"/>
+            </a:pPr>
             <a:r>
-              <a:rPr lang="en-US" altLang="en-US" dirty="0">
+              <a:rPr lang="en-US" altLang="en-US" sz="2400" dirty="0">
                 <a:solidFill>
                   <a:srgbClr val="000000"/>
                 </a:solidFill>
                 <a:sym typeface="+mn-ea"/>
               </a:rPr>
-              <a:t>- Sockets often introduce instability and security risks.</a:t>
+              <a:t>WebSockets often introduce instability and security risks.</a:t>
             </a:r>
-            <a:endParaRPr lang="en-US" altLang="en-US" dirty="0">
+            <a:endParaRPr lang="en-US" altLang="en-US" sz="2400" dirty="0">
+              <a:solidFill>
+                <a:srgbClr val="000000"/>
+              </a:solidFill>
+              <a:sym typeface="+mn-ea"/>
+            </a:endParaRPr>
+          </a:p>
+          <a:p>
+            <a:pPr marL="342900" indent="-342900" algn="l">
+              <a:buFont typeface="Arial" panose="020B0604020202020204" pitchFamily="34" charset="0"/>
+              <a:buChar char="•"/>
+            </a:pPr>
+            <a:endParaRPr lang="en-US" altLang="en-US" sz="2400" dirty="0">
               <a:solidFill>
                 <a:schemeClr val="bg1"/>
               </a:solidFill>
@@ -5732,17 +6051,32 @@
             </a:endParaRPr>
           </a:p>
           <a:p>
-            <a:pPr algn="l"/>
+            <a:pPr marL="342900" indent="-342900" algn="l">
+              <a:buFont typeface="Arial" panose="020B0604020202020204" pitchFamily="34" charset="0"/>
+              <a:buChar char="•"/>
+            </a:pPr>
             <a:r>
-              <a:rPr lang="en-US" altLang="en-US" dirty="0">
+              <a:rPr lang="en-US" altLang="en-US" sz="2400" dirty="0">
                 <a:solidFill>
                   <a:srgbClr val="000000"/>
                 </a:solidFill>
                 <a:sym typeface="+mn-ea"/>
               </a:rPr>
-              <a:t>- FTP is a legacy protocol designed for file transfer, but it can be repurposed as a message relay.</a:t>
+              <a:t>FTP is a legacy protocol designed for file transfer, but it can be repurposed as a message relay.</a:t>
             </a:r>
-            <a:endParaRPr lang="en-US" altLang="en-US" dirty="0">
+            <a:endParaRPr lang="en-US" altLang="en-US" sz="2400" dirty="0">
+              <a:solidFill>
+                <a:srgbClr val="000000"/>
+              </a:solidFill>
+              <a:sym typeface="+mn-ea"/>
+            </a:endParaRPr>
+          </a:p>
+          <a:p>
+            <a:pPr marL="342900" indent="-342900" algn="l">
+              <a:buFont typeface="Arial" panose="020B0604020202020204" pitchFamily="34" charset="0"/>
+              <a:buChar char="•"/>
+            </a:pPr>
+            <a:endParaRPr lang="en-US" altLang="en-US" sz="2400" dirty="0">
               <a:solidFill>
                 <a:schemeClr val="bg1"/>
               </a:solidFill>
@@ -5750,17 +6084,60 @@
             </a:endParaRPr>
           </a:p>
           <a:p>
-            <a:pPr algn="l"/>
+            <a:pPr marL="342900" indent="-342900" algn="l">
+              <a:buFont typeface="Arial" panose="020B0604020202020204" pitchFamily="34" charset="0"/>
+              <a:buChar char="•"/>
+            </a:pPr>
             <a:r>
-              <a:rPr lang="en-US" altLang="en-US" dirty="0">
+              <a:rPr lang="en-US" altLang="en-US" sz="2400" dirty="0">
+                <a:solidFill>
+                  <a:schemeClr val="tx1">
+                    <a:lumMod val="95000"/>
+                    <a:lumOff val="5000"/>
+                  </a:schemeClr>
+                </a:solidFill>
+                <a:sym typeface="+mn-ea"/>
+              </a:rPr>
+              <a:t>Routers like ZTE ZXHN H188A and platforms like SFTPCloud.io support FTP hosting.</a:t>
+            </a:r>
+            <a:endParaRPr lang="en-US" altLang="en-US" sz="2400" dirty="0">
+              <a:solidFill>
+                <a:schemeClr val="accent1">
+                  <a:lumMod val="75000"/>
+                </a:schemeClr>
+              </a:solidFill>
+              <a:sym typeface="+mn-ea"/>
+            </a:endParaRPr>
+          </a:p>
+          <a:p>
+            <a:pPr marL="342900" indent="-342900" algn="l">
+              <a:buFont typeface="Arial" panose="020B0604020202020204" pitchFamily="34" charset="0"/>
+              <a:buChar char="•"/>
+            </a:pPr>
+            <a:endParaRPr lang="en-US" altLang="en-US" sz="2400" dirty="0">
+              <a:solidFill>
+                <a:schemeClr val="accent1">
+                  <a:lumMod val="75000"/>
+                </a:schemeClr>
+              </a:solidFill>
+              <a:sym typeface="+mn-ea"/>
+            </a:endParaRPr>
+          </a:p>
+          <a:p>
+            <a:pPr marL="342900" indent="-342900" algn="l">
+              <a:buFont typeface="Arial" panose="020B0604020202020204" pitchFamily="34" charset="0"/>
+              <a:buChar char="•"/>
+            </a:pPr>
+            <a:r>
+              <a:rPr lang="en-US" altLang="en-US" sz="2400" dirty="0">
                 <a:solidFill>
                   <a:srgbClr val="000000"/>
                 </a:solidFill>
                 <a:sym typeface="+mn-ea"/>
               </a:rPr>
-              <a:t>- Routers like ZTE ZXHN H188A and platforms like SFTPCloud.io support FTP hosting.</a:t>
+              <a:t>Python provides libraries for encryption and file handling</a:t>
             </a:r>
-            <a:endParaRPr lang="en-US" altLang="en-US" dirty="0">
+            <a:endParaRPr lang="en-US" altLang="en-US" sz="2400" dirty="0">
               <a:solidFill>
                 <a:schemeClr val="bg1"/>
               </a:solidFill>
@@ -5769,25 +6146,7 @@
           </a:p>
           <a:p>
             <a:pPr algn="l"/>
-            <a:r>
-              <a:rPr lang="en-US" altLang="en-US" dirty="0">
-                <a:solidFill>
-                  <a:srgbClr val="000000"/>
-                </a:solidFill>
-                <a:sym typeface="+mn-ea"/>
-              </a:rPr>
-              <a:t>- Python provides libraries for encryption and file handling</a:t>
-            </a:r>
-            <a:endParaRPr lang="en-US" altLang="en-US" dirty="0">
-              <a:solidFill>
-                <a:schemeClr val="bg1"/>
-              </a:solidFill>
-              <a:sym typeface="+mn-ea"/>
-            </a:endParaRPr>
-          </a:p>
-          <a:p>
-            <a:pPr algn="l"/>
-            <a:endParaRPr lang="en-US" altLang="en-US" dirty="0">
+            <a:endParaRPr lang="en-US" altLang="en-US" sz="2400" dirty="0">
               <a:solidFill>
                 <a:schemeClr val="bg1"/>
               </a:solidFill>
@@ -5837,7 +6196,7 @@
         </p:nvSpPr>
         <p:spPr>
           <a:xfrm>
-            <a:off x="-635" y="1275080"/>
+            <a:off x="5715" y="774700"/>
             <a:ext cx="12190730" cy="774700"/>
           </a:xfrm>
           <a:prstGeom prst="rect">
@@ -5855,7 +6214,9 @@
             <a:r>
               <a:rPr lang="en-US" sz="4400" b="1" dirty="0" smtClean="0">
                 <a:solidFill>
-                  <a:srgbClr val="000000"/>
+                  <a:schemeClr val="accent1">
+                    <a:lumMod val="75000"/>
+                  </a:schemeClr>
                 </a:solidFill>
                 <a:latin typeface="Microsoft JhengHei" panose="020B0604030504040204" pitchFamily="34" charset="-120"/>
                 <a:ea typeface="Microsoft JhengHei" panose="020B0604030504040204" pitchFamily="34" charset="-120"/>
@@ -5865,7 +6226,9 @@
             </a:r>
             <a:endParaRPr lang="en-US" sz="4400" b="1" dirty="0" smtClean="0">
               <a:solidFill>
-                <a:schemeClr val="bg1"/>
+                <a:schemeClr val="accent1">
+                  <a:lumMod val="75000"/>
+                </a:schemeClr>
               </a:solidFill>
               <a:latin typeface="Microsoft JhengHei" panose="020B0604030504040204" pitchFamily="34" charset="-120"/>
               <a:ea typeface="Microsoft JhengHei" panose="020B0604030504040204" pitchFamily="34" charset="-120"/>
@@ -5917,7 +6280,7 @@
         </p:nvSpPr>
         <p:spPr>
           <a:xfrm>
-            <a:off x="5715" y="2657475"/>
+            <a:off x="0" y="1549400"/>
             <a:ext cx="12190095" cy="3723005"/>
           </a:xfrm>
           <a:prstGeom prst="rect">
@@ -5931,19 +6294,23 @@
           </a:bodyPr>
           <a:lstStyle/>
           <a:p>
-            <a:pPr algn="l"/>
+            <a:pPr algn="l">
+              <a:lnSpc>
+                <a:spcPct val="120000"/>
+              </a:lnSpc>
+            </a:pPr>
             <a:r>
-              <a:rPr lang="en-US" altLang="en-US" dirty="0">
+              <a:rPr lang="en-US" altLang="en-US" sz="2400" dirty="0">
                 <a:solidFill>
                   <a:srgbClr val="000000"/>
                 </a:solidFill>
                 <a:sym typeface="+mn-ea"/>
               </a:rPr>
-              <a:t>If FTP replaces sockets, it`s possible to build a stable, encrypted messaging protocol that works on legacy hardware and modern networks—without tunneling tools or socket dependencies.</a:t>
+              <a:t>It`s possible to build a stable, encrypted messaging protocol that works on legacy hardware and modern networks, without tunneling tools or WebSockets dependencies. Making developing chat apps easier for software developers to devolop.</a:t>
             </a:r>
-            <a:endParaRPr lang="en-US" altLang="en-US" dirty="0">
-              <a:solidFill>
-                <a:schemeClr val="bg1"/>
+            <a:endParaRPr lang="en-US" altLang="en-US" sz="2400" dirty="0">
+              <a:solidFill>
+                <a:srgbClr val="000000"/>
               </a:solidFill>
               <a:sym typeface="+mn-ea"/>
             </a:endParaRPr>
@@ -5991,7 +6358,7 @@
         </p:nvSpPr>
         <p:spPr>
           <a:xfrm>
-            <a:off x="-635" y="1275080"/>
+            <a:off x="-635" y="774700"/>
             <a:ext cx="12190730" cy="774700"/>
           </a:xfrm>
           <a:prstGeom prst="rect">
@@ -6009,7 +6376,9 @@
             <a:r>
               <a:rPr lang="en-US" altLang="en-US" sz="4400" b="1" dirty="0" smtClean="0">
                 <a:solidFill>
-                  <a:srgbClr val="000000"/>
+                  <a:schemeClr val="accent1">
+                    <a:lumMod val="75000"/>
+                  </a:schemeClr>
                 </a:solidFill>
                 <a:latin typeface="Microsoft JhengHei" panose="020B0604030504040204" pitchFamily="34" charset="-120"/>
                 <a:ea typeface="Microsoft JhengHei" panose="020B0604030504040204" pitchFamily="34" charset="-120"/>
@@ -6019,7 +6388,9 @@
             </a:r>
             <a:endParaRPr lang="en-US" altLang="en-US" sz="4400" b="1" dirty="0" smtClean="0">
               <a:solidFill>
-                <a:schemeClr val="bg1"/>
+                <a:schemeClr val="accent1">
+                  <a:lumMod val="75000"/>
+                </a:schemeClr>
               </a:solidFill>
               <a:latin typeface="Microsoft JhengHei" panose="020B0604030504040204" pitchFamily="34" charset="-120"/>
               <a:ea typeface="Microsoft JhengHei" panose="020B0604030504040204" pitchFamily="34" charset="-120"/>
@@ -6030,7 +6401,9 @@
             <a:pPr algn="ctr"/>
             <a:endParaRPr lang="en-US" altLang="en-US" sz="4400" b="1" dirty="0" smtClean="0">
               <a:solidFill>
-                <a:schemeClr val="bg1"/>
+                <a:schemeClr val="accent1">
+                  <a:lumMod val="75000"/>
+                </a:schemeClr>
               </a:solidFill>
               <a:latin typeface="Microsoft JhengHei" panose="020B0604030504040204" pitchFamily="34" charset="-120"/>
               <a:ea typeface="Microsoft JhengHei" panose="020B0604030504040204" pitchFamily="34" charset="-120"/>
@@ -6082,8 +6455,8 @@
         </p:nvSpPr>
         <p:spPr>
           <a:xfrm>
-            <a:off x="5715" y="2657475"/>
-            <a:ext cx="12190095" cy="3723005"/>
+            <a:off x="-635" y="1549400"/>
+            <a:ext cx="12190095" cy="5154295"/>
           </a:xfrm>
           <a:prstGeom prst="rect">
             <a:avLst/>
@@ -6096,118 +6469,262 @@
           </a:bodyPr>
           <a:lstStyle/>
           <a:p>
-            <a:pPr algn="l"/>
+            <a:pPr marL="285750" indent="-285750" algn="l">
+              <a:buFont typeface="Arial" panose="020B0604020202020204" pitchFamily="34" charset="0"/>
+              <a:buChar char="•"/>
+            </a:pPr>
             <a:r>
-              <a:rPr lang="en-US" altLang="en-US" dirty="0">
+              <a:rPr lang="en-US" altLang="en-US" sz="2200" dirty="0">
                 <a:solidFill>
-                  <a:srgbClr val="000000"/>
+                  <a:schemeClr val="tx1"/>
                 </a:solidFill>
                 <a:sym typeface="+mn-ea"/>
               </a:rPr>
-              <a:t>- Router with FTP support</a:t>
+              <a:t>Router with FTP support (ZTE ZXHN H188A)</a:t>
             </a:r>
-            <a:endParaRPr lang="en-US" altLang="en-US" dirty="0">
-              <a:solidFill>
-                <a:schemeClr val="bg1"/>
-              </a:solidFill>
-              <a:sym typeface="+mn-ea"/>
-            </a:endParaRPr>
-          </a:p>
-          <a:p>
-            <a:pPr algn="l"/>
+            <a:endParaRPr lang="en-US" altLang="en-US" sz="2200" dirty="0">
+              <a:solidFill>
+                <a:schemeClr val="tx1"/>
+              </a:solidFill>
+              <a:sym typeface="+mn-ea"/>
+            </a:endParaRPr>
+          </a:p>
+          <a:p>
+            <a:pPr marL="285750" indent="-285750" algn="l">
+              <a:buFont typeface="Arial" panose="020B0604020202020204" pitchFamily="34" charset="0"/>
+              <a:buChar char="•"/>
+            </a:pPr>
+            <a:endParaRPr lang="en-US" altLang="en-US" sz="2200" dirty="0">
+              <a:solidFill>
+                <a:schemeClr val="tx1"/>
+              </a:solidFill>
+              <a:sym typeface="+mn-ea"/>
+            </a:endParaRPr>
+          </a:p>
+          <a:p>
+            <a:pPr marL="285750" indent="-285750" algn="l">
+              <a:buFont typeface="Arial" panose="020B0604020202020204" pitchFamily="34" charset="0"/>
+              <a:buChar char="•"/>
+            </a:pPr>
             <a:r>
-              <a:rPr lang="en-US" altLang="en-US" dirty="0">
+              <a:rPr lang="en-US" altLang="en-US" sz="2200" dirty="0">
                 <a:solidFill>
-                  <a:srgbClr val="000000"/>
+                  <a:schemeClr val="tx1"/>
                 </a:solidFill>
                 <a:sym typeface="+mn-ea"/>
               </a:rPr>
-              <a:t>- SFTPCloud.io account</a:t>
+              <a:t>SFTPCloud.io website</a:t>
             </a:r>
-            <a:endParaRPr lang="en-US" altLang="en-US" dirty="0">
-              <a:solidFill>
-                <a:schemeClr val="bg1"/>
-              </a:solidFill>
-              <a:sym typeface="+mn-ea"/>
-            </a:endParaRPr>
-          </a:p>
-          <a:p>
-            <a:pPr algn="l"/>
+            <a:endParaRPr lang="en-US" altLang="en-US" sz="2200" dirty="0">
+              <a:solidFill>
+                <a:schemeClr val="tx1"/>
+              </a:solidFill>
+              <a:sym typeface="+mn-ea"/>
+            </a:endParaRPr>
+          </a:p>
+          <a:p>
+            <a:pPr marL="285750" indent="-285750" algn="l">
+              <a:buFont typeface="Arial" panose="020B0604020202020204" pitchFamily="34" charset="0"/>
+              <a:buChar char="•"/>
+            </a:pPr>
+            <a:endParaRPr lang="en-US" altLang="en-US" sz="2200" dirty="0">
+              <a:solidFill>
+                <a:schemeClr val="tx1"/>
+              </a:solidFill>
+              <a:sym typeface="+mn-ea"/>
+            </a:endParaRPr>
+          </a:p>
+          <a:p>
+            <a:pPr marL="285750" indent="-285750" algn="l">
+              <a:buFont typeface="Arial" panose="020B0604020202020204" pitchFamily="34" charset="0"/>
+              <a:buChar char="•"/>
+            </a:pPr>
             <a:r>
-              <a:rPr lang="en-US" altLang="en-US" dirty="0">
+              <a:rPr lang="en-US" altLang="en-US" sz="2200" dirty="0">
                 <a:solidFill>
-                  <a:srgbClr val="000000"/>
+                  <a:schemeClr val="tx1"/>
                 </a:solidFill>
                 <a:sym typeface="+mn-ea"/>
               </a:rPr>
-              <a:t>- Python 3.x</a:t>
+              <a:t>Python 3.x</a:t>
             </a:r>
-            <a:endParaRPr lang="en-US" altLang="en-US" dirty="0">
-              <a:solidFill>
-                <a:schemeClr val="bg1"/>
-              </a:solidFill>
-              <a:sym typeface="+mn-ea"/>
-            </a:endParaRPr>
-          </a:p>
-          <a:p>
-            <a:pPr algn="l"/>
+            <a:endParaRPr lang="en-US" altLang="en-US" sz="2200" dirty="0">
+              <a:solidFill>
+                <a:schemeClr val="tx1"/>
+              </a:solidFill>
+              <a:sym typeface="+mn-ea"/>
+            </a:endParaRPr>
+          </a:p>
+          <a:p>
+            <a:pPr marL="285750" indent="-285750" algn="l">
+              <a:buFont typeface="Arial" panose="020B0604020202020204" pitchFamily="34" charset="0"/>
+              <a:buChar char="•"/>
+            </a:pPr>
+            <a:endParaRPr lang="en-US" altLang="en-US" sz="2200" dirty="0">
+              <a:solidFill>
+                <a:schemeClr val="tx1"/>
+              </a:solidFill>
+              <a:sym typeface="+mn-ea"/>
+            </a:endParaRPr>
+          </a:p>
+          <a:p>
+            <a:pPr marL="285750" indent="-285750" algn="l">
+              <a:buFont typeface="Arial" panose="020B0604020202020204" pitchFamily="34" charset="0"/>
+              <a:buChar char="•"/>
+            </a:pPr>
             <a:r>
-              <a:rPr lang="en-US" altLang="en-US" dirty="0">
+              <a:rPr lang="en-US" altLang="en-US" sz="2200" dirty="0">
                 <a:solidFill>
-                  <a:srgbClr val="000000"/>
+                  <a:schemeClr val="tx1"/>
                 </a:solidFill>
                 <a:sym typeface="+mn-ea"/>
               </a:rPr>
-              <a:t>- Inno Setup</a:t>
+              <a:t>Inno Setup</a:t>
             </a:r>
-            <a:endParaRPr lang="en-US" altLang="en-US" dirty="0">
-              <a:solidFill>
-                <a:schemeClr val="bg1"/>
-              </a:solidFill>
-              <a:sym typeface="+mn-ea"/>
-            </a:endParaRPr>
-          </a:p>
-          <a:p>
-            <a:pPr algn="l"/>
+            <a:endParaRPr lang="en-US" altLang="en-US" sz="2200" dirty="0">
+              <a:solidFill>
+                <a:schemeClr val="tx1"/>
+              </a:solidFill>
+              <a:sym typeface="+mn-ea"/>
+            </a:endParaRPr>
+          </a:p>
+          <a:p>
+            <a:pPr marL="285750" indent="-285750" algn="l">
+              <a:buFont typeface="Arial" panose="020B0604020202020204" pitchFamily="34" charset="0"/>
+              <a:buChar char="•"/>
+            </a:pPr>
+            <a:endParaRPr lang="en-US" altLang="en-US" sz="2200" dirty="0">
+              <a:solidFill>
+                <a:schemeClr val="tx1"/>
+              </a:solidFill>
+              <a:sym typeface="+mn-ea"/>
+            </a:endParaRPr>
+          </a:p>
+          <a:p>
+            <a:pPr marL="285750" indent="-285750" algn="l">
+              <a:buFont typeface="Arial" panose="020B0604020202020204" pitchFamily="34" charset="0"/>
+              <a:buChar char="•"/>
+            </a:pPr>
             <a:r>
-              <a:rPr lang="en-US" altLang="en-US" dirty="0">
+              <a:rPr lang="en-US" altLang="en-US" sz="2200" dirty="0">
                 <a:solidFill>
-                  <a:srgbClr val="000000"/>
+                  <a:schemeClr val="tx1"/>
                 </a:solidFill>
                 <a:sym typeface="+mn-ea"/>
               </a:rPr>
-              <a:t>- Code editor (VS Code)</a:t>
+              <a:t>Code editor (VS Code)</a:t>
             </a:r>
-            <a:endParaRPr lang="en-US" altLang="en-US" dirty="0">
-              <a:solidFill>
-                <a:schemeClr val="bg1"/>
-              </a:solidFill>
-              <a:sym typeface="+mn-ea"/>
-            </a:endParaRPr>
-          </a:p>
-          <a:p>
-            <a:pPr algn="l"/>
+            <a:endParaRPr lang="en-US" altLang="en-US" sz="2200" dirty="0">
+              <a:solidFill>
+                <a:schemeClr val="tx1"/>
+              </a:solidFill>
+              <a:sym typeface="+mn-ea"/>
+            </a:endParaRPr>
+          </a:p>
+          <a:p>
+            <a:pPr marL="285750" indent="-285750" algn="l">
+              <a:buFont typeface="Arial" panose="020B0604020202020204" pitchFamily="34" charset="0"/>
+              <a:buChar char="•"/>
+            </a:pPr>
+            <a:endParaRPr lang="en-US" altLang="en-US" sz="2200" dirty="0">
+              <a:solidFill>
+                <a:schemeClr val="tx1"/>
+              </a:solidFill>
+              <a:sym typeface="+mn-ea"/>
+            </a:endParaRPr>
+          </a:p>
+          <a:p>
+            <a:pPr marL="285750" indent="-285750" algn="l">
+              <a:buFont typeface="Arial" panose="020B0604020202020204" pitchFamily="34" charset="0"/>
+              <a:buChar char="•"/>
+            </a:pPr>
             <a:r>
-              <a:rPr lang="en-US" altLang="en-US" dirty="0">
+              <a:rPr lang="en-US" altLang="en-US" sz="2200" dirty="0">
                 <a:solidFill>
-                  <a:srgbClr val="000000"/>
+                  <a:schemeClr val="tx1"/>
                 </a:solidFill>
                 <a:sym typeface="+mn-ea"/>
               </a:rPr>
-              <a:t>- Internet connection for global testing </a:t>
+              <a:t>Internet connection for global testing </a:t>
             </a:r>
-            <a:endParaRPr lang="en-US" altLang="en-US" dirty="0">
-              <a:solidFill>
-                <a:schemeClr val="bg1"/>
+            <a:endParaRPr lang="en-US" altLang="en-US" sz="2200" dirty="0">
+              <a:solidFill>
+                <a:schemeClr val="tx1"/>
+              </a:solidFill>
+              <a:sym typeface="+mn-ea"/>
+            </a:endParaRPr>
+          </a:p>
+          <a:p>
+            <a:pPr marL="285750" indent="-285750" algn="l">
+              <a:buFont typeface="Arial" panose="020B0604020202020204" pitchFamily="34" charset="0"/>
+              <a:buChar char="•"/>
+            </a:pPr>
+            <a:endParaRPr lang="en-US" altLang="en-US" sz="2200" dirty="0">
+              <a:solidFill>
+                <a:schemeClr val="tx1"/>
+              </a:solidFill>
+              <a:sym typeface="+mn-ea"/>
+            </a:endParaRPr>
+          </a:p>
+          <a:p>
+            <a:pPr marL="285750" indent="-285750" algn="l">
+              <a:buFont typeface="Arial" panose="020B0604020202020204" pitchFamily="34" charset="0"/>
+              <a:buChar char="•"/>
+            </a:pPr>
+            <a:r>
+              <a:rPr lang="en-US" altLang="en-US" sz="2200" dirty="0">
+                <a:solidFill>
+                  <a:schemeClr val="tx1"/>
+                </a:solidFill>
+                <a:sym typeface="+mn-ea"/>
+              </a:rPr>
+              <a:t>32GB pen drive</a:t>
+            </a:r>
+            <a:endParaRPr lang="en-US" altLang="en-US" sz="2200" dirty="0">
+              <a:solidFill>
+                <a:schemeClr val="tx1"/>
+              </a:solidFill>
+              <a:sym typeface="+mn-ea"/>
+            </a:endParaRPr>
+          </a:p>
+          <a:p>
+            <a:pPr marL="285750" indent="-285750" algn="l">
+              <a:buFont typeface="Arial" panose="020B0604020202020204" pitchFamily="34" charset="0"/>
+              <a:buChar char="•"/>
+            </a:pPr>
+            <a:endParaRPr lang="en-US" altLang="en-US" sz="2200" dirty="0">
+              <a:solidFill>
+                <a:schemeClr val="tx1"/>
+              </a:solidFill>
+              <a:sym typeface="+mn-ea"/>
+            </a:endParaRPr>
+          </a:p>
+          <a:p>
+            <a:pPr marL="285750" indent="-285750" algn="l">
+              <a:buFont typeface="Arial" panose="020B0604020202020204" pitchFamily="34" charset="0"/>
+              <a:buChar char="•"/>
+            </a:pPr>
+            <a:r>
+              <a:rPr lang="en-US" altLang="en-US" sz="2200" dirty="0">
+                <a:solidFill>
+                  <a:schemeClr val="tx1"/>
+                </a:solidFill>
+                <a:sym typeface="+mn-ea"/>
+              </a:rPr>
+              <a:t>Total Price: 1900 EGP</a:t>
+            </a:r>
+            <a:endParaRPr lang="en-US" altLang="en-US" sz="2200" dirty="0">
+              <a:solidFill>
+                <a:schemeClr val="tx1"/>
               </a:solidFill>
               <a:sym typeface="+mn-ea"/>
             </a:endParaRPr>
           </a:p>
           <a:p>
             <a:pPr algn="l"/>
-            <a:endParaRPr lang="en-US" altLang="en-US" dirty="0">
-              <a:solidFill>
-                <a:schemeClr val="bg1"/>
+            <a:endParaRPr lang="en-US" altLang="en-US" sz="2200" dirty="0">
+              <a:solidFill>
+                <a:schemeClr val="tx1"/>
               </a:solidFill>
               <a:sym typeface="+mn-ea"/>
             </a:endParaRPr>
@@ -6255,7 +6772,7 @@
         </p:nvSpPr>
         <p:spPr>
           <a:xfrm>
-            <a:off x="-635" y="1275080"/>
+            <a:off x="-635" y="774700"/>
             <a:ext cx="12190730" cy="774700"/>
           </a:xfrm>
           <a:prstGeom prst="rect">
@@ -6273,7 +6790,9 @@
             <a:r>
               <a:rPr lang="en-US" altLang="en-US" sz="4400" b="1" dirty="0" smtClean="0">
                 <a:solidFill>
-                  <a:srgbClr val="000000"/>
+                  <a:schemeClr val="accent1">
+                    <a:lumMod val="75000"/>
+                  </a:schemeClr>
                 </a:solidFill>
                 <a:latin typeface="Microsoft JhengHei" panose="020B0604030504040204" pitchFamily="34" charset="-120"/>
                 <a:ea typeface="Microsoft JhengHei" panose="020B0604030504040204" pitchFamily="34" charset="-120"/>
@@ -6283,7 +6802,9 @@
             </a:r>
             <a:endParaRPr lang="en-US" altLang="en-US" sz="4400" b="1" dirty="0" smtClean="0">
               <a:solidFill>
-                <a:schemeClr val="bg1"/>
+                <a:schemeClr val="accent1">
+                  <a:lumMod val="75000"/>
+                </a:schemeClr>
               </a:solidFill>
               <a:latin typeface="Microsoft JhengHei" panose="020B0604030504040204" pitchFamily="34" charset="-120"/>
               <a:ea typeface="Microsoft JhengHei" panose="020B0604030504040204" pitchFamily="34" charset="-120"/>
@@ -6294,7 +6815,9 @@
             <a:pPr algn="ctr"/>
             <a:endParaRPr lang="en-US" altLang="en-US" sz="4400" b="1" dirty="0" smtClean="0">
               <a:solidFill>
-                <a:schemeClr val="bg1"/>
+                <a:schemeClr val="accent1">
+                  <a:lumMod val="75000"/>
+                </a:schemeClr>
               </a:solidFill>
               <a:latin typeface="Microsoft JhengHei" panose="020B0604030504040204" pitchFamily="34" charset="-120"/>
               <a:ea typeface="Microsoft JhengHei" panose="020B0604030504040204" pitchFamily="34" charset="-120"/>
@@ -6346,8 +6869,8 @@
         </p:nvSpPr>
         <p:spPr>
           <a:xfrm>
-            <a:off x="5715" y="2657475"/>
-            <a:ext cx="12190095" cy="3723005"/>
+            <a:off x="5715" y="1549400"/>
+            <a:ext cx="12190095" cy="4260850"/>
           </a:xfrm>
           <a:prstGeom prst="rect">
             <a:avLst/>
@@ -6360,17 +6883,32 @@
           </a:bodyPr>
           <a:lstStyle/>
           <a:p>
-            <a:pPr algn="l"/>
+            <a:pPr marL="285750" indent="-285750" algn="l">
+              <a:buFont typeface="Arial" panose="020B0604020202020204" pitchFamily="34" charset="0"/>
+              <a:buChar char="•"/>
+            </a:pPr>
             <a:r>
-              <a:rPr lang="en-US" altLang="en-US" dirty="0">
+              <a:rPr lang="en-US" altLang="en-US" sz="2400" dirty="0">
                 <a:solidFill>
                   <a:srgbClr val="000000"/>
                 </a:solidFill>
                 <a:sym typeface="+mn-ea"/>
               </a:rPr>
-              <a:t>- Define the problem: eliminate socket dependency.</a:t>
+              <a:t>Define the problem: decrease  WebSockets dependency.</a:t>
             </a:r>
-            <a:endParaRPr lang="en-US" altLang="en-US" dirty="0">
+            <a:endParaRPr lang="en-US" altLang="en-US" sz="2400" dirty="0">
+              <a:solidFill>
+                <a:srgbClr val="000000"/>
+              </a:solidFill>
+              <a:sym typeface="+mn-ea"/>
+            </a:endParaRPr>
+          </a:p>
+          <a:p>
+            <a:pPr marL="285750" indent="-285750" algn="l">
+              <a:buFont typeface="Arial" panose="020B0604020202020204" pitchFamily="34" charset="0"/>
+              <a:buChar char="•"/>
+            </a:pPr>
+            <a:endParaRPr lang="en-US" altLang="en-US" sz="2400" dirty="0">
               <a:solidFill>
                 <a:schemeClr val="bg1"/>
               </a:solidFill>
@@ -6378,17 +6916,32 @@
             </a:endParaRPr>
           </a:p>
           <a:p>
-            <a:pPr algn="l"/>
+            <a:pPr marL="285750" indent="-285750" algn="l">
+              <a:buFont typeface="Arial" panose="020B0604020202020204" pitchFamily="34" charset="0"/>
+              <a:buChar char="•"/>
+            </a:pPr>
             <a:r>
-              <a:rPr lang="en-US" altLang="en-US" dirty="0">
+              <a:rPr lang="en-US" altLang="en-US" sz="2400" dirty="0">
                 <a:solidFill>
                   <a:srgbClr val="000000"/>
                 </a:solidFill>
                 <a:sym typeface="+mn-ea"/>
               </a:rPr>
-              <a:t>- Learn Python and FTP file handling.</a:t>
+              <a:t>Learn Python and FTP file handling.</a:t>
             </a:r>
-            <a:endParaRPr lang="en-US" altLang="en-US" dirty="0">
+            <a:endParaRPr lang="en-US" altLang="en-US" sz="2400" dirty="0">
+              <a:solidFill>
+                <a:srgbClr val="000000"/>
+              </a:solidFill>
+              <a:sym typeface="+mn-ea"/>
+            </a:endParaRPr>
+          </a:p>
+          <a:p>
+            <a:pPr marL="285750" indent="-285750" algn="l">
+              <a:buFont typeface="Arial" panose="020B0604020202020204" pitchFamily="34" charset="0"/>
+              <a:buChar char="•"/>
+            </a:pPr>
+            <a:endParaRPr lang="en-US" altLang="en-US" sz="2400" dirty="0">
               <a:solidFill>
                 <a:schemeClr val="bg1"/>
               </a:solidFill>
@@ -6396,17 +6949,32 @@
             </a:endParaRPr>
           </a:p>
           <a:p>
-            <a:pPr algn="l"/>
+            <a:pPr marL="285750" indent="-285750" algn="l">
+              <a:buFont typeface="Arial" panose="020B0604020202020204" pitchFamily="34" charset="0"/>
+              <a:buChar char="•"/>
+            </a:pPr>
             <a:r>
-              <a:rPr lang="en-US" altLang="en-US" dirty="0">
+              <a:rPr lang="en-US" altLang="en-US" sz="2400" dirty="0">
                 <a:solidFill>
                   <a:srgbClr val="000000"/>
                 </a:solidFill>
                 <a:sym typeface="+mn-ea"/>
               </a:rPr>
-              <a:t>- Write relay logic using FTP upload/download.</a:t>
+              <a:t>Write relay logic using FTP upload/download.</a:t>
             </a:r>
-            <a:endParaRPr lang="en-US" altLang="en-US" dirty="0">
+            <a:endParaRPr lang="en-US" altLang="en-US" sz="2400" dirty="0">
+              <a:solidFill>
+                <a:srgbClr val="000000"/>
+              </a:solidFill>
+              <a:sym typeface="+mn-ea"/>
+            </a:endParaRPr>
+          </a:p>
+          <a:p>
+            <a:pPr marL="285750" indent="-285750" algn="l">
+              <a:buFont typeface="Arial" panose="020B0604020202020204" pitchFamily="34" charset="0"/>
+              <a:buChar char="•"/>
+            </a:pPr>
+            <a:endParaRPr lang="en-US" altLang="en-US" sz="2400" dirty="0">
               <a:solidFill>
                 <a:schemeClr val="bg1"/>
               </a:solidFill>
@@ -6414,17 +6982,32 @@
             </a:endParaRPr>
           </a:p>
           <a:p>
-            <a:pPr algn="l"/>
+            <a:pPr marL="285750" indent="-285750" algn="l">
+              <a:buFont typeface="Arial" panose="020B0604020202020204" pitchFamily="34" charset="0"/>
+              <a:buChar char="•"/>
+            </a:pPr>
             <a:r>
-              <a:rPr lang="en-US" altLang="en-US" dirty="0">
+              <a:rPr lang="en-US" altLang="en-US" sz="2400" dirty="0">
                 <a:solidFill>
                   <a:srgbClr val="000000"/>
                 </a:solidFill>
                 <a:sym typeface="+mn-ea"/>
               </a:rPr>
-              <a:t>- Implement 24-layer mono-alphabetic encryption.</a:t>
+              <a:t>Implement 24-layer mono-alphabetic encryption.</a:t>
             </a:r>
-            <a:endParaRPr lang="en-US" altLang="en-US" dirty="0">
+            <a:endParaRPr lang="en-US" altLang="en-US" sz="2400" dirty="0">
+              <a:solidFill>
+                <a:srgbClr val="000000"/>
+              </a:solidFill>
+              <a:sym typeface="+mn-ea"/>
+            </a:endParaRPr>
+          </a:p>
+          <a:p>
+            <a:pPr marL="285750" indent="-285750" algn="l">
+              <a:buFont typeface="Arial" panose="020B0604020202020204" pitchFamily="34" charset="0"/>
+              <a:buChar char="•"/>
+            </a:pPr>
+            <a:endParaRPr lang="en-US" altLang="en-US" sz="2400" dirty="0">
               <a:solidFill>
                 <a:schemeClr val="bg1"/>
               </a:solidFill>
@@ -6432,17 +7015,32 @@
             </a:endParaRPr>
           </a:p>
           <a:p>
-            <a:pPr algn="l"/>
+            <a:pPr marL="285750" indent="-285750" algn="l">
+              <a:buFont typeface="Arial" panose="020B0604020202020204" pitchFamily="34" charset="0"/>
+              <a:buChar char="•"/>
+            </a:pPr>
             <a:r>
-              <a:rPr lang="en-US" altLang="en-US" dirty="0">
+              <a:rPr lang="en-US" altLang="en-US" sz="2400" dirty="0">
                 <a:solidFill>
                   <a:srgbClr val="000000"/>
                 </a:solidFill>
                 <a:sym typeface="+mn-ea"/>
               </a:rPr>
-              <a:t>- Host protocol on router and SFTPCloud.io.</a:t>
+              <a:t>Host protocol on router and SFTPCloud.io.</a:t>
             </a:r>
-            <a:endParaRPr lang="en-US" altLang="en-US" dirty="0">
+            <a:endParaRPr lang="en-US" altLang="en-US" sz="2400" dirty="0">
+              <a:solidFill>
+                <a:srgbClr val="000000"/>
+              </a:solidFill>
+              <a:sym typeface="+mn-ea"/>
+            </a:endParaRPr>
+          </a:p>
+          <a:p>
+            <a:pPr marL="285750" indent="-285750" algn="l">
+              <a:buFont typeface="Arial" panose="020B0604020202020204" pitchFamily="34" charset="0"/>
+              <a:buChar char="•"/>
+            </a:pPr>
+            <a:endParaRPr lang="en-US" altLang="en-US" sz="2400" dirty="0">
               <a:solidFill>
                 <a:schemeClr val="bg1"/>
               </a:solidFill>
@@ -6450,17 +7048,20 @@
             </a:endParaRPr>
           </a:p>
           <a:p>
-            <a:pPr algn="l"/>
+            <a:pPr marL="285750" indent="-285750" algn="l">
+              <a:buFont typeface="Arial" panose="020B0604020202020204" pitchFamily="34" charset="0"/>
+              <a:buChar char="•"/>
+            </a:pPr>
             <a:r>
-              <a:rPr lang="en-US" altLang="en-US" dirty="0">
+              <a:rPr lang="en-US" altLang="en-US" sz="2400" dirty="0">
                 <a:solidFill>
                   <a:srgbClr val="000000"/>
                 </a:solidFill>
                 <a:sym typeface="+mn-ea"/>
               </a:rPr>
-              <a:t>- Test message delivery and encryption integrity.</a:t>
+              <a:t>Test message delivery and encryption integrity.</a:t>
             </a:r>
-            <a:endParaRPr lang="en-US" altLang="en-US" dirty="0">
+            <a:endParaRPr lang="en-US" altLang="en-US" sz="2400" dirty="0">
               <a:solidFill>
                 <a:schemeClr val="bg1"/>
               </a:solidFill>
@@ -6469,7 +7070,7 @@
           </a:p>
           <a:p>
             <a:pPr algn="l"/>
-            <a:endParaRPr lang="en-US" altLang="en-US" dirty="0">
+            <a:endParaRPr lang="en-US" altLang="en-US" sz="2400" dirty="0">
               <a:solidFill>
                 <a:schemeClr val="bg1"/>
               </a:solidFill>
@@ -6537,14 +7138,18 @@
             <a:r>
               <a:rPr lang="en-US" altLang="en-US" sz="4400" b="1" dirty="0" smtClean="0">
                 <a:solidFill>
-                  <a:srgbClr val="000000"/>
+                  <a:schemeClr val="accent2">
+                    <a:lumMod val="75000"/>
+                  </a:schemeClr>
                 </a:solidFill>
               </a:rPr>
               <a:t>Visualizing how it works</a:t>
             </a:r>
             <a:endParaRPr lang="en-US" altLang="en-US" sz="4400" b="1" dirty="0" smtClean="0">
               <a:solidFill>
-                <a:schemeClr val="bg1"/>
+                <a:schemeClr val="accent2">
+                  <a:lumMod val="75000"/>
+                </a:schemeClr>
               </a:solidFill>
             </a:endParaRPr>
           </a:p>
@@ -6552,7 +7157,9 @@
             <a:pPr algn="ctr"/>
             <a:endParaRPr lang="en-US" altLang="en-US" sz="4400" b="1" dirty="0" smtClean="0">
               <a:solidFill>
-                <a:schemeClr val="bg1"/>
+                <a:schemeClr val="accent2">
+                  <a:lumMod val="75000"/>
+                </a:schemeClr>
               </a:solidFill>
             </a:endParaRPr>
           </a:p>
@@ -6600,8 +7207,8 @@
           <p:nvPr/>
         </p:nvGraphicFramePr>
         <p:xfrm>
-          <a:off x="1923415" y="1439545"/>
-          <a:ext cx="8128000" cy="5418455"/>
+          <a:off x="1854200" y="777240"/>
+          <a:ext cx="8346440" cy="5620385"/>
         </p:xfrm>
         <a:graphic>
           <a:graphicData uri="http://schemas.openxmlformats.org/drawingml/2006/diagram">
@@ -6618,18 +7225,13 @@
         <p:spPr>
           <a:xfrm>
             <a:off x="4826000" y="3308350"/>
-            <a:ext cx="2126615" cy="1248410"/>
+            <a:ext cx="2165985" cy="1248410"/>
           </a:xfrm>
           <a:prstGeom prst="leftBracket">
             <a:avLst>
               <a:gd name="adj" fmla="val 406"/>
             </a:avLst>
           </a:prstGeom>
-          <a:ln>
-            <a:solidFill>
-              <a:schemeClr val="accent1"/>
-            </a:solidFill>
-          </a:ln>
         </p:spPr>
         <p:style>
           <a:lnRef idx="3">
@@ -6708,7 +7310,7 @@
                   <a:srgbClr val="000000"/>
                 </a:solidFill>
               </a:rPr>
-              <a:t>Note: The FTP server acts as a relay node, secure, socket-free, and encrypted.</a:t>
+              <a:t>Note: The FTP server acts as a relay node, secure, WebSockets-free, and encrypted.</a:t>
             </a:r>
             <a:endParaRPr lang="en-US" altLang="en-US" sz="1200">
               <a:solidFill>
@@ -6759,7 +7361,7 @@
         </p:nvSpPr>
         <p:spPr>
           <a:xfrm>
-            <a:off x="-635" y="1275080"/>
+            <a:off x="-635" y="774700"/>
             <a:ext cx="12190730" cy="774700"/>
           </a:xfrm>
           <a:prstGeom prst="rect">
@@ -6777,7 +7379,9 @@
             <a:r>
               <a:rPr lang="en-US" altLang="en-US" sz="4400" b="1" dirty="0" smtClean="0">
                 <a:solidFill>
-                  <a:srgbClr val="000000"/>
+                  <a:schemeClr val="accent1">
+                    <a:lumMod val="75000"/>
+                  </a:schemeClr>
                 </a:solidFill>
                 <a:latin typeface="Microsoft JhengHei" panose="020B0604030504040204" pitchFamily="34" charset="-120"/>
                 <a:ea typeface="Microsoft JhengHei" panose="020B0604030504040204" pitchFamily="34" charset="-120"/>
@@ -6787,7 +7391,9 @@
             </a:r>
             <a:endParaRPr lang="en-US" altLang="en-US" sz="4400" b="1" dirty="0" smtClean="0">
               <a:solidFill>
-                <a:schemeClr val="bg1"/>
+                <a:schemeClr val="accent1">
+                  <a:lumMod val="75000"/>
+                </a:schemeClr>
               </a:solidFill>
               <a:latin typeface="Microsoft JhengHei" panose="020B0604030504040204" pitchFamily="34" charset="-120"/>
               <a:ea typeface="Microsoft JhengHei" panose="020B0604030504040204" pitchFamily="34" charset="-120"/>
@@ -6798,7 +7404,9 @@
             <a:pPr algn="ctr"/>
             <a:endParaRPr lang="en-US" altLang="en-US" sz="4400" b="1" dirty="0" smtClean="0">
               <a:solidFill>
-                <a:schemeClr val="bg1"/>
+                <a:schemeClr val="accent1">
+                  <a:lumMod val="75000"/>
+                </a:schemeClr>
               </a:solidFill>
               <a:latin typeface="Microsoft JhengHei" panose="020B0604030504040204" pitchFamily="34" charset="-120"/>
               <a:ea typeface="Microsoft JhengHei" panose="020B0604030504040204" pitchFamily="34" charset="-120"/>
@@ -6850,7 +7458,7 @@
         </p:nvSpPr>
         <p:spPr>
           <a:xfrm>
-            <a:off x="5715" y="2657475"/>
+            <a:off x="-635" y="1549400"/>
             <a:ext cx="12190095" cy="3723005"/>
           </a:xfrm>
           <a:prstGeom prst="rect">
@@ -6864,118 +7472,289 @@
           </a:bodyPr>
           <a:lstStyle/>
           <a:p>
-            <a:pPr algn="l"/>
+            <a:pPr marL="285750" indent="-285750" algn="l">
+              <a:buFont typeface="Arial" panose="020B0604020202020204" pitchFamily="34" charset="0"/>
+              <a:buChar char="•"/>
+            </a:pPr>
             <a:r>
-              <a:rPr lang="en-US" altLang="en-US" dirty="0">
+              <a:rPr lang="en-US" altLang="en-US" sz="2200" dirty="0">
                 <a:solidFill>
-                  <a:srgbClr val="000000"/>
+                  <a:schemeClr val="tx1">
+                    <a:lumMod val="95000"/>
+                    <a:lumOff val="5000"/>
+                  </a:schemeClr>
                 </a:solidFill>
                 <a:sym typeface="+mn-ea"/>
               </a:rPr>
-              <a:t>- FTPChat successfully relayed encrypted messages without using sockets.</a:t>
+              <a:t>FTPChat successfully relayed encrypted messages without using WebSockets.</a:t>
             </a:r>
-            <a:endParaRPr lang="en-US" altLang="en-US" dirty="0">
-              <a:solidFill>
-                <a:schemeClr val="bg1"/>
-              </a:solidFill>
-              <a:sym typeface="+mn-ea"/>
-            </a:endParaRPr>
-          </a:p>
-          <a:p>
-            <a:pPr algn="l"/>
+            <a:endParaRPr lang="en-US" altLang="en-US" sz="2200" dirty="0">
+              <a:solidFill>
+                <a:schemeClr val="tx1">
+                  <a:lumMod val="95000"/>
+                  <a:lumOff val="5000"/>
+                </a:schemeClr>
+              </a:solidFill>
+              <a:sym typeface="+mn-ea"/>
+            </a:endParaRPr>
+          </a:p>
+          <a:p>
+            <a:pPr marL="285750" indent="-285750" algn="l">
+              <a:buFont typeface="Arial" panose="020B0604020202020204" pitchFamily="34" charset="0"/>
+              <a:buChar char="•"/>
+            </a:pPr>
+            <a:endParaRPr lang="en-US" altLang="en-US" sz="2200" dirty="0">
+              <a:solidFill>
+                <a:schemeClr val="tx1">
+                  <a:lumMod val="95000"/>
+                  <a:lumOff val="5000"/>
+                </a:schemeClr>
+              </a:solidFill>
+              <a:sym typeface="+mn-ea"/>
+            </a:endParaRPr>
+          </a:p>
+          <a:p>
+            <a:pPr marL="285750" indent="-285750" algn="l">
+              <a:buFont typeface="Arial" panose="020B0604020202020204" pitchFamily="34" charset="0"/>
+              <a:buChar char="•"/>
+            </a:pPr>
             <a:r>
-              <a:rPr lang="en-US" altLang="en-US" dirty="0">
+              <a:rPr lang="en-US" altLang="en-US" sz="2200" dirty="0">
                 <a:solidFill>
-                  <a:srgbClr val="000000"/>
+                  <a:schemeClr val="tx1">
+                    <a:lumMod val="95000"/>
+                    <a:lumOff val="5000"/>
+                  </a:schemeClr>
                 </a:solidFill>
                 <a:sym typeface="+mn-ea"/>
               </a:rPr>
-              <a:t>- Relay speed remained consistent across both local routers and cloud-hosted FTP servers.</a:t>
+              <a:t>Relay speed remained consistent across both local routers and cloud-hosted FTP servers.</a:t>
             </a:r>
-            <a:endParaRPr lang="en-US" altLang="en-US" dirty="0">
-              <a:solidFill>
-                <a:schemeClr val="bg1"/>
-              </a:solidFill>
-              <a:sym typeface="+mn-ea"/>
-            </a:endParaRPr>
-          </a:p>
-          <a:p>
-            <a:pPr algn="l"/>
+            <a:endParaRPr lang="en-US" altLang="en-US" sz="2200" dirty="0">
+              <a:solidFill>
+                <a:schemeClr val="tx1">
+                  <a:lumMod val="95000"/>
+                  <a:lumOff val="5000"/>
+                </a:schemeClr>
+              </a:solidFill>
+              <a:sym typeface="+mn-ea"/>
+            </a:endParaRPr>
+          </a:p>
+          <a:p>
+            <a:pPr marL="285750" indent="-285750" algn="l">
+              <a:buFont typeface="Arial" panose="020B0604020202020204" pitchFamily="34" charset="0"/>
+              <a:buChar char="•"/>
+            </a:pPr>
+            <a:endParaRPr lang="en-US" altLang="en-US" sz="2200" dirty="0">
+              <a:solidFill>
+                <a:schemeClr val="tx1">
+                  <a:lumMod val="95000"/>
+                  <a:lumOff val="5000"/>
+                </a:schemeClr>
+              </a:solidFill>
+              <a:sym typeface="+mn-ea"/>
+            </a:endParaRPr>
+          </a:p>
+          <a:p>
+            <a:pPr marL="285750" indent="-285750" algn="l">
+              <a:buFont typeface="Arial" panose="020B0604020202020204" pitchFamily="34" charset="0"/>
+              <a:buChar char="•"/>
+            </a:pPr>
             <a:r>
-              <a:rPr lang="en-US" altLang="en-US" dirty="0">
+              <a:rPr lang="en-US" altLang="en-US" sz="2200" dirty="0">
                 <a:solidFill>
-                  <a:srgbClr val="000000"/>
+                  <a:schemeClr val="tx1">
+                    <a:lumMod val="95000"/>
+                    <a:lumOff val="5000"/>
+                  </a:schemeClr>
                 </a:solidFill>
                 <a:sym typeface="+mn-ea"/>
               </a:rPr>
-              <a:t>- The 24-layer encryption added security without increasing file size or causing latency.</a:t>
+              <a:t>The 24-layer encryption added security without increasing file size or causing latency.</a:t>
             </a:r>
-            <a:endParaRPr lang="en-US" altLang="en-US" dirty="0">
-              <a:solidFill>
-                <a:schemeClr val="bg1"/>
-              </a:solidFill>
-              <a:sym typeface="+mn-ea"/>
-            </a:endParaRPr>
-          </a:p>
-          <a:p>
-            <a:pPr algn="l"/>
+            <a:endParaRPr lang="en-US" altLang="en-US" sz="2200" dirty="0">
+              <a:solidFill>
+                <a:schemeClr val="tx1">
+                  <a:lumMod val="95000"/>
+                  <a:lumOff val="5000"/>
+                </a:schemeClr>
+              </a:solidFill>
+              <a:sym typeface="+mn-ea"/>
+            </a:endParaRPr>
+          </a:p>
+          <a:p>
+            <a:pPr marL="285750" indent="-285750" algn="l">
+              <a:buFont typeface="Arial" panose="020B0604020202020204" pitchFamily="34" charset="0"/>
+              <a:buChar char="•"/>
+            </a:pPr>
+            <a:endParaRPr lang="en-US" altLang="en-US" sz="2200" dirty="0">
+              <a:solidFill>
+                <a:schemeClr val="tx1">
+                  <a:lumMod val="95000"/>
+                  <a:lumOff val="5000"/>
+                </a:schemeClr>
+              </a:solidFill>
+              <a:sym typeface="+mn-ea"/>
+            </a:endParaRPr>
+          </a:p>
+          <a:p>
+            <a:pPr marL="285750" indent="-285750" algn="l">
+              <a:buFont typeface="Arial" panose="020B0604020202020204" pitchFamily="34" charset="0"/>
+              <a:buChar char="•"/>
+            </a:pPr>
             <a:r>
-              <a:rPr lang="en-US" altLang="en-US" dirty="0">
+              <a:rPr lang="en-US" altLang="en-US" sz="2200" dirty="0">
                 <a:solidFill>
-                  <a:srgbClr val="000000"/>
+                  <a:schemeClr val="tx1">
+                    <a:lumMod val="95000"/>
+                    <a:lumOff val="5000"/>
+                  </a:schemeClr>
                 </a:solidFill>
                 <a:sym typeface="+mn-ea"/>
               </a:rPr>
-              <a:t>- No tunneling tools (e.g., Ngrok, SSH) were required—FTP alone handled the relay.</a:t>
+              <a:t>Routers like the ZTE ZXHN H188A can hold 50-100 users (According to </a:t>
             </a:r>
-            <a:endParaRPr lang="en-US" altLang="en-US" dirty="0">
-              <a:solidFill>
-                <a:schemeClr val="bg1"/>
-              </a:solidFill>
-              <a:sym typeface="+mn-ea"/>
-            </a:endParaRPr>
-          </a:p>
-          <a:p>
-            <a:pPr algn="l"/>
             <a:r>
-              <a:rPr lang="en-US" altLang="en-US" dirty="0">
+              <a:rPr lang="en-US" altLang="ar-EG" sz="2200" dirty="0">
                 <a:solidFill>
-                  <a:srgbClr val="000000"/>
+                  <a:schemeClr val="tx1">
+                    <a:lumMod val="95000"/>
+                    <a:lumOff val="5000"/>
+                  </a:schemeClr>
                 </a:solidFill>
                 <a:sym typeface="+mn-ea"/>
               </a:rPr>
-              <a:t>- AI-based inspection tools were unable to decrypt the messages, confirming encryption strength.</a:t>
+              <a:t>the </a:t>
             </a:r>
-            <a:endParaRPr lang="en-US" altLang="en-US" dirty="0">
-              <a:solidFill>
-                <a:schemeClr val="bg1"/>
+            <a:r>
+              <a:rPr lang="en-US" altLang="en-US" sz="2200" dirty="0">
+                <a:solidFill>
+                  <a:schemeClr val="tx1">
+                    <a:lumMod val="95000"/>
+                    <a:lumOff val="5000"/>
+                  </a:schemeClr>
+                </a:solidFill>
+                <a:sym typeface="+mn-ea"/>
+              </a:rPr>
+              <a:t>calculations).</a:t>
+            </a:r>
+            <a:endParaRPr lang="en-US" altLang="en-US" sz="2200" dirty="0">
+              <a:solidFill>
+                <a:schemeClr val="tx1">
+                  <a:lumMod val="95000"/>
+                  <a:lumOff val="5000"/>
+                </a:schemeClr>
+              </a:solidFill>
+              <a:sym typeface="+mn-ea"/>
+            </a:endParaRPr>
+          </a:p>
+          <a:p>
+            <a:pPr marL="285750" indent="-285750" algn="l">
+              <a:buFont typeface="Arial" panose="020B0604020202020204" pitchFamily="34" charset="0"/>
+              <a:buChar char="•"/>
+            </a:pPr>
+            <a:endParaRPr lang="en-US" altLang="en-US" sz="2200" dirty="0">
+              <a:solidFill>
+                <a:schemeClr val="tx1">
+                  <a:lumMod val="95000"/>
+                  <a:lumOff val="5000"/>
+                </a:schemeClr>
+              </a:solidFill>
+              <a:sym typeface="+mn-ea"/>
+            </a:endParaRPr>
+          </a:p>
+          <a:p>
+            <a:pPr marL="285750" indent="-285750" algn="l">
+              <a:buFont typeface="Arial" panose="020B0604020202020204" pitchFamily="34" charset="0"/>
+              <a:buChar char="•"/>
+            </a:pPr>
+            <a:r>
+              <a:rPr lang="en-US" altLang="en-US" sz="2200" dirty="0">
+                <a:solidFill>
+                  <a:schemeClr val="tx1">
+                    <a:lumMod val="95000"/>
+                    <a:lumOff val="5000"/>
+                  </a:schemeClr>
+                </a:solidFill>
+                <a:sym typeface="+mn-ea"/>
+              </a:rPr>
+              <a:t>AI-based inspection tools were unable to decrypt the messages, confirming encryption strength.</a:t>
+            </a:r>
+            <a:endParaRPr lang="en-US" altLang="en-US" sz="2200" dirty="0">
+              <a:solidFill>
+                <a:schemeClr val="tx1">
+                  <a:lumMod val="95000"/>
+                  <a:lumOff val="5000"/>
+                </a:schemeClr>
+              </a:solidFill>
+              <a:sym typeface="+mn-ea"/>
+            </a:endParaRPr>
+          </a:p>
+          <a:p>
+            <a:pPr marL="285750" indent="-285750" algn="l">
+              <a:buFont typeface="Arial" panose="020B0604020202020204" pitchFamily="34" charset="0"/>
+              <a:buChar char="•"/>
+            </a:pPr>
+            <a:endParaRPr lang="en-US" altLang="en-US" sz="2200" dirty="0">
+              <a:solidFill>
+                <a:schemeClr val="tx1">
+                  <a:lumMod val="95000"/>
+                  <a:lumOff val="5000"/>
+                </a:schemeClr>
+              </a:solidFill>
+              <a:sym typeface="+mn-ea"/>
+            </a:endParaRPr>
+          </a:p>
+          <a:p>
+            <a:pPr marL="285750" indent="-285750" algn="l">
+              <a:buFont typeface="Arial" panose="020B0604020202020204" pitchFamily="34" charset="0"/>
+              <a:buChar char="•"/>
+            </a:pPr>
+            <a:r>
+              <a:rPr lang="en-US" altLang="en-US" sz="2200" dirty="0">
+                <a:solidFill>
+                  <a:schemeClr val="tx1">
+                    <a:lumMod val="95000"/>
+                    <a:lumOff val="5000"/>
+                  </a:schemeClr>
+                </a:solidFill>
+                <a:sym typeface="+mn-ea"/>
+              </a:rPr>
+              <a:t>FTPChat is eco-friendly, since it runs on low-power devices such as routers.</a:t>
+            </a:r>
+            <a:endParaRPr lang="en-US" altLang="en-US" sz="2200" dirty="0">
+              <a:solidFill>
+                <a:schemeClr val="tx1">
+                  <a:lumMod val="95000"/>
+                  <a:lumOff val="5000"/>
+                </a:schemeClr>
+              </a:solidFill>
+              <a:sym typeface="+mn-ea"/>
+            </a:endParaRPr>
+          </a:p>
+          <a:p>
+            <a:pPr marL="285750" indent="-285750" algn="l">
+              <a:buFont typeface="Arial" panose="020B0604020202020204" pitchFamily="34" charset="0"/>
+              <a:buChar char="•"/>
+            </a:pPr>
+            <a:endParaRPr lang="en-US" altLang="en-US" sz="2200" dirty="0">
+              <a:solidFill>
+                <a:schemeClr val="tx1">
+                  <a:lumMod val="95000"/>
+                  <a:lumOff val="5000"/>
+                </a:schemeClr>
               </a:solidFill>
               <a:sym typeface="+mn-ea"/>
             </a:endParaRPr>
           </a:p>
           <a:p>
             <a:pPr algn="l"/>
-            <a:endParaRPr lang="en-US" altLang="en-US" dirty="0">
-              <a:solidFill>
-                <a:schemeClr val="bg1"/>
-              </a:solidFill>
-              <a:sym typeface="+mn-ea"/>
-            </a:endParaRPr>
-          </a:p>
-          <a:p>
-            <a:pPr algn="l"/>
-            <a:endParaRPr lang="en-US" altLang="en-US" dirty="0">
-              <a:solidFill>
-                <a:schemeClr val="bg1"/>
-              </a:solidFill>
-              <a:sym typeface="+mn-ea"/>
-            </a:endParaRPr>
-          </a:p>
-          <a:p>
-            <a:pPr algn="l"/>
-            <a:endParaRPr lang="en-US" altLang="en-US" dirty="0">
-              <a:solidFill>
-                <a:schemeClr val="bg1"/>
+            <a:endParaRPr lang="en-US" altLang="en-US" sz="2200" dirty="0">
+              <a:solidFill>
+                <a:schemeClr val="tx1">
+                  <a:lumMod val="95000"/>
+                  <a:lumOff val="5000"/>
+                </a:schemeClr>
               </a:solidFill>
               <a:sym typeface="+mn-ea"/>
             </a:endParaRPr>
@@ -7023,7 +7802,7 @@
         </p:nvSpPr>
         <p:spPr>
           <a:xfrm>
-            <a:off x="5715" y="618490"/>
+            <a:off x="5715" y="774700"/>
             <a:ext cx="12190730" cy="774700"/>
           </a:xfrm>
           <a:prstGeom prst="rect">
@@ -7041,7 +7820,9 @@
             <a:r>
               <a:rPr lang="en-US" altLang="en-US" sz="4400" b="1" dirty="0" smtClean="0">
                 <a:solidFill>
-                  <a:srgbClr val="000000"/>
+                  <a:schemeClr val="accent1">
+                    <a:lumMod val="75000"/>
+                  </a:schemeClr>
                 </a:solidFill>
                 <a:latin typeface="Microsoft JhengHei" panose="020B0604030504040204" pitchFamily="34" charset="-120"/>
                 <a:ea typeface="Microsoft JhengHei" panose="020B0604030504040204" pitchFamily="34" charset="-120"/>
@@ -7051,7 +7832,9 @@
             </a:r>
             <a:endParaRPr lang="en-US" altLang="en-US" sz="4400" b="1" dirty="0" smtClean="0">
               <a:solidFill>
-                <a:schemeClr val="bg1"/>
+                <a:schemeClr val="accent1">
+                  <a:lumMod val="75000"/>
+                </a:schemeClr>
               </a:solidFill>
               <a:latin typeface="Microsoft JhengHei" panose="020B0604030504040204" pitchFamily="34" charset="-120"/>
               <a:ea typeface="Microsoft JhengHei" panose="020B0604030504040204" pitchFamily="34" charset="-120"/>
@@ -7103,7 +7886,7 @@
         </p:nvSpPr>
         <p:spPr>
           <a:xfrm>
-            <a:off x="5715" y="1900555"/>
+            <a:off x="6350" y="1549400"/>
             <a:ext cx="12190095" cy="3723005"/>
           </a:xfrm>
           <a:prstGeom prst="rect">
@@ -7119,7 +7902,7 @@
           <a:p>
             <a:pPr algn="l"/>
             <a:r>
-              <a:rPr lang="en-US" altLang="en-US" dirty="0">
+              <a:rPr lang="en-US" altLang="en-US" sz="2400" dirty="0">
                 <a:solidFill>
                   <a:schemeClr val="tx1"/>
                 </a:solidFill>
@@ -7127,7 +7910,7 @@
               </a:rPr>
               <a:t>• Secure chat in schools and labs</a:t>
             </a:r>
-            <a:endParaRPr lang="en-US" altLang="en-US" dirty="0">
+            <a:endParaRPr lang="en-US" altLang="en-US" sz="2400" dirty="0">
               <a:solidFill>
                 <a:schemeClr val="tx1"/>
               </a:solidFill>
@@ -7137,15 +7920,15 @@
           <a:p>
             <a:pPr algn="l"/>
             <a:r>
-              <a:rPr lang="en-US" altLang="en-US" dirty="0">
+              <a:rPr lang="en-US" altLang="en-US" sz="2400" dirty="0">
                 <a:solidFill>
                   <a:schemeClr val="tx1"/>
                 </a:solidFill>
                 <a:sym typeface="+mn-ea"/>
               </a:rPr>
-              <a:t>Easy setup for private messaging without sockets.</a:t>
+              <a:t>Easy setup for private messaging without WebSockets.</a:t>
             </a:r>
-            <a:endParaRPr lang="en-US" altLang="en-US" dirty="0">
+            <a:endParaRPr lang="en-US" altLang="en-US" sz="2400" dirty="0">
               <a:solidFill>
                 <a:schemeClr val="tx1"/>
               </a:solidFill>
@@ -7154,7 +7937,7 @@
           </a:p>
           <a:p>
             <a:pPr algn="l"/>
-            <a:endParaRPr lang="en-US" altLang="en-US" dirty="0">
+            <a:endParaRPr lang="en-US" altLang="en-US" sz="2400" dirty="0">
               <a:solidFill>
                 <a:schemeClr val="tx1"/>
               </a:solidFill>
@@ -7164,7 +7947,7 @@
           <a:p>
             <a:pPr algn="l"/>
             <a:r>
-              <a:rPr lang="en-US" altLang="en-US" dirty="0">
+              <a:rPr lang="en-US" altLang="en-US" sz="2400" dirty="0">
                 <a:solidFill>
                   <a:schemeClr val="tx1"/>
                 </a:solidFill>
@@ -7172,7 +7955,7 @@
               </a:rPr>
               <a:t>• Works on old devices</a:t>
             </a:r>
-            <a:endParaRPr lang="en-US" altLang="en-US" dirty="0">
+            <a:endParaRPr lang="en-US" altLang="en-US" sz="2400" dirty="0">
               <a:solidFill>
                 <a:schemeClr val="tx1"/>
               </a:solidFill>
@@ -7182,7 +7965,7 @@
           <a:p>
             <a:pPr algn="l"/>
             <a:r>
-              <a:rPr lang="en-US" altLang="en-US" dirty="0">
+              <a:rPr lang="en-US" altLang="en-US" sz="2400" dirty="0">
                 <a:solidFill>
                   <a:schemeClr val="tx1"/>
                 </a:solidFill>
@@ -7190,7 +7973,7 @@
               </a:rPr>
               <a:t>Runs on routers, old PCs, and low-power systems.</a:t>
             </a:r>
-            <a:endParaRPr lang="en-US" altLang="en-US" dirty="0">
+            <a:endParaRPr lang="en-US" altLang="en-US" sz="2400" dirty="0">
               <a:solidFill>
                 <a:schemeClr val="tx1"/>
               </a:solidFill>
@@ -7199,7 +7982,7 @@
           </a:p>
           <a:p>
             <a:pPr algn="l"/>
-            <a:endParaRPr lang="en-US" altLang="en-US" dirty="0">
+            <a:endParaRPr lang="en-US" altLang="en-US" sz="2400" dirty="0">
               <a:solidFill>
                 <a:schemeClr val="tx1"/>
               </a:solidFill>
@@ -7209,52 +7992,7 @@
           <a:p>
             <a:pPr algn="l"/>
             <a:r>
-              <a:rPr lang="en-US" altLang="en-US" dirty="0">
-                <a:solidFill>
-                  <a:schemeClr val="tx1"/>
-                </a:solidFill>
-                <a:sym typeface="+mn-ea"/>
-              </a:rPr>
-              <a:t>• Great for teaching</a:t>
-            </a:r>
-            <a:endParaRPr lang="en-US" altLang="en-US" dirty="0">
-              <a:solidFill>
-                <a:schemeClr val="tx1"/>
-              </a:solidFill>
-              <a:sym typeface="+mn-ea"/>
-            </a:endParaRPr>
-          </a:p>
-          <a:p>
-            <a:pPr algn="l"/>
-            <a:r>
-              <a:rPr lang="en-US" altLang="en-US" dirty="0">
-                <a:solidFill>
-                  <a:schemeClr val="tx1"/>
-                </a:solidFill>
-                <a:sym typeface="+mn-ea"/>
-              </a:rPr>
-              <a:t>Shows how encryption and protocols work in a simple way.</a:t>
-            </a:r>
-            <a:endParaRPr lang="en-US" altLang="en-US" dirty="0">
-              <a:solidFill>
-                <a:schemeClr val="tx1"/>
-              </a:solidFill>
-              <a:sym typeface="+mn-ea"/>
-            </a:endParaRPr>
-          </a:p>
-          <a:p>
-            <a:pPr algn="l"/>
-            <a:endParaRPr lang="en-US" altLang="en-US" dirty="0">
-              <a:solidFill>
-                <a:schemeClr val="tx1"/>
-              </a:solidFill>
-              <a:sym typeface="+mn-ea"/>
-            </a:endParaRPr>
-          </a:p>
-          <a:p>
-            <a:pPr algn="l"/>
-            <a:r>
-              <a:rPr lang="en-US" altLang="en-US" dirty="0">
+              <a:rPr lang="en-US" altLang="en-US" sz="2400" dirty="0">
                 <a:solidFill>
                   <a:schemeClr val="tx1"/>
                 </a:solidFill>
@@ -7262,7 +8000,7 @@
               </a:rPr>
               <a:t>• Company communication</a:t>
             </a:r>
-            <a:endParaRPr lang="en-US" altLang="en-US" dirty="0">
+            <a:endParaRPr lang="en-US" altLang="en-US" sz="2400" dirty="0">
               <a:solidFill>
                 <a:schemeClr val="tx1"/>
               </a:solidFill>
@@ -7272,7 +8010,7 @@
           <a:p>
             <a:pPr algn="l"/>
             <a:r>
-              <a:rPr lang="en-US" altLang="en-US" dirty="0">
+              <a:rPr lang="en-US" altLang="en-US" sz="2400" dirty="0">
                 <a:solidFill>
                   <a:schemeClr val="tx1"/>
                 </a:solidFill>
@@ -7280,7 +8018,16 @@
               </a:rPr>
               <a:t>Safe internal messaging between employees using FTP.</a:t>
             </a:r>
-            <a:endParaRPr lang="en-US" altLang="en-US" dirty="0">
+            <a:endParaRPr lang="en-US" altLang="en-US" sz="2400" dirty="0">
+              <a:solidFill>
+                <a:schemeClr val="tx1"/>
+              </a:solidFill>
+              <a:sym typeface="+mn-ea"/>
+            </a:endParaRPr>
+          </a:p>
+          <a:p>
+            <a:pPr algn="l"/>
+            <a:endParaRPr lang="en-US" altLang="en-US" sz="2400" dirty="0">
               <a:solidFill>
                 <a:schemeClr val="tx1"/>
               </a:solidFill>
@@ -7290,7 +8037,7 @@
           <a:p>
             <a:pPr algn="l"/>
             <a:r>
-              <a:rPr lang="en-US" altLang="en-US" dirty="0">
+              <a:rPr lang="en-US" altLang="en-US" sz="2400" dirty="0">
                 <a:solidFill>
                   <a:schemeClr val="tx1"/>
                 </a:solidFill>
@@ -7298,7 +8045,7 @@
               </a:rPr>
               <a:t>• Global and local use</a:t>
             </a:r>
-            <a:endParaRPr lang="en-US" altLang="en-US" dirty="0">
+            <a:endParaRPr lang="en-US" altLang="en-US" sz="2400" dirty="0">
               <a:solidFill>
                 <a:schemeClr val="tx1"/>
               </a:solidFill>
@@ -7308,7 +8055,7 @@
           <a:p>
             <a:pPr algn="l"/>
             <a:r>
-              <a:rPr lang="en-US" altLang="en-US" dirty="0">
+              <a:rPr lang="en-US" altLang="en-US" sz="2400" dirty="0">
                 <a:solidFill>
                   <a:schemeClr val="tx1"/>
                 </a:solidFill>
@@ -7316,7 +8063,7 @@
               </a:rPr>
               <a:t>Works with cloud servers or home routers, no special tools needed.</a:t>
             </a:r>
-            <a:endParaRPr lang="en-US" altLang="en-US" dirty="0">
+            <a:endParaRPr lang="en-US" altLang="en-US" sz="2400" dirty="0">
               <a:solidFill>
                 <a:schemeClr val="tx1"/>
               </a:solidFill>
@@ -7325,7 +8072,7 @@
           </a:p>
           <a:p>
             <a:pPr algn="l"/>
-            <a:endParaRPr lang="en-US" altLang="en-US" dirty="0">
+            <a:endParaRPr lang="en-US" altLang="en-US" sz="2400" dirty="0">
               <a:solidFill>
                 <a:schemeClr val="tx1"/>
               </a:solidFill>
@@ -7334,34 +8081,7 @@
           </a:p>
           <a:p>
             <a:pPr algn="l"/>
-            <a:r>
-              <a:rPr lang="en-US" altLang="en-US" dirty="0">
-                <a:solidFill>
-                  <a:schemeClr val="tx1"/>
-                </a:solidFill>
-                <a:sym typeface="+mn-ea"/>
-              </a:rPr>
-              <a:t>• Cybersecurity awareness</a:t>
-            </a:r>
-            <a:endParaRPr lang="en-US" altLang="en-US" dirty="0">
-              <a:solidFill>
-                <a:schemeClr val="tx1"/>
-              </a:solidFill>
-              <a:sym typeface="+mn-ea"/>
-            </a:endParaRPr>
-          </a:p>
-          <a:p>
-            <a:pPr algn="l"/>
-            <a:r>
-              <a:rPr lang="en-US" altLang="en-US" dirty="0">
-                <a:solidFill>
-                  <a:schemeClr val="tx1"/>
-                </a:solidFill>
-                <a:sym typeface="+mn-ea"/>
-              </a:rPr>
-              <a:t>Proves old tech can be reused for modern secure communication.</a:t>
-            </a:r>
-            <a:endParaRPr lang="en-US" altLang="en-US" dirty="0">
+            <a:endParaRPr lang="en-US" altLang="en-US" sz="2400" dirty="0">
               <a:solidFill>
                 <a:schemeClr val="tx1"/>
               </a:solidFill>

--- a/Documentation/ISEF/Poster.pptx
+++ b/Documentation/ISEF/Poster.pptx
@@ -5,24 +5,25 @@
     <p:sldMasterId id="2147483648" r:id="rId1"/>
   </p:sldMasterIdLst>
   <p:notesMasterIdLst>
-    <p:notesMasterId r:id="rId15"/>
+    <p:notesMasterId r:id="rId16"/>
   </p:notesMasterIdLst>
   <p:handoutMasterIdLst>
-    <p:handoutMasterId r:id="rId16"/>
+    <p:handoutMasterId r:id="rId17"/>
   </p:handoutMasterIdLst>
   <p:sldIdLst>
     <p:sldId id="256" r:id="rId3"/>
     <p:sldId id="265" r:id="rId4"/>
-    <p:sldId id="266" r:id="rId5"/>
-    <p:sldId id="274" r:id="rId6"/>
-    <p:sldId id="275" r:id="rId7"/>
-    <p:sldId id="276" r:id="rId8"/>
-    <p:sldId id="273" r:id="rId9"/>
-    <p:sldId id="277" r:id="rId10"/>
-    <p:sldId id="279" r:id="rId11"/>
-    <p:sldId id="280" r:id="rId12"/>
-    <p:sldId id="281" r:id="rId13"/>
-    <p:sldId id="282" r:id="rId14"/>
+    <p:sldId id="284" r:id="rId5"/>
+    <p:sldId id="266" r:id="rId6"/>
+    <p:sldId id="274" r:id="rId7"/>
+    <p:sldId id="275" r:id="rId8"/>
+    <p:sldId id="276" r:id="rId9"/>
+    <p:sldId id="273" r:id="rId10"/>
+    <p:sldId id="277" r:id="rId11"/>
+    <p:sldId id="279" r:id="rId12"/>
+    <p:sldId id="280" r:id="rId13"/>
+    <p:sldId id="281" r:id="rId14"/>
+    <p:sldId id="282" r:id="rId15"/>
   </p:sldIdLst>
   <p:sldSz cx="12192000" cy="6858000"/>
   <p:notesSz cx="6858000" cy="9144000"/>
@@ -4956,6 +4957,335 @@
         </p:nvSpPr>
         <p:spPr>
           <a:xfrm>
+            <a:off x="5715" y="774700"/>
+            <a:ext cx="12190730" cy="774700"/>
+          </a:xfrm>
+          <a:prstGeom prst="rect">
+            <a:avLst/>
+          </a:prstGeom>
+          <a:noFill/>
+        </p:spPr>
+        <p:txBody>
+          <a:bodyPr wrap="square" rtlCol="0">
+            <a:noAutofit/>
+          </a:bodyPr>
+          <a:lstStyle/>
+          <a:p>
+            <a:pPr algn="ctr"/>
+            <a:r>
+              <a:rPr lang="en-US" altLang="en-US" sz="4400" b="1" dirty="0" smtClean="0">
+                <a:solidFill>
+                  <a:schemeClr val="accent1">
+                    <a:lumMod val="75000"/>
+                  </a:schemeClr>
+                </a:solidFill>
+                <a:latin typeface="Microsoft JhengHei" panose="020B0604030504040204" pitchFamily="34" charset="-120"/>
+                <a:ea typeface="Microsoft JhengHei" panose="020B0604030504040204" pitchFamily="34" charset="-120"/>
+                <a:sym typeface="+mn-ea"/>
+              </a:rPr>
+              <a:t>Applications</a:t>
+            </a:r>
+            <a:endParaRPr lang="en-US" altLang="en-US" sz="4400" b="1" dirty="0" smtClean="0">
+              <a:solidFill>
+                <a:schemeClr val="accent1">
+                  <a:lumMod val="75000"/>
+                </a:schemeClr>
+              </a:solidFill>
+              <a:latin typeface="Microsoft JhengHei" panose="020B0604030504040204" pitchFamily="34" charset="-120"/>
+              <a:ea typeface="Microsoft JhengHei" panose="020B0604030504040204" pitchFamily="34" charset="-120"/>
+              <a:sym typeface="+mn-ea"/>
+            </a:endParaRPr>
+          </a:p>
+        </p:txBody>
+      </p:sp>
+      <p:cxnSp>
+        <p:nvCxnSpPr>
+          <p:cNvPr id="4" name="直接连接符 3"/>
+          <p:cNvCxnSpPr/>
+          <p:nvPr/>
+        </p:nvCxnSpPr>
+        <p:spPr>
+          <a:xfrm flipV="1">
+            <a:off x="5715" y="2342415"/>
+            <a:ext cx="12186285" cy="22225"/>
+          </a:xfrm>
+          <a:prstGeom prst="line">
+            <a:avLst/>
+          </a:prstGeom>
+          <a:ln w="28575">
+            <a:solidFill>
+              <a:schemeClr val="bg1"/>
+            </a:solidFill>
+          </a:ln>
+        </p:spPr>
+        <p:style>
+          <a:lnRef idx="1">
+            <a:schemeClr val="accent1"/>
+          </a:lnRef>
+          <a:fillRef idx="0">
+            <a:schemeClr val="accent1"/>
+          </a:fillRef>
+          <a:effectRef idx="0">
+            <a:schemeClr val="accent1"/>
+          </a:effectRef>
+          <a:fontRef idx="minor">
+            <a:schemeClr val="tx1"/>
+          </a:fontRef>
+        </p:style>
+      </p:cxnSp>
+      <p:sp>
+        <p:nvSpPr>
+          <p:cNvPr id="5" name="文本框 4"/>
+          <p:cNvSpPr txBox="1"/>
+          <p:nvPr/>
+        </p:nvSpPr>
+        <p:spPr>
+          <a:xfrm>
+            <a:off x="6350" y="1549400"/>
+            <a:ext cx="12190095" cy="3723005"/>
+          </a:xfrm>
+          <a:prstGeom prst="rect">
+            <a:avLst/>
+          </a:prstGeom>
+          <a:noFill/>
+        </p:spPr>
+        <p:txBody>
+          <a:bodyPr wrap="square" rtlCol="0">
+            <a:noAutofit/>
+          </a:bodyPr>
+          <a:lstStyle/>
+          <a:p>
+            <a:pPr algn="l"/>
+            <a:r>
+              <a:rPr lang="en-US" altLang="en-US" sz="2400" dirty="0">
+                <a:solidFill>
+                  <a:schemeClr val="tx1"/>
+                </a:solidFill>
+                <a:sym typeface="+mn-ea"/>
+              </a:rPr>
+              <a:t>• Secure chat in schools and labs</a:t>
+            </a:r>
+            <a:endParaRPr lang="en-US" altLang="en-US" sz="2400" dirty="0">
+              <a:solidFill>
+                <a:schemeClr val="tx1"/>
+              </a:solidFill>
+              <a:sym typeface="+mn-ea"/>
+            </a:endParaRPr>
+          </a:p>
+          <a:p>
+            <a:pPr algn="l"/>
+            <a:r>
+              <a:rPr lang="en-US" altLang="en-US" sz="2400" dirty="0">
+                <a:solidFill>
+                  <a:schemeClr val="tx1"/>
+                </a:solidFill>
+                <a:sym typeface="+mn-ea"/>
+              </a:rPr>
+              <a:t>Easy setup for private messaging without WebSockets.</a:t>
+            </a:r>
+            <a:endParaRPr lang="en-US" altLang="en-US" sz="2400" dirty="0">
+              <a:solidFill>
+                <a:schemeClr val="tx1"/>
+              </a:solidFill>
+              <a:sym typeface="+mn-ea"/>
+            </a:endParaRPr>
+          </a:p>
+          <a:p>
+            <a:pPr algn="l"/>
+            <a:endParaRPr lang="en-US" altLang="en-US" sz="2400" dirty="0">
+              <a:solidFill>
+                <a:schemeClr val="tx1"/>
+              </a:solidFill>
+              <a:sym typeface="+mn-ea"/>
+            </a:endParaRPr>
+          </a:p>
+          <a:p>
+            <a:pPr algn="l"/>
+            <a:r>
+              <a:rPr lang="en-US" altLang="en-US" sz="2400" dirty="0">
+                <a:solidFill>
+                  <a:schemeClr val="tx1"/>
+                </a:solidFill>
+                <a:sym typeface="+mn-ea"/>
+              </a:rPr>
+              <a:t>• Works on old devices</a:t>
+            </a:r>
+            <a:endParaRPr lang="en-US" altLang="en-US" sz="2400" dirty="0">
+              <a:solidFill>
+                <a:schemeClr val="tx1"/>
+              </a:solidFill>
+              <a:sym typeface="+mn-ea"/>
+            </a:endParaRPr>
+          </a:p>
+          <a:p>
+            <a:pPr algn="l"/>
+            <a:r>
+              <a:rPr lang="en-US" altLang="en-US" sz="2400" dirty="0">
+                <a:solidFill>
+                  <a:schemeClr val="tx1"/>
+                </a:solidFill>
+                <a:sym typeface="+mn-ea"/>
+              </a:rPr>
+              <a:t>Runs on routers, old PCs, and low-power systems.</a:t>
+            </a:r>
+            <a:endParaRPr lang="en-US" altLang="en-US" sz="2400" dirty="0">
+              <a:solidFill>
+                <a:schemeClr val="tx1"/>
+              </a:solidFill>
+              <a:sym typeface="+mn-ea"/>
+            </a:endParaRPr>
+          </a:p>
+          <a:p>
+            <a:pPr algn="l"/>
+            <a:endParaRPr lang="en-US" altLang="en-US" sz="2400" dirty="0">
+              <a:solidFill>
+                <a:schemeClr val="tx1"/>
+              </a:solidFill>
+              <a:sym typeface="+mn-ea"/>
+            </a:endParaRPr>
+          </a:p>
+          <a:p>
+            <a:pPr algn="l"/>
+            <a:r>
+              <a:rPr lang="en-US" altLang="en-US" sz="2400" dirty="0">
+                <a:solidFill>
+                  <a:schemeClr val="tx1"/>
+                </a:solidFill>
+                <a:sym typeface="+mn-ea"/>
+              </a:rPr>
+              <a:t>• Company communication</a:t>
+            </a:r>
+            <a:endParaRPr lang="en-US" altLang="en-US" sz="2400" dirty="0">
+              <a:solidFill>
+                <a:schemeClr val="tx1"/>
+              </a:solidFill>
+              <a:sym typeface="+mn-ea"/>
+            </a:endParaRPr>
+          </a:p>
+          <a:p>
+            <a:pPr algn="l"/>
+            <a:r>
+              <a:rPr lang="en-US" altLang="en-US" sz="2400" dirty="0">
+                <a:solidFill>
+                  <a:schemeClr val="tx1"/>
+                </a:solidFill>
+                <a:sym typeface="+mn-ea"/>
+              </a:rPr>
+              <a:t>Safe internal messaging between employees using FTP.</a:t>
+            </a:r>
+            <a:endParaRPr lang="en-US" altLang="en-US" sz="2400" dirty="0">
+              <a:solidFill>
+                <a:schemeClr val="tx1"/>
+              </a:solidFill>
+              <a:sym typeface="+mn-ea"/>
+            </a:endParaRPr>
+          </a:p>
+          <a:p>
+            <a:pPr algn="l"/>
+            <a:endParaRPr lang="en-US" altLang="en-US" sz="2400" dirty="0">
+              <a:solidFill>
+                <a:schemeClr val="tx1"/>
+              </a:solidFill>
+              <a:sym typeface="+mn-ea"/>
+            </a:endParaRPr>
+          </a:p>
+          <a:p>
+            <a:pPr algn="l"/>
+            <a:r>
+              <a:rPr lang="en-US" altLang="en-US" sz="2400" dirty="0">
+                <a:solidFill>
+                  <a:schemeClr val="tx1"/>
+                </a:solidFill>
+                <a:sym typeface="+mn-ea"/>
+              </a:rPr>
+              <a:t>• Global and local use</a:t>
+            </a:r>
+            <a:endParaRPr lang="en-US" altLang="en-US" sz="2400" dirty="0">
+              <a:solidFill>
+                <a:schemeClr val="tx1"/>
+              </a:solidFill>
+              <a:sym typeface="+mn-ea"/>
+            </a:endParaRPr>
+          </a:p>
+          <a:p>
+            <a:pPr algn="l"/>
+            <a:r>
+              <a:rPr lang="en-US" altLang="en-US" sz="2400" dirty="0">
+                <a:solidFill>
+                  <a:schemeClr val="tx1"/>
+                </a:solidFill>
+                <a:sym typeface="+mn-ea"/>
+              </a:rPr>
+              <a:t>Works with cloud servers or home routers, no special tools needed.</a:t>
+            </a:r>
+            <a:endParaRPr lang="en-US" altLang="en-US" sz="2400" dirty="0">
+              <a:solidFill>
+                <a:schemeClr val="tx1"/>
+              </a:solidFill>
+              <a:sym typeface="+mn-ea"/>
+            </a:endParaRPr>
+          </a:p>
+          <a:p>
+            <a:pPr algn="l"/>
+            <a:endParaRPr lang="en-US" altLang="en-US" sz="2400" dirty="0">
+              <a:solidFill>
+                <a:schemeClr val="tx1"/>
+              </a:solidFill>
+              <a:sym typeface="+mn-ea"/>
+            </a:endParaRPr>
+          </a:p>
+          <a:p>
+            <a:pPr algn="l"/>
+            <a:endParaRPr lang="en-US" altLang="en-US" sz="2400" dirty="0">
+              <a:solidFill>
+                <a:schemeClr val="tx1"/>
+              </a:solidFill>
+              <a:sym typeface="+mn-ea"/>
+            </a:endParaRPr>
+          </a:p>
+        </p:txBody>
+      </p:sp>
+    </p:spTree>
+  </p:cSld>
+  <p:clrMapOvr>
+    <a:masterClrMapping/>
+  </p:clrMapOvr>
+</p:sld>
+</file>
+
+<file path=ppt/slides/slide11.xml><?xml version="1.0" encoding="utf-8"?>
+<p:sld xmlns:a="http://schemas.openxmlformats.org/drawingml/2006/main" xmlns:r="http://schemas.openxmlformats.org/officeDocument/2006/relationships" xmlns:p="http://schemas.openxmlformats.org/presentationml/2006/main">
+  <p:cSld>
+    <p:bg>
+      <p:bgPr>
+        <a:solidFill>
+          <a:srgbClr val="FFFFFF"/>
+        </a:solidFill>
+        <a:effectLst/>
+      </p:bgPr>
+    </p:bg>
+    <p:spTree>
+      <p:nvGrpSpPr>
+        <p:cNvPr id="1" name=""/>
+        <p:cNvGrpSpPr/>
+        <p:nvPr/>
+      </p:nvGrpSpPr>
+      <p:grpSpPr>
+        <a:xfrm>
+          <a:off x="0" y="0"/>
+          <a:ext cx="0" cy="0"/>
+          <a:chOff x="0" y="0"/>
+          <a:chExt cx="0" cy="0"/>
+        </a:xfrm>
+      </p:grpSpPr>
+      <p:sp>
+        <p:nvSpPr>
+          <p:cNvPr id="3" name="文本框 2"/>
+          <p:cNvSpPr txBox="1"/>
+          <p:nvPr/>
+        </p:nvSpPr>
+        <p:spPr>
+          <a:xfrm>
             <a:off x="-1270" y="774700"/>
             <a:ext cx="12190730" cy="774700"/>
           </a:xfrm>
@@ -5108,7 +5438,7 @@
 </p:sld>
 </file>
 
-<file path=ppt/slides/slide11.xml><?xml version="1.0" encoding="utf-8"?>
+<file path=ppt/slides/slide12.xml><?xml version="1.0" encoding="utf-8"?>
 <p:sld xmlns:a="http://schemas.openxmlformats.org/drawingml/2006/main" xmlns:r="http://schemas.openxmlformats.org/officeDocument/2006/relationships" xmlns:p="http://schemas.openxmlformats.org/presentationml/2006/main">
   <p:cSld>
     <p:bg>
@@ -5410,7 +5740,7 @@
 </p:sld>
 </file>
 
-<file path=ppt/slides/slide12.xml><?xml version="1.0" encoding="utf-8"?>
+<file path=ppt/slides/slide13.xml><?xml version="1.0" encoding="utf-8"?>
 <p:sld xmlns:a="http://schemas.openxmlformats.org/drawingml/2006/main" xmlns:r="http://schemas.openxmlformats.org/officeDocument/2006/relationships" xmlns:p="http://schemas.openxmlformats.org/presentationml/2006/main">
   <p:cSld>
     <p:bg>
@@ -5907,6 +6237,354 @@
         </p:nvSpPr>
         <p:spPr>
           <a:xfrm>
+            <a:off x="0" y="768350"/>
+            <a:ext cx="12195175" cy="768350"/>
+          </a:xfrm>
+          <a:prstGeom prst="rect">
+            <a:avLst/>
+          </a:prstGeom>
+          <a:noFill/>
+        </p:spPr>
+        <p:txBody>
+          <a:bodyPr wrap="square" rtlCol="0">
+            <a:spAutoFit/>
+          </a:bodyPr>
+          <a:lstStyle/>
+          <a:p>
+            <a:pPr algn="ctr"/>
+            <a:r>
+              <a:rPr lang="en-US" sz="4400" b="1" dirty="0">
+                <a:solidFill>
+                  <a:schemeClr val="accent2">
+                    <a:lumMod val="75000"/>
+                  </a:schemeClr>
+                </a:solidFill>
+                <a:latin typeface="Microsoft JhengHei" panose="020B0604030504040204" pitchFamily="34" charset="-120"/>
+                <a:ea typeface="Microsoft JhengHei" panose="020B0604030504040204" pitchFamily="34" charset="-120"/>
+                <a:sym typeface="+mn-ea"/>
+              </a:rPr>
+              <a:t>Features</a:t>
+            </a:r>
+            <a:endParaRPr lang="en-US" sz="4400" b="1" dirty="0" smtClean="0">
+              <a:solidFill>
+                <a:schemeClr val="accent1">
+                  <a:lumMod val="75000"/>
+                </a:schemeClr>
+              </a:solidFill>
+              <a:latin typeface="Microsoft JhengHei" panose="020B0604030504040204" pitchFamily="34" charset="-120"/>
+              <a:ea typeface="Microsoft JhengHei" panose="020B0604030504040204" pitchFamily="34" charset="-120"/>
+              <a:sym typeface="+mn-ea"/>
+            </a:endParaRPr>
+          </a:p>
+        </p:txBody>
+      </p:sp>
+      <p:cxnSp>
+        <p:nvCxnSpPr>
+          <p:cNvPr id="4" name="直接连接符 3"/>
+          <p:cNvCxnSpPr/>
+          <p:nvPr/>
+        </p:nvCxnSpPr>
+        <p:spPr>
+          <a:xfrm>
+            <a:off x="-3175" y="2456080"/>
+            <a:ext cx="12195175" cy="97790"/>
+          </a:xfrm>
+          <a:prstGeom prst="line">
+            <a:avLst/>
+          </a:prstGeom>
+          <a:ln w="28575">
+            <a:solidFill>
+              <a:schemeClr val="bg1"/>
+            </a:solidFill>
+          </a:ln>
+        </p:spPr>
+        <p:style>
+          <a:lnRef idx="1">
+            <a:schemeClr val="accent1"/>
+          </a:lnRef>
+          <a:fillRef idx="0">
+            <a:schemeClr val="accent1"/>
+          </a:fillRef>
+          <a:effectRef idx="0">
+            <a:schemeClr val="accent1"/>
+          </a:effectRef>
+          <a:fontRef idx="minor">
+            <a:schemeClr val="tx1"/>
+          </a:fontRef>
+        </p:style>
+      </p:cxnSp>
+      <p:sp>
+        <p:nvSpPr>
+          <p:cNvPr id="5" name="文本框 4"/>
+          <p:cNvSpPr txBox="1"/>
+          <p:nvPr/>
+        </p:nvSpPr>
+        <p:spPr>
+          <a:xfrm>
+            <a:off x="0" y="1709420"/>
+            <a:ext cx="12195175" cy="4378960"/>
+          </a:xfrm>
+          <a:prstGeom prst="rect">
+            <a:avLst/>
+          </a:prstGeom>
+          <a:noFill/>
+        </p:spPr>
+        <p:txBody>
+          <a:bodyPr wrap="square" rtlCol="0">
+            <a:noAutofit/>
+          </a:bodyPr>
+          <a:lstStyle/>
+          <a:p>
+            <a:pPr marL="457200" indent="-457200">
+              <a:buAutoNum type="arabicPeriod"/>
+            </a:pPr>
+            <a:r>
+              <a:rPr lang="en-US" altLang="en-US" sz="2400" dirty="0">
+                <a:solidFill>
+                  <a:schemeClr val="tx1"/>
+                </a:solidFill>
+                <a:sym typeface="+mn-ea"/>
+              </a:rPr>
+              <a:t>Local and global mode</a:t>
+            </a:r>
+            <a:endParaRPr lang="en-US" altLang="en-US" sz="2400" dirty="0">
+              <a:solidFill>
+                <a:schemeClr val="tx1"/>
+              </a:solidFill>
+              <a:sym typeface="+mn-ea"/>
+            </a:endParaRPr>
+          </a:p>
+          <a:p>
+            <a:pPr marL="457200" indent="-457200">
+              <a:buAutoNum type="arabicPeriod"/>
+            </a:pPr>
+            <a:endParaRPr lang="en-US" altLang="en-US" sz="2400" dirty="0">
+              <a:solidFill>
+                <a:schemeClr val="tx1"/>
+              </a:solidFill>
+              <a:sym typeface="+mn-ea"/>
+            </a:endParaRPr>
+          </a:p>
+          <a:p>
+            <a:pPr marL="457200" indent="-457200">
+              <a:buAutoNum type="arabicPeriod"/>
+            </a:pPr>
+            <a:r>
+              <a:rPr lang="en-US" altLang="en-US" sz="2400" dirty="0">
+                <a:solidFill>
+                  <a:schemeClr val="tx1"/>
+                </a:solidFill>
+                <a:sym typeface="+mn-ea"/>
+              </a:rPr>
+              <a:t>Uses a low ammount of electricity which is also ECO-Friendly</a:t>
+            </a:r>
+            <a:endParaRPr lang="en-US" altLang="en-US" sz="2400" dirty="0">
+              <a:solidFill>
+                <a:schemeClr val="tx1"/>
+              </a:solidFill>
+              <a:sym typeface="+mn-ea"/>
+            </a:endParaRPr>
+          </a:p>
+          <a:p>
+            <a:pPr marL="457200" indent="-457200">
+              <a:buAutoNum type="arabicPeriod"/>
+            </a:pPr>
+            <a:endParaRPr lang="en-US" altLang="en-US" sz="2400" dirty="0">
+              <a:solidFill>
+                <a:schemeClr val="tx1"/>
+              </a:solidFill>
+              <a:sym typeface="+mn-ea"/>
+            </a:endParaRPr>
+          </a:p>
+          <a:p>
+            <a:pPr marL="457200" indent="-457200">
+              <a:buAutoNum type="arabicPeriod"/>
+            </a:pPr>
+            <a:r>
+              <a:rPr lang="en-US" altLang="en-US" sz="2400" dirty="0">
+                <a:solidFill>
+                  <a:schemeClr val="tx1"/>
+                </a:solidFill>
+                <a:sym typeface="+mn-ea"/>
+              </a:rPr>
+              <a:t>Works without internet in local mode which make it also more secure</a:t>
+            </a:r>
+            <a:endParaRPr lang="en-US" altLang="en-US" sz="2400" dirty="0">
+              <a:solidFill>
+                <a:schemeClr val="tx1"/>
+              </a:solidFill>
+              <a:sym typeface="+mn-ea"/>
+            </a:endParaRPr>
+          </a:p>
+          <a:p>
+            <a:pPr marL="457200" indent="-457200">
+              <a:buAutoNum type="arabicPeriod"/>
+            </a:pPr>
+            <a:endParaRPr lang="en-US" altLang="en-US" sz="2400" dirty="0">
+              <a:solidFill>
+                <a:schemeClr val="tx1"/>
+              </a:solidFill>
+              <a:sym typeface="+mn-ea"/>
+            </a:endParaRPr>
+          </a:p>
+          <a:p>
+            <a:pPr marL="457200" indent="-457200">
+              <a:buAutoNum type="arabicPeriod"/>
+            </a:pPr>
+            <a:r>
+              <a:rPr lang="en-US" altLang="en-US" sz="2400" dirty="0">
+                <a:solidFill>
+                  <a:schemeClr val="tx1"/>
+                </a:solidFill>
+                <a:sym typeface="+mn-ea"/>
+              </a:rPr>
+              <a:t>Cheap to deploy (1900 EGP for around 50-100 users)</a:t>
+            </a:r>
+            <a:endParaRPr lang="en-US" altLang="en-US" sz="2400" dirty="0">
+              <a:solidFill>
+                <a:schemeClr val="tx1"/>
+              </a:solidFill>
+              <a:sym typeface="+mn-ea"/>
+            </a:endParaRPr>
+          </a:p>
+          <a:p>
+            <a:pPr marL="457200" indent="-457200">
+              <a:buAutoNum type="arabicPeriod"/>
+            </a:pPr>
+            <a:endParaRPr lang="en-US" altLang="en-US" sz="2400" dirty="0">
+              <a:solidFill>
+                <a:schemeClr val="tx1"/>
+              </a:solidFill>
+              <a:sym typeface="+mn-ea"/>
+            </a:endParaRPr>
+          </a:p>
+          <a:p>
+            <a:pPr marL="457200" indent="-457200">
+              <a:buAutoNum type="arabicPeriod"/>
+            </a:pPr>
+            <a:r>
+              <a:rPr lang="en-US" altLang="en-US" sz="2400" dirty="0">
+                <a:solidFill>
+                  <a:schemeClr val="tx1"/>
+                </a:solidFill>
+                <a:sym typeface="+mn-ea"/>
+              </a:rPr>
+              <a:t>24 Layer of mono-alphabetic encryption</a:t>
+            </a:r>
+            <a:endParaRPr lang="en-US" altLang="en-US" sz="2400" dirty="0">
+              <a:solidFill>
+                <a:schemeClr val="tx1"/>
+              </a:solidFill>
+              <a:sym typeface="+mn-ea"/>
+            </a:endParaRPr>
+          </a:p>
+          <a:p>
+            <a:pPr marL="457200" indent="-457200">
+              <a:buAutoNum type="arabicPeriod"/>
+            </a:pPr>
+            <a:endParaRPr lang="en-US" altLang="en-US" sz="2400" dirty="0">
+              <a:solidFill>
+                <a:schemeClr val="tx1"/>
+              </a:solidFill>
+              <a:sym typeface="+mn-ea"/>
+            </a:endParaRPr>
+          </a:p>
+          <a:p>
+            <a:pPr marL="457200" indent="-457200">
+              <a:buAutoNum type="arabicPeriod"/>
+            </a:pPr>
+            <a:r>
+              <a:rPr lang="en-US" altLang="en-US" sz="2400" dirty="0">
+                <a:solidFill>
+                  <a:schemeClr val="tx1"/>
+                </a:solidFill>
+                <a:sym typeface="+mn-ea"/>
+              </a:rPr>
+              <a:t>Small and compact size</a:t>
+            </a:r>
+            <a:endParaRPr lang="en-US" altLang="en-US" sz="2400" dirty="0">
+              <a:solidFill>
+                <a:schemeClr val="tx1"/>
+              </a:solidFill>
+              <a:sym typeface="+mn-ea"/>
+            </a:endParaRPr>
+          </a:p>
+          <a:p>
+            <a:pPr marL="457200" indent="-457200">
+              <a:buAutoNum type="arabicPeriod"/>
+            </a:pPr>
+            <a:endParaRPr lang="en-US" altLang="en-US" sz="2400" dirty="0">
+              <a:solidFill>
+                <a:schemeClr val="tx1"/>
+              </a:solidFill>
+              <a:sym typeface="+mn-ea"/>
+            </a:endParaRPr>
+          </a:p>
+          <a:p>
+            <a:pPr marL="457200" indent="-457200">
+              <a:buAutoNum type="arabicPeriod"/>
+            </a:pPr>
+            <a:endParaRPr lang="en-US" altLang="en-US" sz="2400" dirty="0">
+              <a:solidFill>
+                <a:schemeClr val="tx1"/>
+              </a:solidFill>
+              <a:sym typeface="+mn-ea"/>
+            </a:endParaRPr>
+          </a:p>
+          <a:p>
+            <a:pPr marL="457200" indent="-457200">
+              <a:buAutoNum type="arabicPeriod"/>
+            </a:pPr>
+            <a:endParaRPr lang="en-US" altLang="en-US" sz="2400" dirty="0">
+              <a:solidFill>
+                <a:schemeClr val="tx1"/>
+              </a:solidFill>
+              <a:sym typeface="+mn-ea"/>
+            </a:endParaRPr>
+          </a:p>
+        </p:txBody>
+      </p:sp>
+    </p:spTree>
+  </p:cSld>
+  <p:clrMapOvr>
+    <a:masterClrMapping/>
+  </p:clrMapOvr>
+</p:sld>
+</file>
+
+<file path=ppt/slides/slide4.xml><?xml version="1.0" encoding="utf-8"?>
+<p:sld xmlns:a="http://schemas.openxmlformats.org/drawingml/2006/main" xmlns:r="http://schemas.openxmlformats.org/officeDocument/2006/relationships" xmlns:p="http://schemas.openxmlformats.org/presentationml/2006/main">
+  <p:cSld>
+    <p:bg>
+      <p:bgPr>
+        <a:solidFill>
+          <a:srgbClr val="FFFFFF"/>
+        </a:solidFill>
+        <a:effectLst/>
+      </p:bgPr>
+    </p:bg>
+    <p:spTree>
+      <p:nvGrpSpPr>
+        <p:cNvPr id="1" name=""/>
+        <p:cNvGrpSpPr/>
+        <p:nvPr/>
+      </p:nvGrpSpPr>
+      <p:grpSpPr>
+        <a:xfrm>
+          <a:off x="0" y="0"/>
+          <a:ext cx="0" cy="0"/>
+          <a:chOff x="0" y="0"/>
+          <a:chExt cx="0" cy="0"/>
+        </a:xfrm>
+      </p:grpSpPr>
+      <p:sp>
+        <p:nvSpPr>
+          <p:cNvPr id="3" name="文本框 2"/>
+          <p:cNvSpPr txBox="1"/>
+          <p:nvPr/>
+        </p:nvSpPr>
+        <p:spPr>
+          <a:xfrm>
             <a:off x="0" y="774700"/>
             <a:ext cx="12190730" cy="774700"/>
           </a:xfrm>
@@ -6163,7 +6841,7 @@
 </p:sld>
 </file>
 
-<file path=ppt/slides/slide4.xml><?xml version="1.0" encoding="utf-8"?>
+<file path=ppt/slides/slide5.xml><?xml version="1.0" encoding="utf-8"?>
 <p:sld xmlns:a="http://schemas.openxmlformats.org/drawingml/2006/main" xmlns:r="http://schemas.openxmlformats.org/officeDocument/2006/relationships" xmlns:p="http://schemas.openxmlformats.org/presentationml/2006/main">
   <p:cSld>
     <p:bg>
@@ -6325,7 +7003,7 @@
 </p:sld>
 </file>
 
-<file path=ppt/slides/slide5.xml><?xml version="1.0" encoding="utf-8"?>
+<file path=ppt/slides/slide6.xml><?xml version="1.0" encoding="utf-8"?>
 <p:sld xmlns:a="http://schemas.openxmlformats.org/drawingml/2006/main" xmlns:r="http://schemas.openxmlformats.org/officeDocument/2006/relationships" xmlns:p="http://schemas.openxmlformats.org/presentationml/2006/main">
   <p:cSld>
     <p:bg>
@@ -6739,7 +7417,7 @@
 </p:sld>
 </file>
 
-<file path=ppt/slides/slide6.xml><?xml version="1.0" encoding="utf-8"?>
+<file path=ppt/slides/slide7.xml><?xml version="1.0" encoding="utf-8"?>
 <p:sld xmlns:a="http://schemas.openxmlformats.org/drawingml/2006/main" xmlns:r="http://schemas.openxmlformats.org/officeDocument/2006/relationships" xmlns:p="http://schemas.openxmlformats.org/presentationml/2006/main">
   <p:cSld>
     <p:bg>
@@ -7087,7 +7765,7 @@
 </p:sld>
 </file>
 
-<file path=ppt/slides/slide7.xml><?xml version="1.0" encoding="utf-8"?>
+<file path=ppt/slides/slide8.xml><?xml version="1.0" encoding="utf-8"?>
 <p:sld xmlns:a="http://schemas.openxmlformats.org/drawingml/2006/main" xmlns:r="http://schemas.openxmlformats.org/officeDocument/2006/relationships" xmlns:p="http://schemas.openxmlformats.org/presentationml/2006/main">
   <p:cSld>
     <p:bg>
@@ -7328,7 +8006,7 @@
 </p:sld>
 </file>
 
-<file path=ppt/slides/slide8.xml><?xml version="1.0" encoding="utf-8"?>
+<file path=ppt/slides/slide9.xml><?xml version="1.0" encoding="utf-8"?>
 <p:sld xmlns:a="http://schemas.openxmlformats.org/drawingml/2006/main" xmlns:r="http://schemas.openxmlformats.org/officeDocument/2006/relationships" xmlns:p="http://schemas.openxmlformats.org/presentationml/2006/main">
   <p:cSld>
     <p:bg>
@@ -7755,335 +8433,6 @@
                   <a:lumMod val="95000"/>
                   <a:lumOff val="5000"/>
                 </a:schemeClr>
-              </a:solidFill>
-              <a:sym typeface="+mn-ea"/>
-            </a:endParaRPr>
-          </a:p>
-        </p:txBody>
-      </p:sp>
-    </p:spTree>
-  </p:cSld>
-  <p:clrMapOvr>
-    <a:masterClrMapping/>
-  </p:clrMapOvr>
-</p:sld>
-</file>
-
-<file path=ppt/slides/slide9.xml><?xml version="1.0" encoding="utf-8"?>
-<p:sld xmlns:a="http://schemas.openxmlformats.org/drawingml/2006/main" xmlns:r="http://schemas.openxmlformats.org/officeDocument/2006/relationships" xmlns:p="http://schemas.openxmlformats.org/presentationml/2006/main">
-  <p:cSld>
-    <p:bg>
-      <p:bgPr>
-        <a:solidFill>
-          <a:srgbClr val="FFFFFF"/>
-        </a:solidFill>
-        <a:effectLst/>
-      </p:bgPr>
-    </p:bg>
-    <p:spTree>
-      <p:nvGrpSpPr>
-        <p:cNvPr id="1" name=""/>
-        <p:cNvGrpSpPr/>
-        <p:nvPr/>
-      </p:nvGrpSpPr>
-      <p:grpSpPr>
-        <a:xfrm>
-          <a:off x="0" y="0"/>
-          <a:ext cx="0" cy="0"/>
-          <a:chOff x="0" y="0"/>
-          <a:chExt cx="0" cy="0"/>
-        </a:xfrm>
-      </p:grpSpPr>
-      <p:sp>
-        <p:nvSpPr>
-          <p:cNvPr id="3" name="文本框 2"/>
-          <p:cNvSpPr txBox="1"/>
-          <p:nvPr/>
-        </p:nvSpPr>
-        <p:spPr>
-          <a:xfrm>
-            <a:off x="5715" y="774700"/>
-            <a:ext cx="12190730" cy="774700"/>
-          </a:xfrm>
-          <a:prstGeom prst="rect">
-            <a:avLst/>
-          </a:prstGeom>
-          <a:noFill/>
-        </p:spPr>
-        <p:txBody>
-          <a:bodyPr wrap="square" rtlCol="0">
-            <a:noAutofit/>
-          </a:bodyPr>
-          <a:lstStyle/>
-          <a:p>
-            <a:pPr algn="ctr"/>
-            <a:r>
-              <a:rPr lang="en-US" altLang="en-US" sz="4400" b="1" dirty="0" smtClean="0">
-                <a:solidFill>
-                  <a:schemeClr val="accent1">
-                    <a:lumMod val="75000"/>
-                  </a:schemeClr>
-                </a:solidFill>
-                <a:latin typeface="Microsoft JhengHei" panose="020B0604030504040204" pitchFamily="34" charset="-120"/>
-                <a:ea typeface="Microsoft JhengHei" panose="020B0604030504040204" pitchFamily="34" charset="-120"/>
-                <a:sym typeface="+mn-ea"/>
-              </a:rPr>
-              <a:t>Applications</a:t>
-            </a:r>
-            <a:endParaRPr lang="en-US" altLang="en-US" sz="4400" b="1" dirty="0" smtClean="0">
-              <a:solidFill>
-                <a:schemeClr val="accent1">
-                  <a:lumMod val="75000"/>
-                </a:schemeClr>
-              </a:solidFill>
-              <a:latin typeface="Microsoft JhengHei" panose="020B0604030504040204" pitchFamily="34" charset="-120"/>
-              <a:ea typeface="Microsoft JhengHei" panose="020B0604030504040204" pitchFamily="34" charset="-120"/>
-              <a:sym typeface="+mn-ea"/>
-            </a:endParaRPr>
-          </a:p>
-        </p:txBody>
-      </p:sp>
-      <p:cxnSp>
-        <p:nvCxnSpPr>
-          <p:cNvPr id="4" name="直接连接符 3"/>
-          <p:cNvCxnSpPr/>
-          <p:nvPr/>
-        </p:nvCxnSpPr>
-        <p:spPr>
-          <a:xfrm flipV="1">
-            <a:off x="5715" y="2342415"/>
-            <a:ext cx="12186285" cy="22225"/>
-          </a:xfrm>
-          <a:prstGeom prst="line">
-            <a:avLst/>
-          </a:prstGeom>
-          <a:ln w="28575">
-            <a:solidFill>
-              <a:schemeClr val="bg1"/>
-            </a:solidFill>
-          </a:ln>
-        </p:spPr>
-        <p:style>
-          <a:lnRef idx="1">
-            <a:schemeClr val="accent1"/>
-          </a:lnRef>
-          <a:fillRef idx="0">
-            <a:schemeClr val="accent1"/>
-          </a:fillRef>
-          <a:effectRef idx="0">
-            <a:schemeClr val="accent1"/>
-          </a:effectRef>
-          <a:fontRef idx="minor">
-            <a:schemeClr val="tx1"/>
-          </a:fontRef>
-        </p:style>
-      </p:cxnSp>
-      <p:sp>
-        <p:nvSpPr>
-          <p:cNvPr id="5" name="文本框 4"/>
-          <p:cNvSpPr txBox="1"/>
-          <p:nvPr/>
-        </p:nvSpPr>
-        <p:spPr>
-          <a:xfrm>
-            <a:off x="6350" y="1549400"/>
-            <a:ext cx="12190095" cy="3723005"/>
-          </a:xfrm>
-          <a:prstGeom prst="rect">
-            <a:avLst/>
-          </a:prstGeom>
-          <a:noFill/>
-        </p:spPr>
-        <p:txBody>
-          <a:bodyPr wrap="square" rtlCol="0">
-            <a:noAutofit/>
-          </a:bodyPr>
-          <a:lstStyle/>
-          <a:p>
-            <a:pPr algn="l"/>
-            <a:r>
-              <a:rPr lang="en-US" altLang="en-US" sz="2400" dirty="0">
-                <a:solidFill>
-                  <a:schemeClr val="tx1"/>
-                </a:solidFill>
-                <a:sym typeface="+mn-ea"/>
-              </a:rPr>
-              <a:t>• Secure chat in schools and labs</a:t>
-            </a:r>
-            <a:endParaRPr lang="en-US" altLang="en-US" sz="2400" dirty="0">
-              <a:solidFill>
-                <a:schemeClr val="tx1"/>
-              </a:solidFill>
-              <a:sym typeface="+mn-ea"/>
-            </a:endParaRPr>
-          </a:p>
-          <a:p>
-            <a:pPr algn="l"/>
-            <a:r>
-              <a:rPr lang="en-US" altLang="en-US" sz="2400" dirty="0">
-                <a:solidFill>
-                  <a:schemeClr val="tx1"/>
-                </a:solidFill>
-                <a:sym typeface="+mn-ea"/>
-              </a:rPr>
-              <a:t>Easy setup for private messaging without WebSockets.</a:t>
-            </a:r>
-            <a:endParaRPr lang="en-US" altLang="en-US" sz="2400" dirty="0">
-              <a:solidFill>
-                <a:schemeClr val="tx1"/>
-              </a:solidFill>
-              <a:sym typeface="+mn-ea"/>
-            </a:endParaRPr>
-          </a:p>
-          <a:p>
-            <a:pPr algn="l"/>
-            <a:endParaRPr lang="en-US" altLang="en-US" sz="2400" dirty="0">
-              <a:solidFill>
-                <a:schemeClr val="tx1"/>
-              </a:solidFill>
-              <a:sym typeface="+mn-ea"/>
-            </a:endParaRPr>
-          </a:p>
-          <a:p>
-            <a:pPr algn="l"/>
-            <a:r>
-              <a:rPr lang="en-US" altLang="en-US" sz="2400" dirty="0">
-                <a:solidFill>
-                  <a:schemeClr val="tx1"/>
-                </a:solidFill>
-                <a:sym typeface="+mn-ea"/>
-              </a:rPr>
-              <a:t>• Works on old devices</a:t>
-            </a:r>
-            <a:endParaRPr lang="en-US" altLang="en-US" sz="2400" dirty="0">
-              <a:solidFill>
-                <a:schemeClr val="tx1"/>
-              </a:solidFill>
-              <a:sym typeface="+mn-ea"/>
-            </a:endParaRPr>
-          </a:p>
-          <a:p>
-            <a:pPr algn="l"/>
-            <a:r>
-              <a:rPr lang="en-US" altLang="en-US" sz="2400" dirty="0">
-                <a:solidFill>
-                  <a:schemeClr val="tx1"/>
-                </a:solidFill>
-                <a:sym typeface="+mn-ea"/>
-              </a:rPr>
-              <a:t>Runs on routers, old PCs, and low-power systems.</a:t>
-            </a:r>
-            <a:endParaRPr lang="en-US" altLang="en-US" sz="2400" dirty="0">
-              <a:solidFill>
-                <a:schemeClr val="tx1"/>
-              </a:solidFill>
-              <a:sym typeface="+mn-ea"/>
-            </a:endParaRPr>
-          </a:p>
-          <a:p>
-            <a:pPr algn="l"/>
-            <a:endParaRPr lang="en-US" altLang="en-US" sz="2400" dirty="0">
-              <a:solidFill>
-                <a:schemeClr val="tx1"/>
-              </a:solidFill>
-              <a:sym typeface="+mn-ea"/>
-            </a:endParaRPr>
-          </a:p>
-          <a:p>
-            <a:pPr algn="l"/>
-            <a:r>
-              <a:rPr lang="en-US" altLang="en-US" sz="2400" dirty="0">
-                <a:solidFill>
-                  <a:schemeClr val="tx1"/>
-                </a:solidFill>
-                <a:sym typeface="+mn-ea"/>
-              </a:rPr>
-              <a:t>• Company communication</a:t>
-            </a:r>
-            <a:endParaRPr lang="en-US" altLang="en-US" sz="2400" dirty="0">
-              <a:solidFill>
-                <a:schemeClr val="tx1"/>
-              </a:solidFill>
-              <a:sym typeface="+mn-ea"/>
-            </a:endParaRPr>
-          </a:p>
-          <a:p>
-            <a:pPr algn="l"/>
-            <a:r>
-              <a:rPr lang="en-US" altLang="en-US" sz="2400" dirty="0">
-                <a:solidFill>
-                  <a:schemeClr val="tx1"/>
-                </a:solidFill>
-                <a:sym typeface="+mn-ea"/>
-              </a:rPr>
-              <a:t>Safe internal messaging between employees using FTP.</a:t>
-            </a:r>
-            <a:endParaRPr lang="en-US" altLang="en-US" sz="2400" dirty="0">
-              <a:solidFill>
-                <a:schemeClr val="tx1"/>
-              </a:solidFill>
-              <a:sym typeface="+mn-ea"/>
-            </a:endParaRPr>
-          </a:p>
-          <a:p>
-            <a:pPr algn="l"/>
-            <a:endParaRPr lang="en-US" altLang="en-US" sz="2400" dirty="0">
-              <a:solidFill>
-                <a:schemeClr val="tx1"/>
-              </a:solidFill>
-              <a:sym typeface="+mn-ea"/>
-            </a:endParaRPr>
-          </a:p>
-          <a:p>
-            <a:pPr algn="l"/>
-            <a:r>
-              <a:rPr lang="en-US" altLang="en-US" sz="2400" dirty="0">
-                <a:solidFill>
-                  <a:schemeClr val="tx1"/>
-                </a:solidFill>
-                <a:sym typeface="+mn-ea"/>
-              </a:rPr>
-              <a:t>• Global and local use</a:t>
-            </a:r>
-            <a:endParaRPr lang="en-US" altLang="en-US" sz="2400" dirty="0">
-              <a:solidFill>
-                <a:schemeClr val="tx1"/>
-              </a:solidFill>
-              <a:sym typeface="+mn-ea"/>
-            </a:endParaRPr>
-          </a:p>
-          <a:p>
-            <a:pPr algn="l"/>
-            <a:r>
-              <a:rPr lang="en-US" altLang="en-US" sz="2400" dirty="0">
-                <a:solidFill>
-                  <a:schemeClr val="tx1"/>
-                </a:solidFill>
-                <a:sym typeface="+mn-ea"/>
-              </a:rPr>
-              <a:t>Works with cloud servers or home routers, no special tools needed.</a:t>
-            </a:r>
-            <a:endParaRPr lang="en-US" altLang="en-US" sz="2400" dirty="0">
-              <a:solidFill>
-                <a:schemeClr val="tx1"/>
-              </a:solidFill>
-              <a:sym typeface="+mn-ea"/>
-            </a:endParaRPr>
-          </a:p>
-          <a:p>
-            <a:pPr algn="l"/>
-            <a:endParaRPr lang="en-US" altLang="en-US" sz="2400" dirty="0">
-              <a:solidFill>
-                <a:schemeClr val="tx1"/>
-              </a:solidFill>
-              <a:sym typeface="+mn-ea"/>
-            </a:endParaRPr>
-          </a:p>
-          <a:p>
-            <a:pPr algn="l"/>
-            <a:endParaRPr lang="en-US" altLang="en-US" sz="2400" dirty="0">
-              <a:solidFill>
-                <a:schemeClr val="tx1"/>
               </a:solidFill>
               <a:sym typeface="+mn-ea"/>
             </a:endParaRPr>
